--- a/MyCompany/资源汇总.pptx
+++ b/MyCompany/资源汇总.pptx
@@ -113,7 +113,7 @@
   </p:defaultTextStyle>
   <p:extLst>
     <p:ext uri="{EFAFB233-063F-42B5-8137-9DF3F51BA10A}">
-      <p15:sldGuideLst xmlns:p15="http://schemas.microsoft.com/office/powerpoint/2012/main"/>
+      <p15:sldGuideLst xmlns="" xmlns:p15="http://schemas.microsoft.com/office/powerpoint/2012/main"/>
     </p:ext>
   </p:extLst>
 </p:presentation>
@@ -250,7 +250,8 @@
           <a:p>
             <a:fld id="{C764DE79-268F-4C1A-8933-263129D2AF90}" type="datetimeFigureOut">
               <a:rPr lang="en-US" dirty="0"/>
-              <a:t>4/7/2019</a:t>
+              <a:pPr/>
+              <a:t>4/10/2019</a:t>
             </a:fld>
             <a:endParaRPr lang="en-US" dirty="0"/>
           </a:p>
@@ -292,6 +293,7 @@
           <a:p>
             <a:fld id="{48F63A3B-78C7-47BE-AE5E-E10140E04643}" type="slidenum">
               <a:rPr lang="en-US" dirty="0"/>
+              <a:pPr/>
               <a:t>‹#›</a:t>
             </a:fld>
             <a:endParaRPr lang="en-US" dirty="0"/>
@@ -420,7 +422,8 @@
           <a:p>
             <a:fld id="{C764DE79-268F-4C1A-8933-263129D2AF90}" type="datetimeFigureOut">
               <a:rPr lang="en-US" dirty="0"/>
-              <a:t>4/7/2019</a:t>
+              <a:pPr/>
+              <a:t>4/10/2019</a:t>
             </a:fld>
             <a:endParaRPr lang="en-US" dirty="0"/>
           </a:p>
@@ -462,6 +465,7 @@
           <a:p>
             <a:fld id="{48F63A3B-78C7-47BE-AE5E-E10140E04643}" type="slidenum">
               <a:rPr lang="en-US" dirty="0"/>
+              <a:pPr/>
               <a:t>‹#›</a:t>
             </a:fld>
             <a:endParaRPr lang="en-US" dirty="0"/>
@@ -600,7 +604,8 @@
           <a:p>
             <a:fld id="{C764DE79-268F-4C1A-8933-263129D2AF90}" type="datetimeFigureOut">
               <a:rPr lang="en-US" dirty="0"/>
-              <a:t>4/7/2019</a:t>
+              <a:pPr/>
+              <a:t>4/10/2019</a:t>
             </a:fld>
             <a:endParaRPr lang="en-US" dirty="0"/>
           </a:p>
@@ -642,6 +647,7 @@
           <a:p>
             <a:fld id="{48F63A3B-78C7-47BE-AE5E-E10140E04643}" type="slidenum">
               <a:rPr lang="en-US" dirty="0"/>
+              <a:pPr/>
               <a:t>‹#›</a:t>
             </a:fld>
             <a:endParaRPr lang="en-US" dirty="0"/>
@@ -800,7 +806,8 @@
           <a:p>
             <a:fld id="{C764DE79-268F-4C1A-8933-263129D2AF90}" type="datetimeFigureOut">
               <a:rPr lang="en-US" dirty="0"/>
-              <a:t>4/7/2019</a:t>
+              <a:pPr/>
+              <a:t>4/10/2019</a:t>
             </a:fld>
             <a:endParaRPr lang="en-US" dirty="0"/>
           </a:p>
@@ -842,6 +849,7 @@
           <a:p>
             <a:fld id="{48F63A3B-78C7-47BE-AE5E-E10140E04643}" type="slidenum">
               <a:rPr lang="en-US" dirty="0"/>
+              <a:pPr/>
               <a:t>‹#›</a:t>
             </a:fld>
             <a:endParaRPr lang="en-US" dirty="0"/>
@@ -1044,7 +1052,8 @@
           <a:p>
             <a:fld id="{C764DE79-268F-4C1A-8933-263129D2AF90}" type="datetimeFigureOut">
               <a:rPr lang="en-US" dirty="0"/>
-              <a:t>4/7/2019</a:t>
+              <a:pPr/>
+              <a:t>4/10/2019</a:t>
             </a:fld>
             <a:endParaRPr lang="en-US" dirty="0"/>
           </a:p>
@@ -1086,6 +1095,7 @@
           <a:p>
             <a:fld id="{48F63A3B-78C7-47BE-AE5E-E10140E04643}" type="slidenum">
               <a:rPr lang="en-US" dirty="0"/>
+              <a:pPr/>
               <a:t>‹#›</a:t>
             </a:fld>
             <a:endParaRPr lang="en-US" dirty="0"/>
@@ -1276,7 +1286,8 @@
           <a:p>
             <a:fld id="{C764DE79-268F-4C1A-8933-263129D2AF90}" type="datetimeFigureOut">
               <a:rPr lang="en-US" dirty="0"/>
-              <a:t>4/7/2019</a:t>
+              <a:pPr/>
+              <a:t>4/10/2019</a:t>
             </a:fld>
             <a:endParaRPr lang="en-US" dirty="0"/>
           </a:p>
@@ -1318,6 +1329,7 @@
           <a:p>
             <a:fld id="{48F63A3B-78C7-47BE-AE5E-E10140E04643}" type="slidenum">
               <a:rPr lang="en-US" dirty="0"/>
+              <a:pPr/>
               <a:t>‹#›</a:t>
             </a:fld>
             <a:endParaRPr lang="en-US" dirty="0"/>
@@ -1643,7 +1655,8 @@
           <a:p>
             <a:fld id="{C764DE79-268F-4C1A-8933-263129D2AF90}" type="datetimeFigureOut">
               <a:rPr lang="en-US" dirty="0"/>
-              <a:t>4/7/2019</a:t>
+              <a:pPr/>
+              <a:t>4/10/2019</a:t>
             </a:fld>
             <a:endParaRPr lang="en-US" dirty="0"/>
           </a:p>
@@ -1685,6 +1698,7 @@
           <a:p>
             <a:fld id="{48F63A3B-78C7-47BE-AE5E-E10140E04643}" type="slidenum">
               <a:rPr lang="en-US" dirty="0"/>
+              <a:pPr/>
               <a:t>‹#›</a:t>
             </a:fld>
             <a:endParaRPr lang="en-US" dirty="0"/>
@@ -1761,7 +1775,8 @@
           <a:p>
             <a:fld id="{C764DE79-268F-4C1A-8933-263129D2AF90}" type="datetimeFigureOut">
               <a:rPr lang="en-US" dirty="0"/>
-              <a:t>4/7/2019</a:t>
+              <a:pPr/>
+              <a:t>4/10/2019</a:t>
             </a:fld>
             <a:endParaRPr lang="en-US" dirty="0"/>
           </a:p>
@@ -1803,6 +1818,7 @@
           <a:p>
             <a:fld id="{48F63A3B-78C7-47BE-AE5E-E10140E04643}" type="slidenum">
               <a:rPr lang="en-US" dirty="0"/>
+              <a:pPr/>
               <a:t>‹#›</a:t>
             </a:fld>
             <a:endParaRPr lang="en-US" dirty="0"/>
@@ -1856,7 +1872,8 @@
           <a:p>
             <a:fld id="{C764DE79-268F-4C1A-8933-263129D2AF90}" type="datetimeFigureOut">
               <a:rPr lang="en-US" dirty="0"/>
-              <a:t>4/7/2019</a:t>
+              <a:pPr/>
+              <a:t>4/10/2019</a:t>
             </a:fld>
             <a:endParaRPr lang="en-US" dirty="0"/>
           </a:p>
@@ -1898,6 +1915,7 @@
           <a:p>
             <a:fld id="{48F63A3B-78C7-47BE-AE5E-E10140E04643}" type="slidenum">
               <a:rPr lang="en-US" dirty="0"/>
+              <a:pPr/>
               <a:t>‹#›</a:t>
             </a:fld>
             <a:endParaRPr lang="en-US" dirty="0"/>
@@ -2133,7 +2151,8 @@
           <a:p>
             <a:fld id="{C764DE79-268F-4C1A-8933-263129D2AF90}" type="datetimeFigureOut">
               <a:rPr lang="en-US" dirty="0"/>
-              <a:t>4/7/2019</a:t>
+              <a:pPr/>
+              <a:t>4/10/2019</a:t>
             </a:fld>
             <a:endParaRPr lang="en-US" dirty="0"/>
           </a:p>
@@ -2175,6 +2194,7 @@
           <a:p>
             <a:fld id="{48F63A3B-78C7-47BE-AE5E-E10140E04643}" type="slidenum">
               <a:rPr lang="en-US" dirty="0"/>
+              <a:pPr/>
               <a:t>‹#›</a:t>
             </a:fld>
             <a:endParaRPr lang="en-US" dirty="0"/>
@@ -2390,7 +2410,8 @@
           <a:p>
             <a:fld id="{C764DE79-268F-4C1A-8933-263129D2AF90}" type="datetimeFigureOut">
               <a:rPr lang="en-US" dirty="0"/>
-              <a:t>4/7/2019</a:t>
+              <a:pPr/>
+              <a:t>4/10/2019</a:t>
             </a:fld>
             <a:endParaRPr lang="en-US" dirty="0"/>
           </a:p>
@@ -2432,6 +2453,7 @@
           <a:p>
             <a:fld id="{48F63A3B-78C7-47BE-AE5E-E10140E04643}" type="slidenum">
               <a:rPr lang="en-US" dirty="0"/>
+              <a:pPr/>
               <a:t>‹#›</a:t>
             </a:fld>
             <a:endParaRPr lang="en-US" dirty="0"/>
@@ -2603,7 +2625,8 @@
           <a:p>
             <a:fld id="{C764DE79-268F-4C1A-8933-263129D2AF90}" type="datetimeFigureOut">
               <a:rPr lang="en-US" dirty="0"/>
-              <a:t>4/7/2019</a:t>
+              <a:pPr/>
+              <a:t>4/10/2019</a:t>
             </a:fld>
             <a:endParaRPr lang="en-US" dirty="0"/>
           </a:p>
@@ -2681,6 +2704,7 @@
           <a:p>
             <a:fld id="{48F63A3B-78C7-47BE-AE5E-E10140E04643}" type="slidenum">
               <a:rPr lang="en-US" dirty="0"/>
+              <a:pPr/>
               <a:t>‹#›</a:t>
             </a:fld>
             <a:endParaRPr lang="en-US" dirty="0"/>
@@ -3363,35 +3387,35 @@
                 <a:gridCol w="596936">
                   <a:extLst>
                     <a:ext uri="{9D8B030D-6E8A-4147-A177-3AD203B41FA5}">
-                      <a16:colId xmlns:a16="http://schemas.microsoft.com/office/drawing/2014/main" val="718228510"/>
+                      <a16:colId xmlns="" xmlns:a16="http://schemas.microsoft.com/office/drawing/2014/main" val="718228510"/>
                     </a:ext>
                   </a:extLst>
                 </a:gridCol>
                 <a:gridCol w="1205346">
                   <a:extLst>
                     <a:ext uri="{9D8B030D-6E8A-4147-A177-3AD203B41FA5}">
-                      <a16:colId xmlns:a16="http://schemas.microsoft.com/office/drawing/2014/main" val="597043040"/>
+                      <a16:colId xmlns="" xmlns:a16="http://schemas.microsoft.com/office/drawing/2014/main" val="597043040"/>
                     </a:ext>
                   </a:extLst>
                 </a:gridCol>
                 <a:gridCol w="1205346">
                   <a:extLst>
                     <a:ext uri="{9D8B030D-6E8A-4147-A177-3AD203B41FA5}">
-                      <a16:colId xmlns:a16="http://schemas.microsoft.com/office/drawing/2014/main" val="500040662"/>
+                      <a16:colId xmlns="" xmlns:a16="http://schemas.microsoft.com/office/drawing/2014/main" val="500040662"/>
                     </a:ext>
                   </a:extLst>
                 </a:gridCol>
                 <a:gridCol w="868219">
                   <a:extLst>
                     <a:ext uri="{9D8B030D-6E8A-4147-A177-3AD203B41FA5}">
-                      <a16:colId xmlns:a16="http://schemas.microsoft.com/office/drawing/2014/main" val="539558936"/>
+                      <a16:colId xmlns="" xmlns:a16="http://schemas.microsoft.com/office/drawing/2014/main" val="539558936"/>
                     </a:ext>
                   </a:extLst>
                 </a:gridCol>
                 <a:gridCol w="4147898">
                   <a:extLst>
                     <a:ext uri="{9D8B030D-6E8A-4147-A177-3AD203B41FA5}">
-                      <a16:colId xmlns:a16="http://schemas.microsoft.com/office/drawing/2014/main" val="2492762558"/>
+                      <a16:colId xmlns="" xmlns:a16="http://schemas.microsoft.com/office/drawing/2014/main" val="2492762558"/>
                     </a:ext>
                   </a:extLst>
                 </a:gridCol>
@@ -3498,7 +3522,7 @@
                 </a:tc>
                 <a:extLst>
                   <a:ext uri="{0D108BD9-81ED-4DB2-BD59-A6C34878D82A}">
-                    <a16:rowId xmlns:a16="http://schemas.microsoft.com/office/drawing/2014/main" val="1474649425"/>
+                    <a16:rowId xmlns="" xmlns:a16="http://schemas.microsoft.com/office/drawing/2014/main" val="1474649425"/>
                   </a:ext>
                 </a:extLst>
               </a:tr>
@@ -3621,7 +3645,7 @@
                 </a:tc>
                 <a:extLst>
                   <a:ext uri="{0D108BD9-81ED-4DB2-BD59-A6C34878D82A}">
-                    <a16:rowId xmlns:a16="http://schemas.microsoft.com/office/drawing/2014/main" val="2762545760"/>
+                    <a16:rowId xmlns="" xmlns:a16="http://schemas.microsoft.com/office/drawing/2014/main" val="2762545760"/>
                   </a:ext>
                 </a:extLst>
               </a:tr>
@@ -3735,7 +3759,7 @@
                 </a:tc>
                 <a:extLst>
                   <a:ext uri="{0D108BD9-81ED-4DB2-BD59-A6C34878D82A}">
-                    <a16:rowId xmlns:a16="http://schemas.microsoft.com/office/drawing/2014/main" val="1916467250"/>
+                    <a16:rowId xmlns="" xmlns:a16="http://schemas.microsoft.com/office/drawing/2014/main" val="1916467250"/>
                   </a:ext>
                 </a:extLst>
               </a:tr>
@@ -3811,7 +3835,7 @@
           <p:nvPr/>
         </p:nvPicPr>
         <p:blipFill>
-          <a:blip r:embed="rId2">
+          <a:blip r:embed="rId2" cstate="print">
             <a:extLst>
               <a:ext uri="{28A0092B-C50C-407E-A947-70E740481C1C}">
                 <a14:useLocalDpi xmlns:a14="http://schemas.microsoft.com/office/drawing/2010/main" val="0"/>
@@ -3860,35 +3884,35 @@
                 <a:gridCol w="596936">
                   <a:extLst>
                     <a:ext uri="{9D8B030D-6E8A-4147-A177-3AD203B41FA5}">
-                      <a16:colId xmlns:a16="http://schemas.microsoft.com/office/drawing/2014/main" val="718228510"/>
+                      <a16:colId xmlns="" xmlns:a16="http://schemas.microsoft.com/office/drawing/2014/main" val="718228510"/>
                     </a:ext>
                   </a:extLst>
                 </a:gridCol>
                 <a:gridCol w="1205346">
                   <a:extLst>
                     <a:ext uri="{9D8B030D-6E8A-4147-A177-3AD203B41FA5}">
-                      <a16:colId xmlns:a16="http://schemas.microsoft.com/office/drawing/2014/main" val="597043040"/>
+                      <a16:colId xmlns="" xmlns:a16="http://schemas.microsoft.com/office/drawing/2014/main" val="597043040"/>
                     </a:ext>
                   </a:extLst>
                 </a:gridCol>
                 <a:gridCol w="1205346">
                   <a:extLst>
                     <a:ext uri="{9D8B030D-6E8A-4147-A177-3AD203B41FA5}">
-                      <a16:colId xmlns:a16="http://schemas.microsoft.com/office/drawing/2014/main" val="486324992"/>
+                      <a16:colId xmlns="" xmlns:a16="http://schemas.microsoft.com/office/drawing/2014/main" val="486324992"/>
                     </a:ext>
                   </a:extLst>
                 </a:gridCol>
                 <a:gridCol w="868219">
                   <a:extLst>
                     <a:ext uri="{9D8B030D-6E8A-4147-A177-3AD203B41FA5}">
-                      <a16:colId xmlns:a16="http://schemas.microsoft.com/office/drawing/2014/main" val="539558936"/>
+                      <a16:colId xmlns="" xmlns:a16="http://schemas.microsoft.com/office/drawing/2014/main" val="539558936"/>
                     </a:ext>
                   </a:extLst>
                 </a:gridCol>
                 <a:gridCol w="4147898">
                   <a:extLst>
                     <a:ext uri="{9D8B030D-6E8A-4147-A177-3AD203B41FA5}">
-                      <a16:colId xmlns:a16="http://schemas.microsoft.com/office/drawing/2014/main" val="2492762558"/>
+                      <a16:colId xmlns="" xmlns:a16="http://schemas.microsoft.com/office/drawing/2014/main" val="2492762558"/>
                     </a:ext>
                   </a:extLst>
                 </a:gridCol>
@@ -3995,7 +4019,7 @@
                 </a:tc>
                 <a:extLst>
                   <a:ext uri="{0D108BD9-81ED-4DB2-BD59-A6C34878D82A}">
-                    <a16:rowId xmlns:a16="http://schemas.microsoft.com/office/drawing/2014/main" val="1474649425"/>
+                    <a16:rowId xmlns="" xmlns:a16="http://schemas.microsoft.com/office/drawing/2014/main" val="1474649425"/>
                   </a:ext>
                 </a:extLst>
               </a:tr>
@@ -4161,7 +4185,7 @@
                 </a:tc>
                 <a:extLst>
                   <a:ext uri="{0D108BD9-81ED-4DB2-BD59-A6C34878D82A}">
-                    <a16:rowId xmlns:a16="http://schemas.microsoft.com/office/drawing/2014/main" val="2762545760"/>
+                    <a16:rowId xmlns="" xmlns:a16="http://schemas.microsoft.com/office/drawing/2014/main" val="2762545760"/>
                   </a:ext>
                 </a:extLst>
               </a:tr>
@@ -4395,7 +4419,7 @@
                 </a:tc>
                 <a:extLst>
                   <a:ext uri="{0D108BD9-81ED-4DB2-BD59-A6C34878D82A}">
-                    <a16:rowId xmlns:a16="http://schemas.microsoft.com/office/drawing/2014/main" val="1916467250"/>
+                    <a16:rowId xmlns="" xmlns:a16="http://schemas.microsoft.com/office/drawing/2014/main" val="1916467250"/>
                   </a:ext>
                 </a:extLst>
               </a:tr>
@@ -4672,7 +4696,7 @@
                 </a:tc>
                 <a:extLst>
                   <a:ext uri="{0D108BD9-81ED-4DB2-BD59-A6C34878D82A}">
-                    <a16:rowId xmlns:a16="http://schemas.microsoft.com/office/drawing/2014/main" val="4183089179"/>
+                    <a16:rowId xmlns="" xmlns:a16="http://schemas.microsoft.com/office/drawing/2014/main" val="4183089179"/>
                   </a:ext>
                 </a:extLst>
               </a:tr>
@@ -4935,7 +4959,7 @@
                 </a:tc>
                 <a:extLst>
                   <a:ext uri="{0D108BD9-81ED-4DB2-BD59-A6C34878D82A}">
-                    <a16:rowId xmlns:a16="http://schemas.microsoft.com/office/drawing/2014/main" val="841358501"/>
+                    <a16:rowId xmlns="" xmlns:a16="http://schemas.microsoft.com/office/drawing/2014/main" val="841358501"/>
                   </a:ext>
                 </a:extLst>
               </a:tr>
@@ -5189,35 +5213,35 @@
                 <a:gridCol w="596936">
                   <a:extLst>
                     <a:ext uri="{9D8B030D-6E8A-4147-A177-3AD203B41FA5}">
-                      <a16:colId xmlns:a16="http://schemas.microsoft.com/office/drawing/2014/main" val="718228510"/>
+                      <a16:colId xmlns="" xmlns:a16="http://schemas.microsoft.com/office/drawing/2014/main" val="718228510"/>
                     </a:ext>
                   </a:extLst>
                 </a:gridCol>
                 <a:gridCol w="1205346">
                   <a:extLst>
                     <a:ext uri="{9D8B030D-6E8A-4147-A177-3AD203B41FA5}">
-                      <a16:colId xmlns:a16="http://schemas.microsoft.com/office/drawing/2014/main" val="597043040"/>
+                      <a16:colId xmlns="" xmlns:a16="http://schemas.microsoft.com/office/drawing/2014/main" val="597043040"/>
                     </a:ext>
                   </a:extLst>
                 </a:gridCol>
                 <a:gridCol w="1205346">
                   <a:extLst>
                     <a:ext uri="{9D8B030D-6E8A-4147-A177-3AD203B41FA5}">
-                      <a16:colId xmlns:a16="http://schemas.microsoft.com/office/drawing/2014/main" val="486324992"/>
+                      <a16:colId xmlns="" xmlns:a16="http://schemas.microsoft.com/office/drawing/2014/main" val="486324992"/>
                     </a:ext>
                   </a:extLst>
                 </a:gridCol>
                 <a:gridCol w="868219">
                   <a:extLst>
                     <a:ext uri="{9D8B030D-6E8A-4147-A177-3AD203B41FA5}">
-                      <a16:colId xmlns:a16="http://schemas.microsoft.com/office/drawing/2014/main" val="539558936"/>
+                      <a16:colId xmlns="" xmlns:a16="http://schemas.microsoft.com/office/drawing/2014/main" val="539558936"/>
                     </a:ext>
                   </a:extLst>
                 </a:gridCol>
                 <a:gridCol w="4147898">
                   <a:extLst>
                     <a:ext uri="{9D8B030D-6E8A-4147-A177-3AD203B41FA5}">
-                      <a16:colId xmlns:a16="http://schemas.microsoft.com/office/drawing/2014/main" val="2492762558"/>
+                      <a16:colId xmlns="" xmlns:a16="http://schemas.microsoft.com/office/drawing/2014/main" val="2492762558"/>
                     </a:ext>
                   </a:extLst>
                 </a:gridCol>
@@ -5324,7 +5348,7 @@
                 </a:tc>
                 <a:extLst>
                   <a:ext uri="{0D108BD9-81ED-4DB2-BD59-A6C34878D82A}">
-                    <a16:rowId xmlns:a16="http://schemas.microsoft.com/office/drawing/2014/main" val="1474649425"/>
+                    <a16:rowId xmlns="" xmlns:a16="http://schemas.microsoft.com/office/drawing/2014/main" val="1474649425"/>
                   </a:ext>
                 </a:extLst>
               </a:tr>
@@ -5490,7 +5514,7 @@
                 </a:tc>
                 <a:extLst>
                   <a:ext uri="{0D108BD9-81ED-4DB2-BD59-A6C34878D82A}">
-                    <a16:rowId xmlns:a16="http://schemas.microsoft.com/office/drawing/2014/main" val="2762545760"/>
+                    <a16:rowId xmlns="" xmlns:a16="http://schemas.microsoft.com/office/drawing/2014/main" val="2762545760"/>
                   </a:ext>
                 </a:extLst>
               </a:tr>
@@ -5724,7 +5748,7 @@
                 </a:tc>
                 <a:extLst>
                   <a:ext uri="{0D108BD9-81ED-4DB2-BD59-A6C34878D82A}">
-                    <a16:rowId xmlns:a16="http://schemas.microsoft.com/office/drawing/2014/main" val="1916467250"/>
+                    <a16:rowId xmlns="" xmlns:a16="http://schemas.microsoft.com/office/drawing/2014/main" val="1916467250"/>
                   </a:ext>
                 </a:extLst>
               </a:tr>
@@ -5984,7 +6008,7 @@
                 </a:tc>
                 <a:extLst>
                   <a:ext uri="{0D108BD9-81ED-4DB2-BD59-A6C34878D82A}">
-                    <a16:rowId xmlns:a16="http://schemas.microsoft.com/office/drawing/2014/main" val="4183089179"/>
+                    <a16:rowId xmlns="" xmlns:a16="http://schemas.microsoft.com/office/drawing/2014/main" val="4183089179"/>
                   </a:ext>
                 </a:extLst>
               </a:tr>
@@ -6230,7 +6254,7 @@
                 </a:tc>
                 <a:extLst>
                   <a:ext uri="{0D108BD9-81ED-4DB2-BD59-A6C34878D82A}">
-                    <a16:rowId xmlns:a16="http://schemas.microsoft.com/office/drawing/2014/main" val="841358501"/>
+                    <a16:rowId xmlns="" xmlns:a16="http://schemas.microsoft.com/office/drawing/2014/main" val="841358501"/>
                   </a:ext>
                 </a:extLst>
               </a:tr>
@@ -6505,7 +6529,7 @@
                 </a:tc>
                 <a:extLst>
                   <a:ext uri="{0D108BD9-81ED-4DB2-BD59-A6C34878D82A}">
-                    <a16:rowId xmlns:a16="http://schemas.microsoft.com/office/drawing/2014/main" val="536964658"/>
+                    <a16:rowId xmlns="" xmlns:a16="http://schemas.microsoft.com/office/drawing/2014/main" val="536964658"/>
                   </a:ext>
                 </a:extLst>
               </a:tr>
@@ -6766,7 +6790,7 @@
                 </a:tc>
                 <a:extLst>
                   <a:ext uri="{0D108BD9-81ED-4DB2-BD59-A6C34878D82A}">
-                    <a16:rowId xmlns:a16="http://schemas.microsoft.com/office/drawing/2014/main" val="1210747478"/>
+                    <a16:rowId xmlns="" xmlns:a16="http://schemas.microsoft.com/office/drawing/2014/main" val="1210747478"/>
                   </a:ext>
                 </a:extLst>
               </a:tr>
@@ -7119,35 +7143,35 @@
                 <a:gridCol w="596936">
                   <a:extLst>
                     <a:ext uri="{9D8B030D-6E8A-4147-A177-3AD203B41FA5}">
-                      <a16:colId xmlns:a16="http://schemas.microsoft.com/office/drawing/2014/main" val="718228510"/>
+                      <a16:colId xmlns="" xmlns:a16="http://schemas.microsoft.com/office/drawing/2014/main" val="718228510"/>
                     </a:ext>
                   </a:extLst>
                 </a:gridCol>
                 <a:gridCol w="1205346">
                   <a:extLst>
                     <a:ext uri="{9D8B030D-6E8A-4147-A177-3AD203B41FA5}">
-                      <a16:colId xmlns:a16="http://schemas.microsoft.com/office/drawing/2014/main" val="597043040"/>
+                      <a16:colId xmlns="" xmlns:a16="http://schemas.microsoft.com/office/drawing/2014/main" val="597043040"/>
                     </a:ext>
                   </a:extLst>
                 </a:gridCol>
                 <a:gridCol w="1205346">
                   <a:extLst>
                     <a:ext uri="{9D8B030D-6E8A-4147-A177-3AD203B41FA5}">
-                      <a16:colId xmlns:a16="http://schemas.microsoft.com/office/drawing/2014/main" val="486324992"/>
+                      <a16:colId xmlns="" xmlns:a16="http://schemas.microsoft.com/office/drawing/2014/main" val="486324992"/>
                     </a:ext>
                   </a:extLst>
                 </a:gridCol>
                 <a:gridCol w="868219">
                   <a:extLst>
                     <a:ext uri="{9D8B030D-6E8A-4147-A177-3AD203B41FA5}">
-                      <a16:colId xmlns:a16="http://schemas.microsoft.com/office/drawing/2014/main" val="539558936"/>
+                      <a16:colId xmlns="" xmlns:a16="http://schemas.microsoft.com/office/drawing/2014/main" val="539558936"/>
                     </a:ext>
                   </a:extLst>
                 </a:gridCol>
                 <a:gridCol w="4147898">
                   <a:extLst>
                     <a:ext uri="{9D8B030D-6E8A-4147-A177-3AD203B41FA5}">
-                      <a16:colId xmlns:a16="http://schemas.microsoft.com/office/drawing/2014/main" val="2492762558"/>
+                      <a16:colId xmlns="" xmlns:a16="http://schemas.microsoft.com/office/drawing/2014/main" val="2492762558"/>
                     </a:ext>
                   </a:extLst>
                 </a:gridCol>
@@ -7254,7 +7278,7 @@
                 </a:tc>
                 <a:extLst>
                   <a:ext uri="{0D108BD9-81ED-4DB2-BD59-A6C34878D82A}">
-                    <a16:rowId xmlns:a16="http://schemas.microsoft.com/office/drawing/2014/main" val="1474649425"/>
+                    <a16:rowId xmlns="" xmlns:a16="http://schemas.microsoft.com/office/drawing/2014/main" val="1474649425"/>
                   </a:ext>
                 </a:extLst>
               </a:tr>
@@ -7386,7 +7410,7 @@
                 </a:tc>
                 <a:extLst>
                   <a:ext uri="{0D108BD9-81ED-4DB2-BD59-A6C34878D82A}">
-                    <a16:rowId xmlns:a16="http://schemas.microsoft.com/office/drawing/2014/main" val="2762545760"/>
+                    <a16:rowId xmlns="" xmlns:a16="http://schemas.microsoft.com/office/drawing/2014/main" val="2762545760"/>
                   </a:ext>
                 </a:extLst>
               </a:tr>
@@ -7667,35 +7691,35 @@
                 <a:gridCol w="596936">
                   <a:extLst>
                     <a:ext uri="{9D8B030D-6E8A-4147-A177-3AD203B41FA5}">
-                      <a16:colId xmlns:a16="http://schemas.microsoft.com/office/drawing/2014/main" val="718228510"/>
+                      <a16:colId xmlns="" xmlns:a16="http://schemas.microsoft.com/office/drawing/2014/main" val="718228510"/>
                     </a:ext>
                   </a:extLst>
                 </a:gridCol>
                 <a:gridCol w="1205346">
                   <a:extLst>
                     <a:ext uri="{9D8B030D-6E8A-4147-A177-3AD203B41FA5}">
-                      <a16:colId xmlns:a16="http://schemas.microsoft.com/office/drawing/2014/main" val="597043040"/>
+                      <a16:colId xmlns="" xmlns:a16="http://schemas.microsoft.com/office/drawing/2014/main" val="597043040"/>
                     </a:ext>
                   </a:extLst>
                 </a:gridCol>
                 <a:gridCol w="1205346">
                   <a:extLst>
                     <a:ext uri="{9D8B030D-6E8A-4147-A177-3AD203B41FA5}">
-                      <a16:colId xmlns:a16="http://schemas.microsoft.com/office/drawing/2014/main" val="486324992"/>
+                      <a16:colId xmlns="" xmlns:a16="http://schemas.microsoft.com/office/drawing/2014/main" val="486324992"/>
                     </a:ext>
                   </a:extLst>
                 </a:gridCol>
                 <a:gridCol w="868219">
                   <a:extLst>
                     <a:ext uri="{9D8B030D-6E8A-4147-A177-3AD203B41FA5}">
-                      <a16:colId xmlns:a16="http://schemas.microsoft.com/office/drawing/2014/main" val="539558936"/>
+                      <a16:colId xmlns="" xmlns:a16="http://schemas.microsoft.com/office/drawing/2014/main" val="539558936"/>
                     </a:ext>
                   </a:extLst>
                 </a:gridCol>
                 <a:gridCol w="4147898">
                   <a:extLst>
                     <a:ext uri="{9D8B030D-6E8A-4147-A177-3AD203B41FA5}">
-                      <a16:colId xmlns:a16="http://schemas.microsoft.com/office/drawing/2014/main" val="2492762558"/>
+                      <a16:colId xmlns="" xmlns:a16="http://schemas.microsoft.com/office/drawing/2014/main" val="2492762558"/>
                     </a:ext>
                   </a:extLst>
                 </a:gridCol>
@@ -7802,7 +7826,7 @@
                 </a:tc>
                 <a:extLst>
                   <a:ext uri="{0D108BD9-81ED-4DB2-BD59-A6C34878D82A}">
-                    <a16:rowId xmlns:a16="http://schemas.microsoft.com/office/drawing/2014/main" val="1474649425"/>
+                    <a16:rowId xmlns="" xmlns:a16="http://schemas.microsoft.com/office/drawing/2014/main" val="1474649425"/>
                   </a:ext>
                 </a:extLst>
               </a:tr>
@@ -7902,9 +7926,10 @@
                     <a:p>
                       <a:pPr algn="l"/>
                       <a:r>
-                        <a:rPr lang="zh-CN" altLang="en-US" sz="1200" dirty="0"/>
+                        <a:rPr lang="zh-CN" altLang="en-US" sz="1200" dirty="0" smtClean="0"/>
                         <a:t>后台</a:t>
                       </a:r>
+                      <a:endParaRPr lang="zh-CN" altLang="en-US" sz="1200" dirty="0"/>
                     </a:p>
                   </a:txBody>
                   <a:tcPr marL="68580" marR="68580" marT="34290" marB="34290" anchor="ctr"/>
@@ -7916,16 +7941,24 @@
                     <a:p>
                       <a:pPr algn="l"/>
                       <a:r>
-                        <a:rPr lang="en-US" altLang="zh-CN" sz="1200" dirty="0"/>
-                        <a:t>……/</a:t>
-                      </a:r>
-                      <a:r>
-                        <a:rPr lang="en-US" altLang="zh-CN" sz="1200" dirty="0" err="1"/>
+                        <a:rPr lang="en-US" altLang="zh-CN" sz="1200" dirty="0" smtClean="0"/>
+                        <a:t>[get]……/</a:t>
+                      </a:r>
+                      <a:r>
+                        <a:rPr lang="en-US" altLang="zh-CN" sz="1200" dirty="0" err="1" smtClean="0"/>
                         <a:t>bg</a:t>
                       </a:r>
                       <a:r>
-                        <a:rPr lang="en-US" altLang="zh-CN" sz="1200" dirty="0"/>
-                        <a:t>/600pro/tech</a:t>
+                        <a:rPr lang="en-US" altLang="zh-CN" sz="1200" dirty="0" smtClean="0"/>
+                        <a:t>/</a:t>
+                      </a:r>
+                      <a:r>
+                        <a:rPr lang="en-US" altLang="zh-CN" sz="1200" dirty="0" err="1" smtClean="0"/>
+                        <a:t>techInfo?prioduct</a:t>
+                      </a:r>
+                      <a:r>
+                        <a:rPr lang="en-US" altLang="zh-CN" sz="1200" dirty="0" smtClean="0"/>
+                        <a:t>=600pro</a:t>
                       </a:r>
                       <a:endParaRPr lang="zh-CN" altLang="en-US" sz="1200" dirty="0"/>
                     </a:p>
@@ -7934,7 +7967,7 @@
                 </a:tc>
                 <a:extLst>
                   <a:ext uri="{0D108BD9-81ED-4DB2-BD59-A6C34878D82A}">
-                    <a16:rowId xmlns:a16="http://schemas.microsoft.com/office/drawing/2014/main" val="2762545760"/>
+                    <a16:rowId xmlns="" xmlns:a16="http://schemas.microsoft.com/office/drawing/2014/main" val="2762545760"/>
                   </a:ext>
                 </a:extLst>
               </a:tr>
@@ -8059,35 +8092,35 @@
                 <a:gridCol w="596936">
                   <a:extLst>
                     <a:ext uri="{9D8B030D-6E8A-4147-A177-3AD203B41FA5}">
-                      <a16:colId xmlns:a16="http://schemas.microsoft.com/office/drawing/2014/main" val="718228510"/>
+                      <a16:colId xmlns="" xmlns:a16="http://schemas.microsoft.com/office/drawing/2014/main" val="718228510"/>
                     </a:ext>
                   </a:extLst>
                 </a:gridCol>
                 <a:gridCol w="1205346">
                   <a:extLst>
                     <a:ext uri="{9D8B030D-6E8A-4147-A177-3AD203B41FA5}">
-                      <a16:colId xmlns:a16="http://schemas.microsoft.com/office/drawing/2014/main" val="597043040"/>
+                      <a16:colId xmlns="" xmlns:a16="http://schemas.microsoft.com/office/drawing/2014/main" val="597043040"/>
                     </a:ext>
                   </a:extLst>
                 </a:gridCol>
                 <a:gridCol w="1205346">
                   <a:extLst>
                     <a:ext uri="{9D8B030D-6E8A-4147-A177-3AD203B41FA5}">
-                      <a16:colId xmlns:a16="http://schemas.microsoft.com/office/drawing/2014/main" val="486324992"/>
+                      <a16:colId xmlns="" xmlns:a16="http://schemas.microsoft.com/office/drawing/2014/main" val="486324992"/>
                     </a:ext>
                   </a:extLst>
                 </a:gridCol>
                 <a:gridCol w="868219">
                   <a:extLst>
                     <a:ext uri="{9D8B030D-6E8A-4147-A177-3AD203B41FA5}">
-                      <a16:colId xmlns:a16="http://schemas.microsoft.com/office/drawing/2014/main" val="539558936"/>
+                      <a16:colId xmlns="" xmlns:a16="http://schemas.microsoft.com/office/drawing/2014/main" val="539558936"/>
                     </a:ext>
                   </a:extLst>
                 </a:gridCol>
                 <a:gridCol w="4147898">
                   <a:extLst>
                     <a:ext uri="{9D8B030D-6E8A-4147-A177-3AD203B41FA5}">
-                      <a16:colId xmlns:a16="http://schemas.microsoft.com/office/drawing/2014/main" val="2492762558"/>
+                      <a16:colId xmlns="" xmlns:a16="http://schemas.microsoft.com/office/drawing/2014/main" val="2492762558"/>
                     </a:ext>
                   </a:extLst>
                 </a:gridCol>
@@ -8194,7 +8227,7 @@
                 </a:tc>
                 <a:extLst>
                   <a:ext uri="{0D108BD9-81ED-4DB2-BD59-A6C34878D82A}">
-                    <a16:rowId xmlns:a16="http://schemas.microsoft.com/office/drawing/2014/main" val="1474649425"/>
+                    <a16:rowId xmlns="" xmlns:a16="http://schemas.microsoft.com/office/drawing/2014/main" val="1474649425"/>
                   </a:ext>
                 </a:extLst>
               </a:tr>
@@ -8325,20 +8358,24 @@
                     <a:p>
                       <a:pPr algn="l"/>
                       <a:r>
-                        <a:rPr lang="en-US" altLang="zh-CN" sz="1200" dirty="0"/>
-                        <a:t>……/</a:t>
-                      </a:r>
-                      <a:r>
-                        <a:rPr lang="en-US" altLang="zh-CN" sz="1200" dirty="0" err="1"/>
+                        <a:rPr lang="en-US" altLang="zh-CN" sz="1200" dirty="0" smtClean="0"/>
+                        <a:t>[get]……/</a:t>
+                      </a:r>
+                      <a:r>
+                        <a:rPr lang="en-US" altLang="zh-CN" sz="1200" dirty="0" err="1" smtClean="0"/>
                         <a:t>bg</a:t>
                       </a:r>
                       <a:r>
-                        <a:rPr lang="en-US" altLang="zh-CN" sz="1200" dirty="0"/>
-                        <a:t>/600pro/</a:t>
-                      </a:r>
-                      <a:r>
-                        <a:rPr lang="en-US" altLang="zh-CN" sz="1200" dirty="0" err="1"/>
-                        <a:t>showMovie</a:t>
+                        <a:rPr lang="en-US" altLang="zh-CN" sz="1200" dirty="0" smtClean="0"/>
+                        <a:t>/</a:t>
+                      </a:r>
+                      <a:r>
+                        <a:rPr lang="en-US" altLang="zh-CN" sz="1200" dirty="0" err="1" smtClean="0"/>
+                        <a:t>movie?product</a:t>
+                      </a:r>
+                      <a:r>
+                        <a:rPr lang="en-US" altLang="zh-CN" sz="1200" dirty="0" smtClean="0"/>
+                        <a:t>=600pro</a:t>
                       </a:r>
                       <a:endParaRPr lang="zh-CN" altLang="en-US" sz="1200" dirty="0"/>
                     </a:p>
@@ -8347,7 +8384,7 @@
                 </a:tc>
                 <a:extLst>
                   <a:ext uri="{0D108BD9-81ED-4DB2-BD59-A6C34878D82A}">
-                    <a16:rowId xmlns:a16="http://schemas.microsoft.com/office/drawing/2014/main" val="2762545760"/>
+                    <a16:rowId xmlns="" xmlns:a16="http://schemas.microsoft.com/office/drawing/2014/main" val="2762545760"/>
                   </a:ext>
                 </a:extLst>
               </a:tr>
@@ -8490,7 +8527,7 @@
         </p:nvSpPr>
         <p:spPr>
           <a:xfrm>
-            <a:off x="0" y="390785"/>
+            <a:off x="3108960" y="0"/>
             <a:ext cx="357790" cy="300082"/>
           </a:xfrm>
           <a:prstGeom prst="rect">
@@ -8528,8 +8565,8 @@
         </p:nvSpPr>
         <p:spPr>
           <a:xfrm>
-            <a:off x="628073" y="609600"/>
-            <a:ext cx="1114712" cy="147782"/>
+            <a:off x="567112" y="990600"/>
+            <a:ext cx="2938087" cy="289560"/>
           </a:xfrm>
           <a:prstGeom prst="rect">
             <a:avLst/>
@@ -8583,8 +8620,8 @@
         </p:nvSpPr>
         <p:spPr>
           <a:xfrm>
-            <a:off x="609600" y="1122318"/>
-            <a:ext cx="1114712" cy="147782"/>
+            <a:off x="640080" y="604158"/>
+            <a:ext cx="2727960" cy="2931522"/>
           </a:xfrm>
           <a:prstGeom prst="rect">
             <a:avLst/>
@@ -8632,14 +8669,762 @@
       </p:sp>
       <p:sp>
         <p:nvSpPr>
-          <p:cNvPr id="7" name="矩形 6"/>
+          <p:cNvPr id="8" name="文本框 7"/>
+          <p:cNvSpPr txBox="1"/>
+          <p:nvPr/>
+        </p:nvSpPr>
+        <p:spPr>
+          <a:xfrm>
+            <a:off x="0" y="1012392"/>
+            <a:ext cx="357790" cy="300082"/>
+          </a:xfrm>
+          <a:prstGeom prst="rect">
+            <a:avLst/>
+          </a:prstGeom>
+          <a:noFill/>
+        </p:spPr>
+        <p:txBody>
+          <a:bodyPr wrap="none" rtlCol="0">
+            <a:spAutoFit/>
+          </a:bodyPr>
+          <a:lstStyle/>
+          <a:p>
+            <a:r>
+              <a:rPr lang="ja-JP" altLang="en-US" sz="1350" dirty="0">
+                <a:solidFill>
+                  <a:srgbClr val="FF0000"/>
+                </a:solidFill>
+              </a:rPr>
+              <a:t>②</a:t>
+            </a:r>
+            <a:endParaRPr lang="zh-CN" altLang="en-US" sz="1350" dirty="0">
+              <a:solidFill>
+                <a:srgbClr val="FF0000"/>
+              </a:solidFill>
+            </a:endParaRPr>
+          </a:p>
+        </p:txBody>
+      </p:sp>
+      <p:cxnSp>
+        <p:nvCxnSpPr>
+          <p:cNvPr id="11" name="直接箭头连接符 10"/>
+          <p:cNvCxnSpPr>
+            <a:endCxn id="5" idx="1"/>
+          </p:cNvCxnSpPr>
+          <p:nvPr/>
+        </p:nvCxnSpPr>
+        <p:spPr>
+          <a:xfrm>
+            <a:off x="320040" y="1082040"/>
+            <a:ext cx="247072" cy="53340"/>
+          </a:xfrm>
+          <a:prstGeom prst="straightConnector1">
+            <a:avLst/>
+          </a:prstGeom>
+          <a:ln w="0">
+            <a:solidFill>
+              <a:srgbClr val="FF0000"/>
+            </a:solidFill>
+            <a:tailEnd type="triangle"/>
+          </a:ln>
+        </p:spPr>
+        <p:style>
+          <a:lnRef idx="1">
+            <a:schemeClr val="accent1"/>
+          </a:lnRef>
+          <a:fillRef idx="0">
+            <a:schemeClr val="accent1"/>
+          </a:fillRef>
+          <a:effectRef idx="0">
+            <a:schemeClr val="accent1"/>
+          </a:effectRef>
+          <a:fontRef idx="minor">
+            <a:schemeClr val="tx1"/>
+          </a:fontRef>
+        </p:style>
+      </p:cxnSp>
+      <p:cxnSp>
+        <p:nvCxnSpPr>
+          <p:cNvPr id="13" name="直接箭头连接符 12"/>
+          <p:cNvCxnSpPr/>
+          <p:nvPr/>
+        </p:nvCxnSpPr>
+        <p:spPr>
+          <a:xfrm rot="5400000">
+            <a:off x="2843621" y="295821"/>
+            <a:ext cx="408759" cy="335280"/>
+          </a:xfrm>
+          <a:prstGeom prst="straightConnector1">
+            <a:avLst/>
+          </a:prstGeom>
+          <a:ln w="0">
+            <a:solidFill>
+              <a:srgbClr val="FF0000"/>
+            </a:solidFill>
+            <a:tailEnd type="triangle"/>
+          </a:ln>
+        </p:spPr>
+        <p:style>
+          <a:lnRef idx="1">
+            <a:schemeClr val="accent1"/>
+          </a:lnRef>
+          <a:fillRef idx="0">
+            <a:schemeClr val="accent1"/>
+          </a:fillRef>
+          <a:effectRef idx="0">
+            <a:schemeClr val="accent1"/>
+          </a:effectRef>
+          <a:fontRef idx="minor">
+            <a:schemeClr val="tx1"/>
+          </a:fontRef>
+        </p:style>
+      </p:cxnSp>
+      <p:graphicFrame>
+        <p:nvGraphicFramePr>
+          <p:cNvPr id="14" name="表格 13"/>
+          <p:cNvGraphicFramePr>
+            <a:graphicFrameLocks noGrp="1"/>
+          </p:cNvGraphicFramePr>
+          <p:nvPr>
+            <p:extLst>
+              <p:ext uri="{D42A27DB-BD31-4B8C-83A1-F6EECF244321}">
+                <p14:modId xmlns:p14="http://schemas.microsoft.com/office/powerpoint/2010/main" val="1976781347"/>
+              </p:ext>
+            </p:extLst>
+          </p:nvPr>
+        </p:nvGraphicFramePr>
+        <p:xfrm>
+          <a:off x="413586" y="3730195"/>
+          <a:ext cx="8023745" cy="1390650"/>
+        </p:xfrm>
+        <a:graphic>
+          <a:graphicData uri="http://schemas.openxmlformats.org/drawingml/2006/table">
+            <a:tbl>
+              <a:tblPr>
+                <a:tableStyleId>{5940675A-B579-460E-94D1-54222C63F5DA}</a:tableStyleId>
+              </a:tblPr>
+              <a:tblGrid>
+                <a:gridCol w="596936">
+                  <a:extLst>
+                    <a:ext uri="{9D8B030D-6E8A-4147-A177-3AD203B41FA5}">
+                      <a16:colId xmlns="" xmlns:a16="http://schemas.microsoft.com/office/drawing/2014/main" val="718228510"/>
+                    </a:ext>
+                  </a:extLst>
+                </a:gridCol>
+                <a:gridCol w="1205346">
+                  <a:extLst>
+                    <a:ext uri="{9D8B030D-6E8A-4147-A177-3AD203B41FA5}">
+                      <a16:colId xmlns="" xmlns:a16="http://schemas.microsoft.com/office/drawing/2014/main" val="597043040"/>
+                    </a:ext>
+                  </a:extLst>
+                </a:gridCol>
+                <a:gridCol w="1205346">
+                  <a:extLst>
+                    <a:ext uri="{9D8B030D-6E8A-4147-A177-3AD203B41FA5}">
+                      <a16:colId xmlns="" xmlns:a16="http://schemas.microsoft.com/office/drawing/2014/main" val="486324992"/>
+                    </a:ext>
+                  </a:extLst>
+                </a:gridCol>
+                <a:gridCol w="868219">
+                  <a:extLst>
+                    <a:ext uri="{9D8B030D-6E8A-4147-A177-3AD203B41FA5}">
+                      <a16:colId xmlns="" xmlns:a16="http://schemas.microsoft.com/office/drawing/2014/main" val="539558936"/>
+                    </a:ext>
+                  </a:extLst>
+                </a:gridCol>
+                <a:gridCol w="4147898">
+                  <a:extLst>
+                    <a:ext uri="{9D8B030D-6E8A-4147-A177-3AD203B41FA5}">
+                      <a16:colId xmlns="" xmlns:a16="http://schemas.microsoft.com/office/drawing/2014/main" val="2492762558"/>
+                    </a:ext>
+                  </a:extLst>
+                </a:gridCol>
+              </a:tblGrid>
+              <a:tr h="278130">
+                <a:tc>
+                  <a:txBody>
+                    <a:bodyPr/>
+                    <a:lstStyle/>
+                    <a:p>
+                      <a:pPr algn="l"/>
+                      <a:r>
+                        <a:rPr lang="zh-CN" altLang="en-US" sz="1200" dirty="0"/>
+                        <a:t>编号</a:t>
+                      </a:r>
+                    </a:p>
+                  </a:txBody>
+                  <a:tcPr marL="68580" marR="68580" marT="34290" marB="34290" anchor="ctr">
+                    <a:solidFill>
+                      <a:srgbClr val="FFC000"/>
+                    </a:solidFill>
+                  </a:tcPr>
+                </a:tc>
+                <a:tc>
+                  <a:txBody>
+                    <a:bodyPr/>
+                    <a:lstStyle/>
+                    <a:p>
+                      <a:pPr algn="l"/>
+                      <a:r>
+                        <a:rPr lang="zh-CN" altLang="en-US" sz="1200" dirty="0"/>
+                        <a:t>内容</a:t>
+                      </a:r>
+                    </a:p>
+                  </a:txBody>
+                  <a:tcPr marL="68580" marR="68580" marT="34290" marB="34290" anchor="ctr">
+                    <a:solidFill>
+                      <a:srgbClr val="FFC000"/>
+                    </a:solidFill>
+                  </a:tcPr>
+                </a:tc>
+                <a:tc>
+                  <a:txBody>
+                    <a:bodyPr/>
+                    <a:lstStyle/>
+                    <a:p>
+                      <a:pPr algn="l"/>
+                      <a:r>
+                        <a:rPr lang="zh-CN" altLang="en-US" sz="1200" dirty="0"/>
+                        <a:t>内容类型</a:t>
+                      </a:r>
+                    </a:p>
+                  </a:txBody>
+                  <a:tcPr marL="68580" marR="68580" marT="34290" marB="34290" anchor="ctr">
+                    <a:solidFill>
+                      <a:srgbClr val="FFC000"/>
+                    </a:solidFill>
+                  </a:tcPr>
+                </a:tc>
+                <a:tc>
+                  <a:txBody>
+                    <a:bodyPr/>
+                    <a:lstStyle/>
+                    <a:p>
+                      <a:pPr algn="l"/>
+                      <a:r>
+                        <a:rPr lang="en-US" altLang="zh-CN" sz="1200" dirty="0" err="1"/>
+                        <a:t>uri</a:t>
+                      </a:r>
+                      <a:r>
+                        <a:rPr lang="zh-CN" altLang="en-US" sz="1200" dirty="0"/>
+                        <a:t>类型</a:t>
+                      </a:r>
+                    </a:p>
+                  </a:txBody>
+                  <a:tcPr marL="68580" marR="68580" marT="34290" marB="34290" anchor="ctr">
+                    <a:solidFill>
+                      <a:srgbClr val="FFC000"/>
+                    </a:solidFill>
+                  </a:tcPr>
+                </a:tc>
+                <a:tc>
+                  <a:txBody>
+                    <a:bodyPr/>
+                    <a:lstStyle/>
+                    <a:p>
+                      <a:pPr algn="l"/>
+                      <a:r>
+                        <a:rPr lang="zh-CN" altLang="en-US" sz="1200" dirty="0"/>
+                        <a:t>请求</a:t>
+                      </a:r>
+                      <a:r>
+                        <a:rPr lang="en-US" altLang="zh-CN" sz="1200" dirty="0" err="1"/>
+                        <a:t>uri</a:t>
+                      </a:r>
+                      <a:endParaRPr lang="zh-CN" altLang="en-US" sz="1200" dirty="0"/>
+                    </a:p>
+                  </a:txBody>
+                  <a:tcPr marL="68580" marR="68580" marT="34290" marB="34290" anchor="ctr">
+                    <a:solidFill>
+                      <a:srgbClr val="FFC000"/>
+                    </a:solidFill>
+                  </a:tcPr>
+                </a:tc>
+                <a:extLst>
+                  <a:ext uri="{0D108BD9-81ED-4DB2-BD59-A6C34878D82A}">
+                    <a16:rowId xmlns="" xmlns:a16="http://schemas.microsoft.com/office/drawing/2014/main" val="1474649425"/>
+                  </a:ext>
+                </a:extLst>
+              </a:tr>
+              <a:tr h="278130">
+                <a:tc>
+                  <a:txBody>
+                    <a:bodyPr/>
+                    <a:lstStyle/>
+                    <a:p>
+                      <a:pPr algn="l"/>
+                      <a:r>
+                        <a:rPr lang="en-US" altLang="zh-CN" sz="1200" dirty="0"/>
+                        <a:t>1</a:t>
+                      </a:r>
+                      <a:endParaRPr lang="zh-CN" altLang="en-US" sz="1200" dirty="0"/>
+                    </a:p>
+                  </a:txBody>
+                  <a:tcPr marL="68580" marR="68580" marT="34290" marB="34290" anchor="ctr"/>
+                </a:tc>
+                <a:tc>
+                  <a:txBody>
+                    <a:bodyPr/>
+                    <a:lstStyle/>
+                    <a:p>
+                      <a:pPr algn="l"/>
+                      <a:r>
+                        <a:rPr kumimoji="0" lang="zh-CN" altLang="en-US" sz="1200" b="0" i="0" u="none" strike="noStrike" kern="1200" cap="none" spc="0" normalizeH="0" baseline="0" noProof="0" dirty="0" smtClean="0">
+                          <a:ln>
+                            <a:noFill/>
+                          </a:ln>
+                          <a:solidFill>
+                            <a:prstClr val="black"/>
+                          </a:solidFill>
+                          <a:effectLst/>
+                          <a:uLnTx/>
+                          <a:uFillTx/>
+                          <a:latin typeface="Calibri" panose="020F0502020204030204"/>
+                          <a:ea typeface="等线" panose="02010600030101010101" pitchFamily="2" charset="-122"/>
+                          <a:cs typeface="+mn-cs"/>
+                        </a:rPr>
+                        <a:t>文档列表</a:t>
+                      </a:r>
+                      <a:endParaRPr lang="zh-CN" altLang="en-US" sz="1200" dirty="0"/>
+                    </a:p>
+                  </a:txBody>
+                  <a:tcPr marL="68580" marR="68580" marT="34290" marB="34290" anchor="ctr"/>
+                </a:tc>
+                <a:tc>
+                  <a:txBody>
+                    <a:bodyPr/>
+                    <a:lstStyle/>
+                    <a:p>
+                      <a:pPr algn="l"/>
+                      <a:r>
+                        <a:rPr kumimoji="0" lang="zh-CN" altLang="en-US" sz="1200" b="0" i="0" u="none" strike="noStrike" kern="1200" cap="none" spc="0" normalizeH="0" baseline="0" noProof="0" dirty="0" smtClean="0">
+                          <a:ln>
+                            <a:noFill/>
+                          </a:ln>
+                          <a:solidFill>
+                            <a:prstClr val="black"/>
+                          </a:solidFill>
+                          <a:effectLst/>
+                          <a:uLnTx/>
+                          <a:uFillTx/>
+                          <a:latin typeface="Calibri" panose="020F0502020204030204"/>
+                          <a:ea typeface="等线" panose="02010600030101010101" pitchFamily="2" charset="-122"/>
+                          <a:cs typeface="+mn-cs"/>
+                        </a:rPr>
+                        <a:t>类</a:t>
+                      </a:r>
+                      <a:endParaRPr lang="zh-CN" altLang="en-US" sz="1200" dirty="0"/>
+                    </a:p>
+                  </a:txBody>
+                  <a:tcPr marL="68580" marR="68580" marT="34290" marB="34290" anchor="ctr"/>
+                </a:tc>
+                <a:tc>
+                  <a:txBody>
+                    <a:bodyPr/>
+                    <a:lstStyle/>
+                    <a:p>
+                      <a:pPr algn="l"/>
+                      <a:r>
+                        <a:rPr lang="zh-CN" altLang="en-US" sz="1200" dirty="0"/>
+                        <a:t>后台</a:t>
+                      </a:r>
+                    </a:p>
+                  </a:txBody>
+                  <a:tcPr marL="68580" marR="68580" marT="34290" marB="34290" anchor="ctr"/>
+                </a:tc>
+                <a:tc>
+                  <a:txBody>
+                    <a:bodyPr/>
+                    <a:lstStyle/>
+                    <a:p>
+                      <a:pPr algn="l"/>
+                      <a:r>
+                        <a:rPr lang="en-US" altLang="zh-CN" sz="1200" dirty="0" smtClean="0"/>
+                        <a:t>[get]……/</a:t>
+                      </a:r>
+                      <a:r>
+                        <a:rPr lang="en-US" altLang="zh-CN" sz="1200" dirty="0" err="1" smtClean="0"/>
+                        <a:t>bg</a:t>
+                      </a:r>
+                      <a:r>
+                        <a:rPr lang="en-US" altLang="zh-CN" sz="1200" dirty="0" smtClean="0"/>
+                        <a:t>/</a:t>
+                      </a:r>
+                      <a:r>
+                        <a:rPr lang="en-US" altLang="zh-CN" sz="1200" dirty="0" err="1" smtClean="0"/>
+                        <a:t>bookList?product</a:t>
+                      </a:r>
+                      <a:r>
+                        <a:rPr lang="en-US" altLang="zh-CN" sz="1200" dirty="0" smtClean="0"/>
+                        <a:t>=600pro</a:t>
+                      </a:r>
+                      <a:endParaRPr lang="zh-CN" altLang="en-US" sz="1200" dirty="0"/>
+                    </a:p>
+                  </a:txBody>
+                  <a:tcPr marL="68580" marR="68580" marT="34290" marB="34290" anchor="ctr"/>
+                </a:tc>
+                <a:extLst>
+                  <a:ext uri="{0D108BD9-81ED-4DB2-BD59-A6C34878D82A}">
+                    <a16:rowId xmlns="" xmlns:a16="http://schemas.microsoft.com/office/drawing/2014/main" val="2762545760"/>
+                  </a:ext>
+                </a:extLst>
+              </a:tr>
+              <a:tr h="278130">
+                <a:tc>
+                  <a:txBody>
+                    <a:bodyPr/>
+                    <a:lstStyle/>
+                    <a:p>
+                      <a:pPr algn="l"/>
+                      <a:r>
+                        <a:rPr lang="en-US" altLang="zh-CN" sz="1200" dirty="0" smtClean="0"/>
+                        <a:t>2</a:t>
+                      </a:r>
+                      <a:endParaRPr lang="zh-CN" altLang="en-US" sz="1200" dirty="0"/>
+                    </a:p>
+                  </a:txBody>
+                  <a:tcPr marL="68580" marR="68580" marT="34290" marB="34290" anchor="ctr"/>
+                </a:tc>
+                <a:tc>
+                  <a:txBody>
+                    <a:bodyPr/>
+                    <a:lstStyle/>
+                    <a:p>
+                      <a:pPr algn="l"/>
+                      <a:r>
+                        <a:rPr lang="zh-CN" altLang="en-US" sz="1200" dirty="0" smtClean="0"/>
+                        <a:t>文档信息</a:t>
+                      </a:r>
+                      <a:endParaRPr lang="zh-CN" altLang="en-US" sz="1200" dirty="0"/>
+                    </a:p>
+                  </a:txBody>
+                  <a:tcPr marL="68580" marR="68580" marT="34290" marB="34290" anchor="ctr"/>
+                </a:tc>
+                <a:tc>
+                  <a:txBody>
+                    <a:bodyPr/>
+                    <a:lstStyle/>
+                    <a:p>
+                      <a:pPr algn="l"/>
+                      <a:r>
+                        <a:rPr lang="zh-CN" altLang="en-US" sz="1200" dirty="0" smtClean="0"/>
+                        <a:t>类</a:t>
+                      </a:r>
+                      <a:endParaRPr lang="zh-CN" altLang="en-US" sz="1200" dirty="0"/>
+                    </a:p>
+                  </a:txBody>
+                  <a:tcPr marL="68580" marR="68580" marT="34290" marB="34290" anchor="ctr"/>
+                </a:tc>
+                <a:tc>
+                  <a:txBody>
+                    <a:bodyPr/>
+                    <a:lstStyle/>
+                    <a:p>
+                      <a:pPr algn="l"/>
+                      <a:r>
+                        <a:rPr lang="zh-CN" altLang="en-US" sz="1200" dirty="0" smtClean="0"/>
+                        <a:t>后台</a:t>
+                      </a:r>
+                      <a:endParaRPr lang="zh-CN" altLang="en-US" sz="1200" dirty="0"/>
+                    </a:p>
+                  </a:txBody>
+                  <a:tcPr marL="68580" marR="68580" marT="34290" marB="34290" anchor="ctr"/>
+                </a:tc>
+                <a:tc>
+                  <a:txBody>
+                    <a:bodyPr/>
+                    <a:lstStyle/>
+                    <a:p>
+                      <a:pPr algn="l"/>
+                      <a:r>
+                        <a:rPr lang="en-US" altLang="zh-CN" sz="1200" dirty="0" smtClean="0"/>
+                        <a:t>[get]……/</a:t>
+                      </a:r>
+                      <a:r>
+                        <a:rPr lang="en-US" altLang="zh-CN" sz="1200" dirty="0" err="1" smtClean="0"/>
+                        <a:t>bg</a:t>
+                      </a:r>
+                      <a:r>
+                        <a:rPr lang="en-US" altLang="zh-CN" sz="1200" dirty="0" smtClean="0"/>
+                        <a:t>/</a:t>
+                      </a:r>
+                      <a:r>
+                        <a:rPr lang="en-US" altLang="zh-CN" sz="1200" dirty="0" err="1" smtClean="0"/>
+                        <a:t>book?product</a:t>
+                      </a:r>
+                      <a:r>
+                        <a:rPr lang="en-US" altLang="zh-CN" sz="1200" dirty="0" smtClean="0"/>
+                        <a:t>=600pro&amp;id=n</a:t>
+                      </a:r>
+                      <a:endParaRPr lang="zh-CN" altLang="en-US" sz="1200" dirty="0"/>
+                    </a:p>
+                  </a:txBody>
+                  <a:tcPr marL="68580" marR="68580" marT="34290" marB="34290" anchor="ctr"/>
+                </a:tc>
+              </a:tr>
+              <a:tr h="278130">
+                <a:tc>
+                  <a:txBody>
+                    <a:bodyPr/>
+                    <a:lstStyle/>
+                    <a:p>
+                      <a:pPr algn="l"/>
+                      <a:r>
+                        <a:rPr lang="en-US" altLang="zh-CN" sz="1200" dirty="0" smtClean="0"/>
+                        <a:t>3</a:t>
+                      </a:r>
+                      <a:endParaRPr lang="zh-CN" altLang="en-US" sz="1200" dirty="0"/>
+                    </a:p>
+                  </a:txBody>
+                  <a:tcPr marL="68580" marR="68580" marT="34290" marB="34290" anchor="ctr"/>
+                </a:tc>
+                <a:tc>
+                  <a:txBody>
+                    <a:bodyPr/>
+                    <a:lstStyle/>
+                    <a:p>
+                      <a:pPr algn="l"/>
+                      <a:r>
+                        <a:rPr kumimoji="0" lang="zh-CN" altLang="en-US" sz="1200" b="0" i="0" u="none" strike="noStrike" kern="1200" cap="none" spc="0" normalizeH="0" baseline="0" noProof="0" dirty="0" smtClean="0">
+                          <a:ln>
+                            <a:noFill/>
+                          </a:ln>
+                          <a:solidFill>
+                            <a:prstClr val="black"/>
+                          </a:solidFill>
+                          <a:effectLst/>
+                          <a:uLnTx/>
+                          <a:uFillTx/>
+                          <a:latin typeface="Calibri" panose="020F0502020204030204"/>
+                          <a:ea typeface="等线" panose="02010600030101010101" pitchFamily="2" charset="-122"/>
+                          <a:cs typeface="+mn-cs"/>
+                        </a:rPr>
+                        <a:t>软件列表</a:t>
+                      </a:r>
+                      <a:endParaRPr lang="zh-CN" altLang="en-US" sz="1200" dirty="0"/>
+                    </a:p>
+                  </a:txBody>
+                  <a:tcPr marL="68580" marR="68580" marT="34290" marB="34290" anchor="ctr"/>
+                </a:tc>
+                <a:tc>
+                  <a:txBody>
+                    <a:bodyPr/>
+                    <a:lstStyle/>
+                    <a:p>
+                      <a:pPr algn="l"/>
+                      <a:r>
+                        <a:rPr kumimoji="0" lang="zh-CN" altLang="en-US" sz="1200" b="0" i="0" u="none" strike="noStrike" kern="1200" cap="none" spc="0" normalizeH="0" baseline="0" noProof="0" dirty="0" smtClean="0">
+                          <a:ln>
+                            <a:noFill/>
+                          </a:ln>
+                          <a:solidFill>
+                            <a:prstClr val="black"/>
+                          </a:solidFill>
+                          <a:effectLst/>
+                          <a:uLnTx/>
+                          <a:uFillTx/>
+                          <a:latin typeface="Calibri" panose="020F0502020204030204"/>
+                          <a:ea typeface="等线" panose="02010600030101010101" pitchFamily="2" charset="-122"/>
+                          <a:cs typeface="+mn-cs"/>
+                        </a:rPr>
+                        <a:t>类</a:t>
+                      </a:r>
+                      <a:endParaRPr lang="zh-CN" altLang="en-US" sz="1200" dirty="0"/>
+                    </a:p>
+                  </a:txBody>
+                  <a:tcPr marL="68580" marR="68580" marT="34290" marB="34290" anchor="ctr"/>
+                </a:tc>
+                <a:tc>
+                  <a:txBody>
+                    <a:bodyPr/>
+                    <a:lstStyle/>
+                    <a:p>
+                      <a:pPr algn="l"/>
+                      <a:r>
+                        <a:rPr lang="zh-CN" altLang="en-US" sz="1200" dirty="0"/>
+                        <a:t>后台</a:t>
+                      </a:r>
+                    </a:p>
+                  </a:txBody>
+                  <a:tcPr marL="68580" marR="68580" marT="34290" marB="34290" anchor="ctr"/>
+                </a:tc>
+                <a:tc>
+                  <a:txBody>
+                    <a:bodyPr/>
+                    <a:lstStyle/>
+                    <a:p>
+                      <a:pPr algn="l"/>
+                      <a:r>
+                        <a:rPr lang="en-US" altLang="zh-CN" sz="1200" dirty="0" smtClean="0"/>
+                        <a:t>[get]……/</a:t>
+                      </a:r>
+                      <a:r>
+                        <a:rPr lang="en-US" altLang="zh-CN" sz="1200" dirty="0" err="1" smtClean="0"/>
+                        <a:t>bg</a:t>
+                      </a:r>
+                      <a:r>
+                        <a:rPr lang="en-US" altLang="zh-CN" sz="1200" dirty="0" smtClean="0"/>
+                        <a:t>/</a:t>
+                      </a:r>
+                      <a:r>
+                        <a:rPr lang="en-US" altLang="zh-CN" sz="1200" dirty="0" err="1" smtClean="0"/>
+                        <a:t>softList?product</a:t>
+                      </a:r>
+                      <a:r>
+                        <a:rPr lang="en-US" altLang="zh-CN" sz="1200" dirty="0" smtClean="0"/>
+                        <a:t>=600pro</a:t>
+                      </a:r>
+                      <a:endParaRPr lang="zh-CN" altLang="en-US" sz="1200" dirty="0"/>
+                    </a:p>
+                  </a:txBody>
+                  <a:tcPr marL="68580" marR="68580" marT="34290" marB="34290" anchor="ctr"/>
+                </a:tc>
+              </a:tr>
+              <a:tr h="278130">
+                <a:tc>
+                  <a:txBody>
+                    <a:bodyPr/>
+                    <a:lstStyle/>
+                    <a:p>
+                      <a:pPr algn="l"/>
+                      <a:r>
+                        <a:rPr lang="en-US" altLang="zh-CN" sz="1200" dirty="0" smtClean="0"/>
+                        <a:t>4</a:t>
+                      </a:r>
+                      <a:endParaRPr lang="zh-CN" altLang="en-US" sz="1200" dirty="0"/>
+                    </a:p>
+                  </a:txBody>
+                  <a:tcPr marL="68580" marR="68580" marT="34290" marB="34290" anchor="ctr"/>
+                </a:tc>
+                <a:tc>
+                  <a:txBody>
+                    <a:bodyPr/>
+                    <a:lstStyle/>
+                    <a:p>
+                      <a:pPr algn="l"/>
+                      <a:r>
+                        <a:rPr lang="zh-CN" altLang="en-US" sz="1200" dirty="0" smtClean="0"/>
+                        <a:t>文档信息</a:t>
+                      </a:r>
+                      <a:endParaRPr lang="zh-CN" altLang="en-US" sz="1200" dirty="0"/>
+                    </a:p>
+                  </a:txBody>
+                  <a:tcPr marL="68580" marR="68580" marT="34290" marB="34290" anchor="ctr"/>
+                </a:tc>
+                <a:tc>
+                  <a:txBody>
+                    <a:bodyPr/>
+                    <a:lstStyle/>
+                    <a:p>
+                      <a:pPr algn="l"/>
+                      <a:r>
+                        <a:rPr lang="zh-CN" altLang="en-US" sz="1200" dirty="0" smtClean="0"/>
+                        <a:t>类</a:t>
+                      </a:r>
+                      <a:endParaRPr lang="zh-CN" altLang="en-US" sz="1200" dirty="0"/>
+                    </a:p>
+                  </a:txBody>
+                  <a:tcPr marL="68580" marR="68580" marT="34290" marB="34290" anchor="ctr"/>
+                </a:tc>
+                <a:tc>
+                  <a:txBody>
+                    <a:bodyPr/>
+                    <a:lstStyle/>
+                    <a:p>
+                      <a:pPr algn="l"/>
+                      <a:r>
+                        <a:rPr lang="zh-CN" altLang="en-US" sz="1200" dirty="0" smtClean="0"/>
+                        <a:t>后台</a:t>
+                      </a:r>
+                      <a:endParaRPr lang="zh-CN" altLang="en-US" sz="1200" dirty="0"/>
+                    </a:p>
+                  </a:txBody>
+                  <a:tcPr marL="68580" marR="68580" marT="34290" marB="34290" anchor="ctr"/>
+                </a:tc>
+                <a:tc>
+                  <a:txBody>
+                    <a:bodyPr/>
+                    <a:lstStyle/>
+                    <a:p>
+                      <a:pPr algn="l"/>
+                      <a:r>
+                        <a:rPr lang="en-US" altLang="zh-CN" sz="1200" dirty="0" smtClean="0"/>
+                        <a:t>[get]……/</a:t>
+                      </a:r>
+                      <a:r>
+                        <a:rPr lang="en-US" altLang="zh-CN" sz="1200" dirty="0" err="1" smtClean="0"/>
+                        <a:t>bg</a:t>
+                      </a:r>
+                      <a:r>
+                        <a:rPr lang="en-US" altLang="zh-CN" sz="1200" dirty="0" smtClean="0"/>
+                        <a:t>/</a:t>
+                      </a:r>
+                      <a:r>
+                        <a:rPr lang="en-US" altLang="zh-CN" sz="1200" dirty="0" err="1" smtClean="0"/>
+                        <a:t>soft?product</a:t>
+                      </a:r>
+                      <a:r>
+                        <a:rPr lang="en-US" altLang="zh-CN" sz="1200" dirty="0" smtClean="0"/>
+                        <a:t>=600pro&amp;id=n</a:t>
+                      </a:r>
+                      <a:endParaRPr lang="zh-CN" altLang="en-US" sz="1200" dirty="0"/>
+                    </a:p>
+                  </a:txBody>
+                  <a:tcPr marL="68580" marR="68580" marT="34290" marB="34290" anchor="ctr"/>
+                </a:tc>
+              </a:tr>
+            </a:tbl>
+          </a:graphicData>
+        </a:graphic>
+      </p:graphicFrame>
+      <p:sp>
+        <p:nvSpPr>
+          <p:cNvPr id="20" name="文本框 8"/>
+          <p:cNvSpPr txBox="1"/>
+          <p:nvPr/>
+        </p:nvSpPr>
+        <p:spPr>
+          <a:xfrm>
+            <a:off x="4152938" y="428105"/>
+            <a:ext cx="357790" cy="300082"/>
+          </a:xfrm>
+          <a:prstGeom prst="rect">
+            <a:avLst/>
+          </a:prstGeom>
+          <a:noFill/>
+        </p:spPr>
+        <p:txBody>
+          <a:bodyPr wrap="none" rtlCol="0">
+            <a:spAutoFit/>
+          </a:bodyPr>
+          <a:lstStyle/>
+          <a:p>
+            <a:r>
+              <a:rPr lang="ja-JP" altLang="en-US" sz="1350" dirty="0">
+                <a:solidFill>
+                  <a:srgbClr val="FF0000"/>
+                </a:solidFill>
+              </a:rPr>
+              <a:t>③</a:t>
+            </a:r>
+            <a:endParaRPr lang="zh-CN" altLang="en-US" sz="1350" dirty="0">
+              <a:solidFill>
+                <a:srgbClr val="FF0000"/>
+              </a:solidFill>
+            </a:endParaRPr>
+          </a:p>
+        </p:txBody>
+      </p:sp>
+      <p:sp>
+        <p:nvSpPr>
+          <p:cNvPr id="21" name="矩形 20"/>
           <p:cNvSpPr/>
           <p:nvPr/>
         </p:nvSpPr>
         <p:spPr>
           <a:xfrm>
-            <a:off x="2867891" y="1722581"/>
-            <a:ext cx="494145" cy="189345"/>
+            <a:off x="4864792" y="548640"/>
+            <a:ext cx="3547687" cy="1920240"/>
           </a:xfrm>
           <a:prstGeom prst="rect">
             <a:avLst/>
@@ -8685,95 +9470,16 @@
           </a:p>
         </p:txBody>
       </p:sp>
-      <p:sp>
-        <p:nvSpPr>
-          <p:cNvPr id="8" name="文本框 7"/>
-          <p:cNvSpPr txBox="1"/>
-          <p:nvPr/>
-        </p:nvSpPr>
-        <p:spPr>
-          <a:xfrm>
-            <a:off x="0" y="1286712"/>
-            <a:ext cx="357790" cy="300082"/>
-          </a:xfrm>
-          <a:prstGeom prst="rect">
-            <a:avLst/>
-          </a:prstGeom>
-          <a:noFill/>
-        </p:spPr>
-        <p:txBody>
-          <a:bodyPr wrap="none" rtlCol="0">
-            <a:spAutoFit/>
-          </a:bodyPr>
-          <a:lstStyle/>
-          <a:p>
-            <a:r>
-              <a:rPr lang="ja-JP" altLang="en-US" sz="1350" dirty="0">
-                <a:solidFill>
-                  <a:srgbClr val="FF0000"/>
-                </a:solidFill>
-              </a:rPr>
-              <a:t>②</a:t>
-            </a:r>
-            <a:endParaRPr lang="zh-CN" altLang="en-US" sz="1350" dirty="0">
-              <a:solidFill>
-                <a:srgbClr val="FF0000"/>
-              </a:solidFill>
-            </a:endParaRPr>
-          </a:p>
-        </p:txBody>
-      </p:sp>
-      <p:sp>
-        <p:nvSpPr>
-          <p:cNvPr id="9" name="文本框 8"/>
-          <p:cNvSpPr txBox="1"/>
-          <p:nvPr/>
-        </p:nvSpPr>
-        <p:spPr>
-          <a:xfrm>
-            <a:off x="3745615" y="1958108"/>
-            <a:ext cx="357790" cy="300082"/>
-          </a:xfrm>
-          <a:prstGeom prst="rect">
-            <a:avLst/>
-          </a:prstGeom>
-          <a:noFill/>
-        </p:spPr>
-        <p:txBody>
-          <a:bodyPr wrap="none" rtlCol="0">
-            <a:spAutoFit/>
-          </a:bodyPr>
-          <a:lstStyle/>
-          <a:p>
-            <a:r>
-              <a:rPr lang="ja-JP" altLang="en-US" sz="1350" dirty="0">
-                <a:solidFill>
-                  <a:srgbClr val="FF0000"/>
-                </a:solidFill>
-              </a:rPr>
-              <a:t>③</a:t>
-            </a:r>
-            <a:endParaRPr lang="zh-CN" altLang="en-US" sz="1350" dirty="0">
-              <a:solidFill>
-                <a:srgbClr val="FF0000"/>
-              </a:solidFill>
-            </a:endParaRPr>
-          </a:p>
-        </p:txBody>
-      </p:sp>
       <p:cxnSp>
         <p:nvCxnSpPr>
-          <p:cNvPr id="11" name="直接箭头连接符 10"/>
-          <p:cNvCxnSpPr>
-            <a:stCxn id="4" idx="3"/>
-            <a:endCxn id="5" idx="1"/>
-          </p:cNvCxnSpPr>
+          <p:cNvPr id="23" name="直接箭头连接符 22"/>
+          <p:cNvCxnSpPr/>
           <p:nvPr/>
         </p:nvCxnSpPr>
         <p:spPr>
-          <a:xfrm>
-            <a:off x="357790" y="540826"/>
-            <a:ext cx="270283" cy="142665"/>
+          <a:xfrm rot="16200000" flipH="1">
+            <a:off x="4396740" y="617222"/>
+            <a:ext cx="502921" cy="426719"/>
           </a:xfrm>
           <a:prstGeom prst="straightConnector1">
             <a:avLst/>
@@ -8782,7 +9488,7 @@
             <a:solidFill>
               <a:srgbClr val="FF0000"/>
             </a:solidFill>
-            <a:tailEnd type="triangle"/>
+            <a:tailEnd type="arrow"/>
           </a:ln>
         </p:spPr>
         <p:style>
@@ -8800,18 +9506,109 @@
           </a:fontRef>
         </p:style>
       </p:cxnSp>
+      <p:sp>
+        <p:nvSpPr>
+          <p:cNvPr id="30" name="矩形 29"/>
+          <p:cNvSpPr/>
+          <p:nvPr/>
+        </p:nvSpPr>
+        <p:spPr>
+          <a:xfrm>
+            <a:off x="4758112" y="1203960"/>
+            <a:ext cx="3776288" cy="594360"/>
+          </a:xfrm>
+          <a:prstGeom prst="rect">
+            <a:avLst/>
+          </a:prstGeom>
+          <a:solidFill>
+            <a:schemeClr val="accent1">
+              <a:alpha val="0"/>
+            </a:schemeClr>
+          </a:solidFill>
+          <a:ln w="0">
+            <a:solidFill>
+              <a:srgbClr val="FF0000"/>
+            </a:solidFill>
+          </a:ln>
+        </p:spPr>
+        <p:style>
+          <a:lnRef idx="2">
+            <a:schemeClr val="accent1">
+              <a:shade val="50000"/>
+            </a:schemeClr>
+          </a:lnRef>
+          <a:fillRef idx="1">
+            <a:schemeClr val="accent1"/>
+          </a:fillRef>
+          <a:effectRef idx="0">
+            <a:schemeClr val="accent1"/>
+          </a:effectRef>
+          <a:fontRef idx="minor">
+            <a:schemeClr val="lt1"/>
+          </a:fontRef>
+        </p:style>
+        <p:txBody>
+          <a:bodyPr rot="0" spcFirstLastPara="0" vertOverflow="overflow" horzOverflow="overflow" vert="horz" wrap="square" lIns="68580" tIns="34290" rIns="68580" bIns="34290" numCol="1" spcCol="0" rtlCol="0" fromWordArt="0" anchor="ctr" anchorCtr="0" forceAA="0" compatLnSpc="1">
+            <a:prstTxWarp prst="textNoShape">
+              <a:avLst/>
+            </a:prstTxWarp>
+            <a:noAutofit/>
+          </a:bodyPr>
+          <a:lstStyle/>
+          <a:p>
+            <a:pPr algn="ctr"/>
+            <a:endParaRPr lang="zh-CN" altLang="en-US" sz="1350"/>
+          </a:p>
+        </p:txBody>
+      </p:sp>
+      <p:sp>
+        <p:nvSpPr>
+          <p:cNvPr id="32" name="文本框 9"/>
+          <p:cNvSpPr txBox="1"/>
+          <p:nvPr/>
+        </p:nvSpPr>
+        <p:spPr>
+          <a:xfrm>
+            <a:off x="4061810" y="2092859"/>
+            <a:ext cx="357790" cy="300082"/>
+          </a:xfrm>
+          <a:prstGeom prst="rect">
+            <a:avLst/>
+          </a:prstGeom>
+          <a:noFill/>
+        </p:spPr>
+        <p:txBody>
+          <a:bodyPr wrap="none" rtlCol="0">
+            <a:spAutoFit/>
+          </a:bodyPr>
+          <a:lstStyle/>
+          <a:p>
+            <a:r>
+              <a:rPr lang="ja-JP" altLang="en-US" sz="1350" dirty="0">
+                <a:solidFill>
+                  <a:srgbClr val="FF0000"/>
+                </a:solidFill>
+              </a:rPr>
+              <a:t>④</a:t>
+            </a:r>
+            <a:endParaRPr lang="zh-CN" altLang="en-US" sz="1350" dirty="0">
+              <a:solidFill>
+                <a:srgbClr val="FF0000"/>
+              </a:solidFill>
+            </a:endParaRPr>
+          </a:p>
+        </p:txBody>
+      </p:sp>
       <p:cxnSp>
         <p:nvCxnSpPr>
-          <p:cNvPr id="13" name="直接箭头连接符 12"/>
-          <p:cNvCxnSpPr>
-            <a:endCxn id="6" idx="1"/>
-          </p:cNvCxnSpPr>
+          <p:cNvPr id="34" name="直接箭头连接符 33"/>
+          <p:cNvCxnSpPr/>
           <p:nvPr/>
         </p:nvCxnSpPr>
         <p:spPr>
           <a:xfrm flipV="1">
-            <a:off x="304800" y="1196209"/>
-            <a:ext cx="304800" cy="124591"/>
+            <a:off x="4282440" y="1859280"/>
+            <a:ext cx="487680" cy="304800"/>
           </a:xfrm>
           <a:prstGeom prst="straightConnector1">
             <a:avLst/>
@@ -8820,45 +9617,7 @@
             <a:solidFill>
               <a:srgbClr val="FF0000"/>
             </a:solidFill>
-            <a:tailEnd type="triangle"/>
-          </a:ln>
-        </p:spPr>
-        <p:style>
-          <a:lnRef idx="1">
-            <a:schemeClr val="accent1"/>
-          </a:lnRef>
-          <a:fillRef idx="0">
-            <a:schemeClr val="accent1"/>
-          </a:fillRef>
-          <a:effectRef idx="0">
-            <a:schemeClr val="accent1"/>
-          </a:effectRef>
-          <a:fontRef idx="minor">
-            <a:schemeClr val="tx1"/>
-          </a:fontRef>
-        </p:style>
-      </p:cxnSp>
-      <p:cxnSp>
-        <p:nvCxnSpPr>
-          <p:cNvPr id="15" name="直接箭头连接符 14"/>
-          <p:cNvCxnSpPr>
-            <a:endCxn id="7" idx="3"/>
-          </p:cNvCxnSpPr>
-          <p:nvPr/>
-        </p:nvCxnSpPr>
-        <p:spPr>
-          <a:xfrm flipH="1" flipV="1">
-            <a:off x="3362036" y="1817254"/>
-            <a:ext cx="461819" cy="205510"/>
-          </a:xfrm>
-          <a:prstGeom prst="straightConnector1">
-            <a:avLst/>
-          </a:prstGeom>
-          <a:ln w="0">
-            <a:solidFill>
-              <a:srgbClr val="FF0000"/>
-            </a:solidFill>
-            <a:tailEnd type="triangle"/>
+            <a:tailEnd type="arrow"/>
           </a:ln>
         </p:spPr>
         <p:style>
@@ -8932,7 +9691,7 @@
     </a:clrScheme>
     <a:fontScheme name="Office 主题​​">
       <a:majorFont>
-        <a:latin typeface="Calibri Light" panose="020F0302020204030204"/>
+        <a:latin typeface="Calibri Light"/>
         <a:ea typeface=""/>
         <a:cs typeface=""/>
         <a:font script="Jpan" typeface="游ゴシック Light"/>
@@ -8967,7 +9726,7 @@
         <a:font script="Geor" typeface="Sylfaen"/>
       </a:majorFont>
       <a:minorFont>
-        <a:latin typeface="Calibri" panose="020F0502020204030204"/>
+        <a:latin typeface="Calibri"/>
         <a:ea typeface=""/>
         <a:cs typeface=""/>
         <a:font script="Jpan" typeface="游ゴシック"/>
@@ -9225,7 +9984,7 @@
   <a:extraClrSchemeLst/>
   <a:extLst>
     <a:ext uri="{05A4C25C-085E-4340-85A3-A5531E510DB2}">
-      <thm15:themeFamily xmlns:thm15="http://schemas.microsoft.com/office/thememl/2012/main" name="Office Theme" id="{62F939B6-93AF-4DB8-9C6B-D6C7DFDC589F}" vid="{4A3C46E8-61CC-4603-A589-7422A47A8E4A}"/>
+      <thm15:themeFamily xmlns="" xmlns:thm15="http://schemas.microsoft.com/office/thememl/2012/main" name="Office Theme" id="{62F939B6-93AF-4DB8-9C6B-D6C7DFDC589F}" vid="{4A3C46E8-61CC-4603-A589-7422A47A8E4A}"/>
     </a:ext>
   </a:extLst>
 </a:theme>

--- a/MyCompany/资源汇总.pptx
+++ b/MyCompany/资源汇总.pptx
@@ -13,6 +13,10 @@
     <p:sldId id="261" r:id="rId7"/>
     <p:sldId id="262" r:id="rId8"/>
     <p:sldId id="263" r:id="rId9"/>
+    <p:sldId id="264" r:id="rId10"/>
+    <p:sldId id="265" r:id="rId11"/>
+    <p:sldId id="266" r:id="rId12"/>
+    <p:sldId id="267" r:id="rId13"/>
   </p:sldIdLst>
   <p:sldSz cx="9144000" cy="6858000" type="screen4x3"/>
   <p:notesSz cx="6858000" cy="9144000"/>
@@ -113,7 +117,7 @@
   </p:defaultTextStyle>
   <p:extLst>
     <p:ext uri="{EFAFB233-063F-42B5-8137-9DF3F51BA10A}">
-      <p15:sldGuideLst xmlns="" xmlns:p15="http://schemas.microsoft.com/office/powerpoint/2012/main"/>
+      <p15:sldGuideLst xmlns:p15="http://schemas.microsoft.com/office/powerpoint/2012/main" xmlns=""/>
     </p:ext>
   </p:extLst>
 </p:presentation>
@@ -251,7 +255,7 @@
             <a:fld id="{C764DE79-268F-4C1A-8933-263129D2AF90}" type="datetimeFigureOut">
               <a:rPr lang="en-US" dirty="0"/>
               <a:pPr/>
-              <a:t>4/10/2019</a:t>
+              <a:t>4/11/2019</a:t>
             </a:fld>
             <a:endParaRPr lang="en-US" dirty="0"/>
           </a:p>
@@ -423,7 +427,7 @@
             <a:fld id="{C764DE79-268F-4C1A-8933-263129D2AF90}" type="datetimeFigureOut">
               <a:rPr lang="en-US" dirty="0"/>
               <a:pPr/>
-              <a:t>4/10/2019</a:t>
+              <a:t>4/11/2019</a:t>
             </a:fld>
             <a:endParaRPr lang="en-US" dirty="0"/>
           </a:p>
@@ -605,7 +609,7 @@
             <a:fld id="{C764DE79-268F-4C1A-8933-263129D2AF90}" type="datetimeFigureOut">
               <a:rPr lang="en-US" dirty="0"/>
               <a:pPr/>
-              <a:t>4/10/2019</a:t>
+              <a:t>4/11/2019</a:t>
             </a:fld>
             <a:endParaRPr lang="en-US" dirty="0"/>
           </a:p>
@@ -807,7 +811,7 @@
             <a:fld id="{C764DE79-268F-4C1A-8933-263129D2AF90}" type="datetimeFigureOut">
               <a:rPr lang="en-US" dirty="0"/>
               <a:pPr/>
-              <a:t>4/10/2019</a:t>
+              <a:t>4/11/2019</a:t>
             </a:fld>
             <a:endParaRPr lang="en-US" dirty="0"/>
           </a:p>
@@ -1053,7 +1057,7 @@
             <a:fld id="{C764DE79-268F-4C1A-8933-263129D2AF90}" type="datetimeFigureOut">
               <a:rPr lang="en-US" dirty="0"/>
               <a:pPr/>
-              <a:t>4/10/2019</a:t>
+              <a:t>4/11/2019</a:t>
             </a:fld>
             <a:endParaRPr lang="en-US" dirty="0"/>
           </a:p>
@@ -1287,7 +1291,7 @@
             <a:fld id="{C764DE79-268F-4C1A-8933-263129D2AF90}" type="datetimeFigureOut">
               <a:rPr lang="en-US" dirty="0"/>
               <a:pPr/>
-              <a:t>4/10/2019</a:t>
+              <a:t>4/11/2019</a:t>
             </a:fld>
             <a:endParaRPr lang="en-US" dirty="0"/>
           </a:p>
@@ -1656,7 +1660,7 @@
             <a:fld id="{C764DE79-268F-4C1A-8933-263129D2AF90}" type="datetimeFigureOut">
               <a:rPr lang="en-US" dirty="0"/>
               <a:pPr/>
-              <a:t>4/10/2019</a:t>
+              <a:t>4/11/2019</a:t>
             </a:fld>
             <a:endParaRPr lang="en-US" dirty="0"/>
           </a:p>
@@ -1776,7 +1780,7 @@
             <a:fld id="{C764DE79-268F-4C1A-8933-263129D2AF90}" type="datetimeFigureOut">
               <a:rPr lang="en-US" dirty="0"/>
               <a:pPr/>
-              <a:t>4/10/2019</a:t>
+              <a:t>4/11/2019</a:t>
             </a:fld>
             <a:endParaRPr lang="en-US" dirty="0"/>
           </a:p>
@@ -1873,7 +1877,7 @@
             <a:fld id="{C764DE79-268F-4C1A-8933-263129D2AF90}" type="datetimeFigureOut">
               <a:rPr lang="en-US" dirty="0"/>
               <a:pPr/>
-              <a:t>4/10/2019</a:t>
+              <a:t>4/11/2019</a:t>
             </a:fld>
             <a:endParaRPr lang="en-US" dirty="0"/>
           </a:p>
@@ -2152,7 +2156,7 @@
             <a:fld id="{C764DE79-268F-4C1A-8933-263129D2AF90}" type="datetimeFigureOut">
               <a:rPr lang="en-US" dirty="0"/>
               <a:pPr/>
-              <a:t>4/10/2019</a:t>
+              <a:t>4/11/2019</a:t>
             </a:fld>
             <a:endParaRPr lang="en-US" dirty="0"/>
           </a:p>
@@ -2411,7 +2415,7 @@
             <a:fld id="{C764DE79-268F-4C1A-8933-263129D2AF90}" type="datetimeFigureOut">
               <a:rPr lang="en-US" dirty="0"/>
               <a:pPr/>
-              <a:t>4/10/2019</a:t>
+              <a:t>4/11/2019</a:t>
             </a:fld>
             <a:endParaRPr lang="en-US" dirty="0"/>
           </a:p>
@@ -2626,7 +2630,7 @@
             <a:fld id="{C764DE79-268F-4C1A-8933-263129D2AF90}" type="datetimeFigureOut">
               <a:rPr lang="en-US" dirty="0"/>
               <a:pPr/>
-              <a:t>4/10/2019</a:t>
+              <a:t>4/11/2019</a:t>
             </a:fld>
             <a:endParaRPr lang="en-US" dirty="0"/>
           </a:p>
@@ -3387,35 +3391,35 @@
                 <a:gridCol w="596936">
                   <a:extLst>
                     <a:ext uri="{9D8B030D-6E8A-4147-A177-3AD203B41FA5}">
-                      <a16:colId xmlns="" xmlns:a16="http://schemas.microsoft.com/office/drawing/2014/main" val="718228510"/>
+                      <a16:colId xmlns:a16="http://schemas.microsoft.com/office/drawing/2014/main" xmlns="" val="718228510"/>
                     </a:ext>
                   </a:extLst>
                 </a:gridCol>
                 <a:gridCol w="1205346">
                   <a:extLst>
                     <a:ext uri="{9D8B030D-6E8A-4147-A177-3AD203B41FA5}">
-                      <a16:colId xmlns="" xmlns:a16="http://schemas.microsoft.com/office/drawing/2014/main" val="597043040"/>
+                      <a16:colId xmlns:a16="http://schemas.microsoft.com/office/drawing/2014/main" xmlns="" val="597043040"/>
                     </a:ext>
                   </a:extLst>
                 </a:gridCol>
                 <a:gridCol w="1205346">
                   <a:extLst>
                     <a:ext uri="{9D8B030D-6E8A-4147-A177-3AD203B41FA5}">
-                      <a16:colId xmlns="" xmlns:a16="http://schemas.microsoft.com/office/drawing/2014/main" val="500040662"/>
+                      <a16:colId xmlns:a16="http://schemas.microsoft.com/office/drawing/2014/main" xmlns="" val="500040662"/>
                     </a:ext>
                   </a:extLst>
                 </a:gridCol>
                 <a:gridCol w="868219">
                   <a:extLst>
                     <a:ext uri="{9D8B030D-6E8A-4147-A177-3AD203B41FA5}">
-                      <a16:colId xmlns="" xmlns:a16="http://schemas.microsoft.com/office/drawing/2014/main" val="539558936"/>
+                      <a16:colId xmlns:a16="http://schemas.microsoft.com/office/drawing/2014/main" xmlns="" val="539558936"/>
                     </a:ext>
                   </a:extLst>
                 </a:gridCol>
                 <a:gridCol w="4147898">
                   <a:extLst>
                     <a:ext uri="{9D8B030D-6E8A-4147-A177-3AD203B41FA5}">
-                      <a16:colId xmlns="" xmlns:a16="http://schemas.microsoft.com/office/drawing/2014/main" val="2492762558"/>
+                      <a16:colId xmlns:a16="http://schemas.microsoft.com/office/drawing/2014/main" xmlns="" val="2492762558"/>
                     </a:ext>
                   </a:extLst>
                 </a:gridCol>
@@ -3522,7 +3526,7 @@
                 </a:tc>
                 <a:extLst>
                   <a:ext uri="{0D108BD9-81ED-4DB2-BD59-A6C34878D82A}">
-                    <a16:rowId xmlns="" xmlns:a16="http://schemas.microsoft.com/office/drawing/2014/main" val="1474649425"/>
+                    <a16:rowId xmlns:a16="http://schemas.microsoft.com/office/drawing/2014/main" xmlns="" val="1474649425"/>
                   </a:ext>
                 </a:extLst>
               </a:tr>
@@ -3645,7 +3649,7 @@
                 </a:tc>
                 <a:extLst>
                   <a:ext uri="{0D108BD9-81ED-4DB2-BD59-A6C34878D82A}">
-                    <a16:rowId xmlns="" xmlns:a16="http://schemas.microsoft.com/office/drawing/2014/main" val="2762545760"/>
+                    <a16:rowId xmlns:a16="http://schemas.microsoft.com/office/drawing/2014/main" xmlns="" val="2762545760"/>
                   </a:ext>
                 </a:extLst>
               </a:tr>
@@ -3759,7 +3763,7 @@
                 </a:tc>
                 <a:extLst>
                   <a:ext uri="{0D108BD9-81ED-4DB2-BD59-A6C34878D82A}">
-                    <a16:rowId xmlns="" xmlns:a16="http://schemas.microsoft.com/office/drawing/2014/main" val="1916467250"/>
+                    <a16:rowId xmlns:a16="http://schemas.microsoft.com/office/drawing/2014/main" xmlns="" val="1916467250"/>
                   </a:ext>
                 </a:extLst>
               </a:tr>
@@ -3771,6 +3775,2483 @@
     <p:extLst>
       <p:ext uri="{BB962C8B-B14F-4D97-AF65-F5344CB8AC3E}">
         <p14:creationId xmlns:p14="http://schemas.microsoft.com/office/powerpoint/2010/main" val="4052193621"/>
+      </p:ext>
+    </p:extLst>
+  </p:cSld>
+  <p:clrMapOvr>
+    <a:masterClrMapping/>
+  </p:clrMapOvr>
+</p:sld>
+</file>
+
+<file path=ppt/slides/slide10.xml><?xml version="1.0" encoding="utf-8"?>
+<p:sld xmlns:a="http://schemas.openxmlformats.org/drawingml/2006/main" xmlns:r="http://schemas.openxmlformats.org/officeDocument/2006/relationships" xmlns:p="http://schemas.openxmlformats.org/presentationml/2006/main">
+  <p:cSld>
+    <p:spTree>
+      <p:nvGrpSpPr>
+        <p:cNvPr id="1" name=""/>
+        <p:cNvGrpSpPr/>
+        <p:nvPr/>
+      </p:nvGrpSpPr>
+      <p:grpSpPr>
+        <a:xfrm>
+          <a:off x="0" y="0"/>
+          <a:ext cx="0" cy="0"/>
+          <a:chOff x="0" y="0"/>
+          <a:chExt cx="0" cy="0"/>
+        </a:xfrm>
+      </p:grpSpPr>
+      <p:sp>
+        <p:nvSpPr>
+          <p:cNvPr id="2" name="文本框 1"/>
+          <p:cNvSpPr txBox="1"/>
+          <p:nvPr/>
+        </p:nvSpPr>
+        <p:spPr>
+          <a:xfrm>
+            <a:off x="0" y="0"/>
+            <a:ext cx="1569660" cy="300082"/>
+          </a:xfrm>
+          <a:prstGeom prst="rect">
+            <a:avLst/>
+          </a:prstGeom>
+          <a:noFill/>
+        </p:spPr>
+        <p:txBody>
+          <a:bodyPr wrap="none" rtlCol="0">
+            <a:spAutoFit/>
+          </a:bodyPr>
+          <a:lstStyle/>
+          <a:p>
+            <a:r>
+              <a:rPr lang="zh-CN" altLang="en-US" sz="1350" dirty="0"/>
+              <a:t>行业</a:t>
+            </a:r>
+            <a:r>
+              <a:rPr lang="zh-CN" altLang="en-US" sz="1350" dirty="0" smtClean="0"/>
+              <a:t>应用常见问题</a:t>
+            </a:r>
+            <a:endParaRPr lang="zh-CN" altLang="en-US" sz="1350" dirty="0"/>
+          </a:p>
+        </p:txBody>
+      </p:sp>
+      <p:pic>
+        <p:nvPicPr>
+          <p:cNvPr id="3" name="图片 2"/>
+          <p:cNvPicPr>
+            <a:picLocks noChangeAspect="1"/>
+          </p:cNvPicPr>
+          <p:nvPr/>
+        </p:nvPicPr>
+        <p:blipFill>
+          <a:blip r:embed="rId2">
+            <a:extLst>
+              <a:ext uri="{28A0092B-C50C-407E-A947-70E740481C1C}">
+                <a14:useLocalDpi xmlns:a14="http://schemas.microsoft.com/office/drawing/2010/main" val="0"/>
+              </a:ext>
+            </a:extLst>
+          </a:blip>
+          <a:stretch>
+            <a:fillRect/>
+          </a:stretch>
+        </p:blipFill>
+        <p:spPr>
+          <a:xfrm>
+            <a:off x="1087891" y="450623"/>
+            <a:ext cx="4791075" cy="2066925"/>
+          </a:xfrm>
+          <a:prstGeom prst="rect">
+            <a:avLst/>
+          </a:prstGeom>
+        </p:spPr>
+      </p:pic>
+      <p:sp>
+        <p:nvSpPr>
+          <p:cNvPr id="4" name="文本框 3"/>
+          <p:cNvSpPr txBox="1"/>
+          <p:nvPr/>
+        </p:nvSpPr>
+        <p:spPr>
+          <a:xfrm>
+            <a:off x="449944" y="544469"/>
+            <a:ext cx="357790" cy="300082"/>
+          </a:xfrm>
+          <a:prstGeom prst="rect">
+            <a:avLst/>
+          </a:prstGeom>
+          <a:noFill/>
+        </p:spPr>
+        <p:txBody>
+          <a:bodyPr wrap="none" rtlCol="0">
+            <a:spAutoFit/>
+          </a:bodyPr>
+          <a:lstStyle/>
+          <a:p>
+            <a:r>
+              <a:rPr lang="ja-JP" altLang="en-US" sz="1350" dirty="0">
+                <a:solidFill>
+                  <a:srgbClr val="FF0000"/>
+                </a:solidFill>
+              </a:rPr>
+              <a:t>①</a:t>
+            </a:r>
+            <a:endParaRPr lang="zh-CN" altLang="en-US" sz="1350" dirty="0">
+              <a:solidFill>
+                <a:srgbClr val="FF0000"/>
+              </a:solidFill>
+            </a:endParaRPr>
+          </a:p>
+        </p:txBody>
+      </p:sp>
+      <p:graphicFrame>
+        <p:nvGraphicFramePr>
+          <p:cNvPr id="5" name="表格 4"/>
+          <p:cNvGraphicFramePr>
+            <a:graphicFrameLocks noGrp="1"/>
+          </p:cNvGraphicFramePr>
+          <p:nvPr>
+            <p:extLst>
+              <p:ext uri="{D42A27DB-BD31-4B8C-83A1-F6EECF244321}">
+                <p14:modId xmlns:p14="http://schemas.microsoft.com/office/powerpoint/2010/main" val="3058558360"/>
+              </p:ext>
+            </p:extLst>
+          </p:nvPr>
+        </p:nvGraphicFramePr>
+        <p:xfrm>
+          <a:off x="499167" y="2691039"/>
+          <a:ext cx="8023745" cy="834390"/>
+        </p:xfrm>
+        <a:graphic>
+          <a:graphicData uri="http://schemas.openxmlformats.org/drawingml/2006/table">
+            <a:tbl>
+              <a:tblPr>
+                <a:tableStyleId>{5940675A-B579-460E-94D1-54222C63F5DA}</a:tableStyleId>
+              </a:tblPr>
+              <a:tblGrid>
+                <a:gridCol w="596936">
+                  <a:extLst>
+                    <a:ext uri="{9D8B030D-6E8A-4147-A177-3AD203B41FA5}">
+                      <a16:colId xmlns:a16="http://schemas.microsoft.com/office/drawing/2014/main" xmlns="" val="718228510"/>
+                    </a:ext>
+                  </a:extLst>
+                </a:gridCol>
+                <a:gridCol w="1205346">
+                  <a:extLst>
+                    <a:ext uri="{9D8B030D-6E8A-4147-A177-3AD203B41FA5}">
+                      <a16:colId xmlns:a16="http://schemas.microsoft.com/office/drawing/2014/main" xmlns="" val="597043040"/>
+                    </a:ext>
+                  </a:extLst>
+                </a:gridCol>
+                <a:gridCol w="1205346">
+                  <a:extLst>
+                    <a:ext uri="{9D8B030D-6E8A-4147-A177-3AD203B41FA5}">
+                      <a16:colId xmlns:a16="http://schemas.microsoft.com/office/drawing/2014/main" xmlns="" val="486324992"/>
+                    </a:ext>
+                  </a:extLst>
+                </a:gridCol>
+                <a:gridCol w="868219">
+                  <a:extLst>
+                    <a:ext uri="{9D8B030D-6E8A-4147-A177-3AD203B41FA5}">
+                      <a16:colId xmlns:a16="http://schemas.microsoft.com/office/drawing/2014/main" xmlns="" val="539558936"/>
+                    </a:ext>
+                  </a:extLst>
+                </a:gridCol>
+                <a:gridCol w="4147898">
+                  <a:extLst>
+                    <a:ext uri="{9D8B030D-6E8A-4147-A177-3AD203B41FA5}">
+                      <a16:colId xmlns:a16="http://schemas.microsoft.com/office/drawing/2014/main" xmlns="" val="2492762558"/>
+                    </a:ext>
+                  </a:extLst>
+                </a:gridCol>
+              </a:tblGrid>
+              <a:tr h="278130">
+                <a:tc>
+                  <a:txBody>
+                    <a:bodyPr/>
+                    <a:lstStyle/>
+                    <a:p>
+                      <a:pPr algn="l"/>
+                      <a:r>
+                        <a:rPr lang="zh-CN" altLang="en-US" sz="1200" dirty="0"/>
+                        <a:t>编号</a:t>
+                      </a:r>
+                    </a:p>
+                  </a:txBody>
+                  <a:tcPr marL="68580" marR="68580" marT="34290" marB="34290" anchor="ctr">
+                    <a:solidFill>
+                      <a:srgbClr val="FFC000"/>
+                    </a:solidFill>
+                  </a:tcPr>
+                </a:tc>
+                <a:tc>
+                  <a:txBody>
+                    <a:bodyPr/>
+                    <a:lstStyle/>
+                    <a:p>
+                      <a:pPr algn="l"/>
+                      <a:r>
+                        <a:rPr lang="zh-CN" altLang="en-US" sz="1200" dirty="0"/>
+                        <a:t>内容</a:t>
+                      </a:r>
+                    </a:p>
+                  </a:txBody>
+                  <a:tcPr marL="68580" marR="68580" marT="34290" marB="34290" anchor="ctr">
+                    <a:solidFill>
+                      <a:srgbClr val="FFC000"/>
+                    </a:solidFill>
+                  </a:tcPr>
+                </a:tc>
+                <a:tc>
+                  <a:txBody>
+                    <a:bodyPr/>
+                    <a:lstStyle/>
+                    <a:p>
+                      <a:pPr algn="l"/>
+                      <a:r>
+                        <a:rPr lang="zh-CN" altLang="en-US" sz="1200" dirty="0"/>
+                        <a:t>内容类型</a:t>
+                      </a:r>
+                    </a:p>
+                  </a:txBody>
+                  <a:tcPr marL="68580" marR="68580" marT="34290" marB="34290" anchor="ctr">
+                    <a:solidFill>
+                      <a:srgbClr val="FFC000"/>
+                    </a:solidFill>
+                  </a:tcPr>
+                </a:tc>
+                <a:tc>
+                  <a:txBody>
+                    <a:bodyPr/>
+                    <a:lstStyle/>
+                    <a:p>
+                      <a:pPr algn="l"/>
+                      <a:r>
+                        <a:rPr lang="en-US" altLang="zh-CN" sz="1200" dirty="0" err="1"/>
+                        <a:t>uri</a:t>
+                      </a:r>
+                      <a:r>
+                        <a:rPr lang="zh-CN" altLang="en-US" sz="1200" dirty="0"/>
+                        <a:t>类型</a:t>
+                      </a:r>
+                    </a:p>
+                  </a:txBody>
+                  <a:tcPr marL="68580" marR="68580" marT="34290" marB="34290" anchor="ctr">
+                    <a:solidFill>
+                      <a:srgbClr val="FFC000"/>
+                    </a:solidFill>
+                  </a:tcPr>
+                </a:tc>
+                <a:tc>
+                  <a:txBody>
+                    <a:bodyPr/>
+                    <a:lstStyle/>
+                    <a:p>
+                      <a:pPr algn="l"/>
+                      <a:r>
+                        <a:rPr lang="zh-CN" altLang="en-US" sz="1200" dirty="0"/>
+                        <a:t>请求</a:t>
+                      </a:r>
+                      <a:r>
+                        <a:rPr lang="en-US" altLang="zh-CN" sz="1200" dirty="0" err="1"/>
+                        <a:t>uri</a:t>
+                      </a:r>
+                      <a:endParaRPr lang="zh-CN" altLang="en-US" sz="1200" dirty="0"/>
+                    </a:p>
+                  </a:txBody>
+                  <a:tcPr marL="68580" marR="68580" marT="34290" marB="34290" anchor="ctr">
+                    <a:solidFill>
+                      <a:srgbClr val="FFC000"/>
+                    </a:solidFill>
+                  </a:tcPr>
+                </a:tc>
+                <a:extLst>
+                  <a:ext uri="{0D108BD9-81ED-4DB2-BD59-A6C34878D82A}">
+                    <a16:rowId xmlns:a16="http://schemas.microsoft.com/office/drawing/2014/main" xmlns="" val="1474649425"/>
+                  </a:ext>
+                </a:extLst>
+              </a:tr>
+              <a:tr h="278130">
+                <a:tc>
+                  <a:txBody>
+                    <a:bodyPr/>
+                    <a:lstStyle/>
+                    <a:p>
+                      <a:pPr algn="l"/>
+                      <a:r>
+                        <a:rPr lang="en-US" altLang="zh-CN" sz="1200" dirty="0" smtClean="0"/>
+                        <a:t>1</a:t>
+                      </a:r>
+                      <a:endParaRPr lang="zh-CN" altLang="en-US" sz="1200" dirty="0"/>
+                    </a:p>
+                  </a:txBody>
+                  <a:tcPr marL="68580" marR="68580" marT="34290" marB="34290" anchor="ctr"/>
+                </a:tc>
+                <a:tc>
+                  <a:txBody>
+                    <a:bodyPr/>
+                    <a:lstStyle/>
+                    <a:p>
+                      <a:pPr algn="l"/>
+                      <a:r>
+                        <a:rPr lang="zh-CN" altLang="en-US" sz="1200" dirty="0" smtClean="0"/>
+                        <a:t>问题列表</a:t>
+                      </a:r>
+                      <a:endParaRPr lang="zh-CN" altLang="en-US" sz="1200" dirty="0"/>
+                    </a:p>
+                  </a:txBody>
+                  <a:tcPr marL="68580" marR="68580" marT="34290" marB="34290" anchor="ctr"/>
+                </a:tc>
+                <a:tc>
+                  <a:txBody>
+                    <a:bodyPr/>
+                    <a:lstStyle/>
+                    <a:p>
+                      <a:pPr algn="l"/>
+                      <a:r>
+                        <a:rPr kumimoji="0" lang="en-US" altLang="zh-CN" sz="1200" b="0" i="0" u="none" strike="noStrike" kern="1200" cap="none" spc="0" normalizeH="0" baseline="0" noProof="0" dirty="0" smtClean="0">
+                          <a:ln>
+                            <a:noFill/>
+                          </a:ln>
+                          <a:solidFill>
+                            <a:prstClr val="black"/>
+                          </a:solidFill>
+                          <a:effectLst/>
+                          <a:uLnTx/>
+                          <a:uFillTx/>
+                          <a:latin typeface="Calibri" panose="020F0502020204030204"/>
+                          <a:ea typeface="等线" panose="02010600030101010101" pitchFamily="2" charset="-122"/>
+                          <a:cs typeface="+mn-cs"/>
+                        </a:rPr>
+                        <a:t>List</a:t>
+                      </a:r>
+                      <a:r>
+                        <a:rPr kumimoji="0" lang="zh-CN" altLang="en-US" sz="1200" b="0" i="0" u="none" strike="noStrike" kern="1200" cap="none" spc="0" normalizeH="0" baseline="0" noProof="0" dirty="0" smtClean="0">
+                          <a:ln>
+                            <a:noFill/>
+                          </a:ln>
+                          <a:solidFill>
+                            <a:prstClr val="black"/>
+                          </a:solidFill>
+                          <a:effectLst/>
+                          <a:uLnTx/>
+                          <a:uFillTx/>
+                          <a:latin typeface="Calibri" panose="020F0502020204030204"/>
+                          <a:ea typeface="等线" panose="02010600030101010101" pitchFamily="2" charset="-122"/>
+                          <a:cs typeface="+mn-cs"/>
+                        </a:rPr>
+                        <a:t>类</a:t>
+                      </a:r>
+                      <a:endParaRPr lang="zh-CN" altLang="en-US" sz="1200" dirty="0"/>
+                    </a:p>
+                  </a:txBody>
+                  <a:tcPr marL="68580" marR="68580" marT="34290" marB="34290" anchor="ctr"/>
+                </a:tc>
+                <a:tc>
+                  <a:txBody>
+                    <a:bodyPr/>
+                    <a:lstStyle/>
+                    <a:p>
+                      <a:pPr algn="l"/>
+                      <a:r>
+                        <a:rPr lang="zh-CN" altLang="en-US" sz="1200" dirty="0"/>
+                        <a:t>后台</a:t>
+                      </a:r>
+                    </a:p>
+                  </a:txBody>
+                  <a:tcPr marL="68580" marR="68580" marT="34290" marB="34290" anchor="ctr"/>
+                </a:tc>
+                <a:tc>
+                  <a:txBody>
+                    <a:bodyPr/>
+                    <a:lstStyle/>
+                    <a:p>
+                      <a:pPr algn="l"/>
+                      <a:r>
+                        <a:rPr lang="en-US" altLang="zh-CN" sz="1200" dirty="0" smtClean="0"/>
+                        <a:t>[get</a:t>
+                      </a:r>
+                      <a:r>
+                        <a:rPr lang="en-US" altLang="zh-CN" sz="1200" smtClean="0"/>
+                        <a:t>]……/</a:t>
+                      </a:r>
+                      <a:r>
+                        <a:rPr lang="en-US" altLang="zh-CN" sz="1200" smtClean="0"/>
+                        <a:t>bg/qaList?product=600pro</a:t>
+                      </a:r>
+                      <a:endParaRPr lang="zh-CN" altLang="en-US" sz="1200" dirty="0"/>
+                    </a:p>
+                  </a:txBody>
+                  <a:tcPr marL="68580" marR="68580" marT="34290" marB="34290" anchor="ctr"/>
+                </a:tc>
+              </a:tr>
+              <a:tr h="278130">
+                <a:tc>
+                  <a:txBody>
+                    <a:bodyPr/>
+                    <a:lstStyle/>
+                    <a:p>
+                      <a:pPr algn="l"/>
+                      <a:r>
+                        <a:rPr lang="en-US" altLang="zh-CN" sz="1200" dirty="0"/>
+                        <a:t>2</a:t>
+                      </a:r>
+                      <a:endParaRPr lang="zh-CN" altLang="en-US" sz="1200" dirty="0"/>
+                    </a:p>
+                  </a:txBody>
+                  <a:tcPr marL="68580" marR="68580" marT="34290" marB="34290" anchor="ctr"/>
+                </a:tc>
+                <a:tc>
+                  <a:txBody>
+                    <a:bodyPr/>
+                    <a:lstStyle/>
+                    <a:p>
+                      <a:pPr algn="l"/>
+                      <a:r>
+                        <a:rPr kumimoji="0" lang="zh-CN" altLang="en-US" sz="1200" b="0" i="0" u="none" strike="noStrike" kern="1200" cap="none" spc="0" normalizeH="0" baseline="0" noProof="0" dirty="0" smtClean="0">
+                          <a:ln>
+                            <a:noFill/>
+                          </a:ln>
+                          <a:solidFill>
+                            <a:prstClr val="black"/>
+                          </a:solidFill>
+                          <a:effectLst/>
+                          <a:uLnTx/>
+                          <a:uFillTx/>
+                          <a:latin typeface="Calibri" panose="020F0502020204030204"/>
+                          <a:ea typeface="等线" panose="02010600030101010101" pitchFamily="2" charset="-122"/>
+                          <a:cs typeface="+mn-cs"/>
+                        </a:rPr>
+                        <a:t>问题与回答</a:t>
+                      </a:r>
+                      <a:endParaRPr lang="zh-CN" altLang="en-US" sz="1200" dirty="0"/>
+                    </a:p>
+                  </a:txBody>
+                  <a:tcPr marL="68580" marR="68580" marT="34290" marB="34290" anchor="ctr"/>
+                </a:tc>
+                <a:tc>
+                  <a:txBody>
+                    <a:bodyPr/>
+                    <a:lstStyle/>
+                    <a:p>
+                      <a:pPr algn="l"/>
+                      <a:r>
+                        <a:rPr kumimoji="0" lang="en-US" altLang="zh-CN" sz="1200" b="0" i="0" u="none" strike="noStrike" kern="1200" cap="none" spc="0" normalizeH="0" baseline="0" noProof="0" dirty="0" err="1" smtClean="0">
+                          <a:ln>
+                            <a:noFill/>
+                          </a:ln>
+                          <a:solidFill>
+                            <a:prstClr val="black"/>
+                          </a:solidFill>
+                          <a:effectLst/>
+                          <a:uLnTx/>
+                          <a:uFillTx/>
+                          <a:latin typeface="Calibri" panose="020F0502020204030204"/>
+                          <a:ea typeface="等线" panose="02010600030101010101" pitchFamily="2" charset="-122"/>
+                          <a:cs typeface="+mn-cs"/>
+                        </a:rPr>
+                        <a:t>CommonQA</a:t>
+                      </a:r>
+                      <a:r>
+                        <a:rPr kumimoji="0" lang="zh-CN" altLang="en-US" sz="1200" b="0" i="0" u="none" strike="noStrike" kern="1200" cap="none" spc="0" normalizeH="0" baseline="0" noProof="0" dirty="0" smtClean="0">
+                          <a:ln>
+                            <a:noFill/>
+                          </a:ln>
+                          <a:solidFill>
+                            <a:prstClr val="black"/>
+                          </a:solidFill>
+                          <a:effectLst/>
+                          <a:uLnTx/>
+                          <a:uFillTx/>
+                          <a:latin typeface="Calibri" panose="020F0502020204030204"/>
+                          <a:ea typeface="等线" panose="02010600030101010101" pitchFamily="2" charset="-122"/>
+                          <a:cs typeface="+mn-cs"/>
+                        </a:rPr>
+                        <a:t>类</a:t>
+                      </a:r>
+                      <a:endParaRPr lang="zh-CN" altLang="en-US" sz="1200" dirty="0"/>
+                    </a:p>
+                  </a:txBody>
+                  <a:tcPr marL="68580" marR="68580" marT="34290" marB="34290" anchor="ctr"/>
+                </a:tc>
+                <a:tc>
+                  <a:txBody>
+                    <a:bodyPr/>
+                    <a:lstStyle/>
+                    <a:p>
+                      <a:pPr algn="l"/>
+                      <a:r>
+                        <a:rPr lang="zh-CN" altLang="en-US" sz="1200" dirty="0"/>
+                        <a:t>后台</a:t>
+                      </a:r>
+                    </a:p>
+                  </a:txBody>
+                  <a:tcPr marL="68580" marR="68580" marT="34290" marB="34290" anchor="ctr"/>
+                </a:tc>
+                <a:tc>
+                  <a:txBody>
+                    <a:bodyPr/>
+                    <a:lstStyle/>
+                    <a:p>
+                      <a:pPr algn="l"/>
+                      <a:r>
+                        <a:rPr lang="en-US" altLang="zh-CN" sz="1200" dirty="0" smtClean="0"/>
+                        <a:t>[get]……/</a:t>
+                      </a:r>
+                      <a:r>
+                        <a:rPr lang="en-US" altLang="zh-CN" sz="1200" dirty="0" err="1" smtClean="0"/>
+                        <a:t>bg</a:t>
+                      </a:r>
+                      <a:r>
+                        <a:rPr lang="en-US" altLang="zh-CN" sz="1200" dirty="0" smtClean="0"/>
+                        <a:t>/</a:t>
+                      </a:r>
+                      <a:r>
+                        <a:rPr lang="en-US" altLang="zh-CN" sz="1200" dirty="0" err="1" smtClean="0"/>
+                        <a:t>commonQA?product</a:t>
+                      </a:r>
+                      <a:r>
+                        <a:rPr lang="en-US" altLang="zh-CN" sz="1200" dirty="0" smtClean="0"/>
+                        <a:t>=600pro</a:t>
+                      </a:r>
+                      <a:endParaRPr lang="zh-CN" altLang="en-US" sz="1200" dirty="0"/>
+                    </a:p>
+                  </a:txBody>
+                  <a:tcPr marL="68580" marR="68580" marT="34290" marB="34290" anchor="ctr"/>
+                </a:tc>
+                <a:extLst>
+                  <a:ext uri="{0D108BD9-81ED-4DB2-BD59-A6C34878D82A}">
+                    <a16:rowId xmlns:a16="http://schemas.microsoft.com/office/drawing/2014/main" xmlns="" val="2762545760"/>
+                  </a:ext>
+                </a:extLst>
+              </a:tr>
+            </a:tbl>
+          </a:graphicData>
+        </a:graphic>
+      </p:graphicFrame>
+      <p:sp>
+        <p:nvSpPr>
+          <p:cNvPr id="6" name="文本框 7"/>
+          <p:cNvSpPr txBox="1"/>
+          <p:nvPr/>
+        </p:nvSpPr>
+        <p:spPr>
+          <a:xfrm>
+            <a:off x="412523" y="1471386"/>
+            <a:ext cx="357790" cy="300082"/>
+          </a:xfrm>
+          <a:prstGeom prst="rect">
+            <a:avLst/>
+          </a:prstGeom>
+          <a:noFill/>
+        </p:spPr>
+        <p:txBody>
+          <a:bodyPr wrap="none" rtlCol="0">
+            <a:spAutoFit/>
+          </a:bodyPr>
+          <a:lstStyle/>
+          <a:p>
+            <a:r>
+              <a:rPr lang="ja-JP" altLang="en-US" sz="1350" dirty="0">
+                <a:solidFill>
+                  <a:srgbClr val="FF0000"/>
+                </a:solidFill>
+              </a:rPr>
+              <a:t>②</a:t>
+            </a:r>
+            <a:endParaRPr lang="zh-CN" altLang="en-US" sz="1350" dirty="0">
+              <a:solidFill>
+                <a:srgbClr val="FF0000"/>
+              </a:solidFill>
+            </a:endParaRPr>
+          </a:p>
+        </p:txBody>
+      </p:sp>
+    </p:spTree>
+    <p:extLst>
+      <p:ext uri="{BB962C8B-B14F-4D97-AF65-F5344CB8AC3E}">
+        <p14:creationId xmlns:p14="http://schemas.microsoft.com/office/powerpoint/2010/main" val="325303301"/>
+      </p:ext>
+    </p:extLst>
+  </p:cSld>
+  <p:clrMapOvr>
+    <a:masterClrMapping/>
+  </p:clrMapOvr>
+</p:sld>
+</file>
+
+<file path=ppt/slides/slide11.xml><?xml version="1.0" encoding="utf-8"?>
+<p:sld xmlns:a="http://schemas.openxmlformats.org/drawingml/2006/main" xmlns:r="http://schemas.openxmlformats.org/officeDocument/2006/relationships" xmlns:p="http://schemas.openxmlformats.org/presentationml/2006/main">
+  <p:cSld>
+    <p:spTree>
+      <p:nvGrpSpPr>
+        <p:cNvPr id="1" name=""/>
+        <p:cNvGrpSpPr/>
+        <p:nvPr/>
+      </p:nvGrpSpPr>
+      <p:grpSpPr>
+        <a:xfrm>
+          <a:off x="0" y="0"/>
+          <a:ext cx="0" cy="0"/>
+          <a:chOff x="0" y="0"/>
+          <a:chExt cx="0" cy="0"/>
+        </a:xfrm>
+      </p:grpSpPr>
+      <p:sp>
+        <p:nvSpPr>
+          <p:cNvPr id="2" name="TextBox 1"/>
+          <p:cNvSpPr txBox="1"/>
+          <p:nvPr/>
+        </p:nvSpPr>
+        <p:spPr>
+          <a:xfrm>
+            <a:off x="0" y="0"/>
+            <a:ext cx="704039" cy="300082"/>
+          </a:xfrm>
+          <a:prstGeom prst="rect">
+            <a:avLst/>
+          </a:prstGeom>
+          <a:noFill/>
+        </p:spPr>
+        <p:txBody>
+          <a:bodyPr wrap="none" rtlCol="0">
+            <a:spAutoFit/>
+          </a:bodyPr>
+          <a:lstStyle/>
+          <a:p>
+            <a:r>
+              <a:rPr lang="zh-CN" altLang="en-US" sz="1350" dirty="0" smtClean="0"/>
+              <a:t>附录：</a:t>
+            </a:r>
+            <a:endParaRPr lang="zh-CN" altLang="en-US" sz="1350" dirty="0"/>
+          </a:p>
+        </p:txBody>
+      </p:sp>
+      <p:sp>
+        <p:nvSpPr>
+          <p:cNvPr id="3" name="TextBox 2"/>
+          <p:cNvSpPr txBox="1"/>
+          <p:nvPr/>
+        </p:nvSpPr>
+        <p:spPr>
+          <a:xfrm>
+            <a:off x="290285" y="319313"/>
+            <a:ext cx="610680" cy="307777"/>
+          </a:xfrm>
+          <a:prstGeom prst="rect">
+            <a:avLst/>
+          </a:prstGeom>
+          <a:noFill/>
+        </p:spPr>
+        <p:txBody>
+          <a:bodyPr wrap="none" rtlCol="0">
+            <a:spAutoFit/>
+          </a:bodyPr>
+          <a:lstStyle/>
+          <a:p>
+            <a:r>
+              <a:rPr lang="en-US" altLang="zh-CN" sz="1400" dirty="0" smtClean="0">
+                <a:solidFill>
+                  <a:prstClr val="black"/>
+                </a:solidFill>
+                <a:ea typeface="等线" panose="02010600030101010101" pitchFamily="2" charset="-122"/>
+              </a:rPr>
+              <a:t>List</a:t>
+            </a:r>
+            <a:r>
+              <a:rPr lang="zh-CN" altLang="en-US" sz="1400" dirty="0" smtClean="0">
+                <a:solidFill>
+                  <a:prstClr val="black"/>
+                </a:solidFill>
+                <a:ea typeface="等线" panose="02010600030101010101" pitchFamily="2" charset="-122"/>
+              </a:rPr>
+              <a:t>类</a:t>
+            </a:r>
+            <a:endParaRPr lang="zh-CN" altLang="en-US" sz="1400" dirty="0"/>
+          </a:p>
+        </p:txBody>
+      </p:sp>
+      <p:graphicFrame>
+        <p:nvGraphicFramePr>
+          <p:cNvPr id="4" name="表格 3"/>
+          <p:cNvGraphicFramePr>
+            <a:graphicFrameLocks noGrp="1"/>
+          </p:cNvGraphicFramePr>
+          <p:nvPr>
+            <p:extLst>
+              <p:ext uri="{D42A27DB-BD31-4B8C-83A1-F6EECF244321}">
+                <p14:modId xmlns:p14="http://schemas.microsoft.com/office/powerpoint/2010/main" val="31764592"/>
+              </p:ext>
+            </p:extLst>
+          </p:nvPr>
+        </p:nvGraphicFramePr>
+        <p:xfrm>
+          <a:off x="449942" y="685798"/>
+          <a:ext cx="7489372" cy="822960"/>
+        </p:xfrm>
+        <a:graphic>
+          <a:graphicData uri="http://schemas.openxmlformats.org/drawingml/2006/table">
+            <a:tbl>
+              <a:tblPr>
+                <a:tableStyleId>{5940675A-B579-460E-94D1-54222C63F5DA}</a:tableStyleId>
+              </a:tblPr>
+              <a:tblGrid>
+                <a:gridCol w="1515706"/>
+                <a:gridCol w="980751"/>
+                <a:gridCol w="4992915"/>
+              </a:tblGrid>
+              <a:tr h="0">
+                <a:tc>
+                  <a:txBody>
+                    <a:bodyPr/>
+                    <a:lstStyle/>
+                    <a:p>
+                      <a:r>
+                        <a:rPr lang="zh-CN" altLang="en-US" sz="1200" dirty="0" smtClean="0"/>
+                        <a:t>成员名称</a:t>
+                      </a:r>
+                      <a:endParaRPr lang="zh-CN" altLang="en-US" sz="1200" dirty="0"/>
+                    </a:p>
+                  </a:txBody>
+                  <a:tcPr anchor="ctr">
+                    <a:solidFill>
+                      <a:srgbClr val="92D050"/>
+                    </a:solidFill>
+                  </a:tcPr>
+                </a:tc>
+                <a:tc>
+                  <a:txBody>
+                    <a:bodyPr/>
+                    <a:lstStyle/>
+                    <a:p>
+                      <a:r>
+                        <a:rPr lang="zh-CN" altLang="en-US" sz="1200" dirty="0" smtClean="0"/>
+                        <a:t>类型</a:t>
+                      </a:r>
+                      <a:endParaRPr lang="zh-CN" altLang="en-US" sz="1200" dirty="0"/>
+                    </a:p>
+                  </a:txBody>
+                  <a:tcPr anchor="ctr">
+                    <a:solidFill>
+                      <a:srgbClr val="92D050"/>
+                    </a:solidFill>
+                  </a:tcPr>
+                </a:tc>
+                <a:tc>
+                  <a:txBody>
+                    <a:bodyPr/>
+                    <a:lstStyle/>
+                    <a:p>
+                      <a:r>
+                        <a:rPr lang="zh-CN" altLang="en-US" sz="1200" dirty="0" smtClean="0"/>
+                        <a:t>说明</a:t>
+                      </a:r>
+                      <a:endParaRPr lang="zh-CN" altLang="en-US" sz="1200" dirty="0"/>
+                    </a:p>
+                  </a:txBody>
+                  <a:tcPr anchor="ctr">
+                    <a:solidFill>
+                      <a:srgbClr val="92D050"/>
+                    </a:solidFill>
+                  </a:tcPr>
+                </a:tc>
+              </a:tr>
+              <a:tr h="0">
+                <a:tc>
+                  <a:txBody>
+                    <a:bodyPr/>
+                    <a:lstStyle/>
+                    <a:p>
+                      <a:r>
+                        <a:rPr lang="en-US" altLang="zh-CN" sz="1200" dirty="0" err="1" smtClean="0"/>
+                        <a:t>mNum</a:t>
+                      </a:r>
+                      <a:endParaRPr lang="zh-CN" altLang="en-US" sz="1200" dirty="0"/>
+                    </a:p>
+                  </a:txBody>
+                  <a:tcPr anchor="ctr"/>
+                </a:tc>
+                <a:tc>
+                  <a:txBody>
+                    <a:bodyPr/>
+                    <a:lstStyle/>
+                    <a:p>
+                      <a:r>
+                        <a:rPr lang="en-US" altLang="zh-CN" sz="1200" dirty="0" err="1" smtClean="0"/>
+                        <a:t>Int</a:t>
+                      </a:r>
+                      <a:endParaRPr lang="zh-CN" altLang="en-US" sz="1200" dirty="0"/>
+                    </a:p>
+                  </a:txBody>
+                  <a:tcPr anchor="ctr"/>
+                </a:tc>
+                <a:tc>
+                  <a:txBody>
+                    <a:bodyPr/>
+                    <a:lstStyle/>
+                    <a:p>
+                      <a:r>
+                        <a:rPr lang="en-US" altLang="zh-CN" sz="1200" dirty="0" smtClean="0"/>
+                        <a:t>List</a:t>
+                      </a:r>
+                      <a:r>
+                        <a:rPr lang="zh-CN" altLang="en-US" sz="1200" dirty="0" smtClean="0"/>
+                        <a:t>中</a:t>
+                      </a:r>
+                      <a:r>
+                        <a:rPr lang="en-US" altLang="zh-CN" sz="1200" dirty="0" smtClean="0"/>
+                        <a:t>id</a:t>
+                      </a:r>
+                      <a:r>
+                        <a:rPr lang="zh-CN" altLang="en-US" sz="1200" dirty="0" smtClean="0"/>
+                        <a:t>个数</a:t>
+                      </a:r>
+                      <a:endParaRPr lang="zh-CN" altLang="en-US" sz="1200" dirty="0"/>
+                    </a:p>
+                  </a:txBody>
+                  <a:tcPr anchor="ctr"/>
+                </a:tc>
+              </a:tr>
+              <a:tr h="0">
+                <a:tc>
+                  <a:txBody>
+                    <a:bodyPr/>
+                    <a:lstStyle/>
+                    <a:p>
+                      <a:r>
+                        <a:rPr lang="en-US" altLang="zh-CN" sz="1200" dirty="0" err="1" smtClean="0"/>
+                        <a:t>midGrp</a:t>
+                      </a:r>
+                      <a:endParaRPr lang="zh-CN" altLang="en-US" sz="1200" dirty="0"/>
+                    </a:p>
+                  </a:txBody>
+                  <a:tcPr anchor="ctr"/>
+                </a:tc>
+                <a:tc>
+                  <a:txBody>
+                    <a:bodyPr/>
+                    <a:lstStyle/>
+                    <a:p>
+                      <a:r>
+                        <a:rPr lang="en-US" altLang="zh-CN" sz="1200" dirty="0" err="1" smtClean="0"/>
+                        <a:t>Int</a:t>
+                      </a:r>
+                      <a:r>
+                        <a:rPr lang="en-US" altLang="zh-CN" sz="1200" dirty="0" smtClean="0"/>
+                        <a:t>[]</a:t>
+                      </a:r>
+                      <a:endParaRPr lang="zh-CN" altLang="en-US" sz="1200" dirty="0"/>
+                    </a:p>
+                  </a:txBody>
+                  <a:tcPr anchor="ctr"/>
+                </a:tc>
+                <a:tc>
+                  <a:txBody>
+                    <a:bodyPr/>
+                    <a:lstStyle/>
+                    <a:p>
+                      <a:r>
+                        <a:rPr lang="en-US" altLang="zh-CN" sz="1200" dirty="0" smtClean="0"/>
+                        <a:t>Id</a:t>
+                      </a:r>
+                      <a:r>
+                        <a:rPr lang="zh-CN" altLang="en-US" sz="1200" dirty="0" smtClean="0"/>
+                        <a:t>数组</a:t>
+                      </a:r>
+                      <a:endParaRPr lang="zh-CN" altLang="en-US" sz="1200" dirty="0"/>
+                    </a:p>
+                  </a:txBody>
+                  <a:tcPr anchor="ctr"/>
+                </a:tc>
+              </a:tr>
+            </a:tbl>
+          </a:graphicData>
+        </a:graphic>
+      </p:graphicFrame>
+      <p:sp>
+        <p:nvSpPr>
+          <p:cNvPr id="5" name="TextBox 4"/>
+          <p:cNvSpPr txBox="1"/>
+          <p:nvPr/>
+        </p:nvSpPr>
+        <p:spPr>
+          <a:xfrm>
+            <a:off x="312058" y="1603827"/>
+            <a:ext cx="732893" cy="307777"/>
+          </a:xfrm>
+          <a:prstGeom prst="rect">
+            <a:avLst/>
+          </a:prstGeom>
+          <a:noFill/>
+        </p:spPr>
+        <p:txBody>
+          <a:bodyPr wrap="none" rtlCol="0">
+            <a:spAutoFit/>
+          </a:bodyPr>
+          <a:lstStyle/>
+          <a:p>
+            <a:r>
+              <a:rPr lang="en-US" altLang="zh-CN" sz="1400" dirty="0" smtClean="0">
+                <a:solidFill>
+                  <a:prstClr val="black"/>
+                </a:solidFill>
+                <a:ea typeface="等线" panose="02010600030101010101" pitchFamily="2" charset="-122"/>
+              </a:rPr>
+              <a:t>Book</a:t>
+            </a:r>
+            <a:r>
+              <a:rPr lang="zh-CN" altLang="en-US" sz="1400" dirty="0" smtClean="0">
+                <a:solidFill>
+                  <a:prstClr val="black"/>
+                </a:solidFill>
+                <a:ea typeface="等线" panose="02010600030101010101" pitchFamily="2" charset="-122"/>
+              </a:rPr>
+              <a:t>类</a:t>
+            </a:r>
+            <a:endParaRPr lang="zh-CN" altLang="en-US" sz="1400" dirty="0"/>
+          </a:p>
+        </p:txBody>
+      </p:sp>
+      <p:graphicFrame>
+        <p:nvGraphicFramePr>
+          <p:cNvPr id="6" name="表格 5"/>
+          <p:cNvGraphicFramePr>
+            <a:graphicFrameLocks noGrp="1"/>
+          </p:cNvGraphicFramePr>
+          <p:nvPr>
+            <p:extLst>
+              <p:ext uri="{D42A27DB-BD31-4B8C-83A1-F6EECF244321}">
+                <p14:modId xmlns:p14="http://schemas.microsoft.com/office/powerpoint/2010/main" val="2985784008"/>
+              </p:ext>
+            </p:extLst>
+          </p:nvPr>
+        </p:nvGraphicFramePr>
+        <p:xfrm>
+          <a:off x="471715" y="1970312"/>
+          <a:ext cx="7489372" cy="1920240"/>
+        </p:xfrm>
+        <a:graphic>
+          <a:graphicData uri="http://schemas.openxmlformats.org/drawingml/2006/table">
+            <a:tbl>
+              <a:tblPr>
+                <a:tableStyleId>{5940675A-B579-460E-94D1-54222C63F5DA}</a:tableStyleId>
+              </a:tblPr>
+              <a:tblGrid>
+                <a:gridCol w="1515706"/>
+                <a:gridCol w="980751"/>
+                <a:gridCol w="4992915"/>
+              </a:tblGrid>
+              <a:tr h="0">
+                <a:tc>
+                  <a:txBody>
+                    <a:bodyPr/>
+                    <a:lstStyle/>
+                    <a:p>
+                      <a:r>
+                        <a:rPr lang="zh-CN" altLang="en-US" sz="1200" dirty="0" smtClean="0"/>
+                        <a:t>成员名称</a:t>
+                      </a:r>
+                      <a:endParaRPr lang="zh-CN" altLang="en-US" sz="1200" dirty="0"/>
+                    </a:p>
+                  </a:txBody>
+                  <a:tcPr anchor="ctr">
+                    <a:solidFill>
+                      <a:srgbClr val="92D050"/>
+                    </a:solidFill>
+                  </a:tcPr>
+                </a:tc>
+                <a:tc>
+                  <a:txBody>
+                    <a:bodyPr/>
+                    <a:lstStyle/>
+                    <a:p>
+                      <a:r>
+                        <a:rPr lang="zh-CN" altLang="en-US" sz="1200" dirty="0" smtClean="0"/>
+                        <a:t>类型</a:t>
+                      </a:r>
+                      <a:endParaRPr lang="zh-CN" altLang="en-US" sz="1200" dirty="0"/>
+                    </a:p>
+                  </a:txBody>
+                  <a:tcPr anchor="ctr">
+                    <a:solidFill>
+                      <a:srgbClr val="92D050"/>
+                    </a:solidFill>
+                  </a:tcPr>
+                </a:tc>
+                <a:tc>
+                  <a:txBody>
+                    <a:bodyPr/>
+                    <a:lstStyle/>
+                    <a:p>
+                      <a:r>
+                        <a:rPr lang="zh-CN" altLang="en-US" sz="1200" dirty="0" smtClean="0"/>
+                        <a:t>说明</a:t>
+                      </a:r>
+                      <a:endParaRPr lang="zh-CN" altLang="en-US" sz="1200" dirty="0"/>
+                    </a:p>
+                  </a:txBody>
+                  <a:tcPr anchor="ctr">
+                    <a:solidFill>
+                      <a:srgbClr val="92D050"/>
+                    </a:solidFill>
+                  </a:tcPr>
+                </a:tc>
+              </a:tr>
+              <a:tr h="0">
+                <a:tc>
+                  <a:txBody>
+                    <a:bodyPr/>
+                    <a:lstStyle/>
+                    <a:p>
+                      <a:r>
+                        <a:rPr lang="en-US" altLang="zh-CN" sz="1200" dirty="0" err="1" smtClean="0"/>
+                        <a:t>mId</a:t>
+                      </a:r>
+                      <a:endParaRPr lang="zh-CN" altLang="en-US" sz="1200" dirty="0"/>
+                    </a:p>
+                  </a:txBody>
+                  <a:tcPr anchor="ctr"/>
+                </a:tc>
+                <a:tc>
+                  <a:txBody>
+                    <a:bodyPr/>
+                    <a:lstStyle/>
+                    <a:p>
+                      <a:r>
+                        <a:rPr lang="en-US" altLang="zh-CN" sz="1200" dirty="0" err="1" smtClean="0"/>
+                        <a:t>Int</a:t>
+                      </a:r>
+                      <a:endParaRPr lang="zh-CN" altLang="en-US" sz="1200" dirty="0"/>
+                    </a:p>
+                  </a:txBody>
+                  <a:tcPr anchor="ctr"/>
+                </a:tc>
+                <a:tc>
+                  <a:txBody>
+                    <a:bodyPr/>
+                    <a:lstStyle/>
+                    <a:p>
+                      <a:r>
+                        <a:rPr lang="en-US" altLang="zh-CN" sz="1200" dirty="0" smtClean="0"/>
+                        <a:t>Id</a:t>
+                      </a:r>
+                      <a:endParaRPr lang="zh-CN" altLang="en-US" sz="1200" dirty="0"/>
+                    </a:p>
+                  </a:txBody>
+                  <a:tcPr anchor="ctr"/>
+                </a:tc>
+              </a:tr>
+              <a:tr h="0">
+                <a:tc>
+                  <a:txBody>
+                    <a:bodyPr/>
+                    <a:lstStyle/>
+                    <a:p>
+                      <a:r>
+                        <a:rPr lang="en-US" altLang="zh-CN" sz="1200" dirty="0" err="1" smtClean="0"/>
+                        <a:t>mName</a:t>
+                      </a:r>
+                      <a:endParaRPr lang="zh-CN" altLang="en-US" sz="1200" dirty="0"/>
+                    </a:p>
+                  </a:txBody>
+                  <a:tcPr anchor="ctr"/>
+                </a:tc>
+                <a:tc>
+                  <a:txBody>
+                    <a:bodyPr/>
+                    <a:lstStyle/>
+                    <a:p>
+                      <a:r>
+                        <a:rPr lang="en-US" altLang="zh-CN" sz="1200" dirty="0" smtClean="0"/>
+                        <a:t>String</a:t>
+                      </a:r>
+                      <a:endParaRPr lang="zh-CN" altLang="en-US" sz="1200" dirty="0"/>
+                    </a:p>
+                  </a:txBody>
+                  <a:tcPr anchor="ctr"/>
+                </a:tc>
+                <a:tc>
+                  <a:txBody>
+                    <a:bodyPr/>
+                    <a:lstStyle/>
+                    <a:p>
+                      <a:r>
+                        <a:rPr lang="zh-CN" altLang="en-US" sz="1200" dirty="0" smtClean="0"/>
+                        <a:t>名称</a:t>
+                      </a:r>
+                      <a:endParaRPr lang="zh-CN" altLang="en-US" sz="1200" dirty="0"/>
+                    </a:p>
+                  </a:txBody>
+                  <a:tcPr anchor="ctr"/>
+                </a:tc>
+              </a:tr>
+              <a:tr h="0">
+                <a:tc>
+                  <a:txBody>
+                    <a:bodyPr/>
+                    <a:lstStyle/>
+                    <a:p>
+                      <a:r>
+                        <a:rPr lang="en-US" altLang="zh-CN" sz="1200" dirty="0" err="1" smtClean="0"/>
+                        <a:t>mDate</a:t>
+                      </a:r>
+                      <a:endParaRPr lang="zh-CN" altLang="en-US" sz="1200" dirty="0"/>
+                    </a:p>
+                  </a:txBody>
+                  <a:tcPr anchor="ctr"/>
+                </a:tc>
+                <a:tc>
+                  <a:txBody>
+                    <a:bodyPr/>
+                    <a:lstStyle/>
+                    <a:p>
+                      <a:r>
+                        <a:rPr lang="en-US" altLang="zh-CN" sz="1200" dirty="0" smtClean="0"/>
+                        <a:t>String</a:t>
+                      </a:r>
+                      <a:endParaRPr lang="zh-CN" altLang="en-US" sz="1200" dirty="0"/>
+                    </a:p>
+                  </a:txBody>
+                  <a:tcPr anchor="ctr"/>
+                </a:tc>
+                <a:tc>
+                  <a:txBody>
+                    <a:bodyPr/>
+                    <a:lstStyle/>
+                    <a:p>
+                      <a:r>
+                        <a:rPr lang="zh-CN" altLang="en-US" sz="1200" dirty="0" smtClean="0"/>
+                        <a:t>日期</a:t>
+                      </a:r>
+                      <a:endParaRPr lang="en-US" altLang="zh-CN" sz="1200" dirty="0" smtClean="0"/>
+                    </a:p>
+                  </a:txBody>
+                  <a:tcPr anchor="ctr"/>
+                </a:tc>
+              </a:tr>
+              <a:tr h="0">
+                <a:tc>
+                  <a:txBody>
+                    <a:bodyPr/>
+                    <a:lstStyle/>
+                    <a:p>
+                      <a:r>
+                        <a:rPr lang="en-US" altLang="zh-CN" sz="1200" dirty="0" err="1" smtClean="0"/>
+                        <a:t>mDateFormat</a:t>
+                      </a:r>
+                      <a:endParaRPr lang="zh-CN" altLang="en-US" sz="1200" dirty="0"/>
+                    </a:p>
+                  </a:txBody>
+                  <a:tcPr anchor="ctr"/>
+                </a:tc>
+                <a:tc>
+                  <a:txBody>
+                    <a:bodyPr/>
+                    <a:lstStyle/>
+                    <a:p>
+                      <a:r>
+                        <a:rPr lang="en-US" altLang="zh-CN" sz="1200" dirty="0" smtClean="0"/>
+                        <a:t>String</a:t>
+                      </a:r>
+                      <a:endParaRPr lang="zh-CN" altLang="en-US" sz="1200" dirty="0"/>
+                    </a:p>
+                  </a:txBody>
+                  <a:tcPr anchor="ctr"/>
+                </a:tc>
+                <a:tc>
+                  <a:txBody>
+                    <a:bodyPr/>
+                    <a:lstStyle/>
+                    <a:p>
+                      <a:r>
+                        <a:rPr lang="zh-CN" altLang="en-US" sz="1200" dirty="0" smtClean="0"/>
+                        <a:t>日期格式</a:t>
+                      </a:r>
+                      <a:endParaRPr lang="en-US" altLang="zh-CN" sz="1200" dirty="0" smtClean="0"/>
+                    </a:p>
+                  </a:txBody>
+                  <a:tcPr anchor="ctr"/>
+                </a:tc>
+              </a:tr>
+              <a:tr h="0">
+                <a:tc>
+                  <a:txBody>
+                    <a:bodyPr/>
+                    <a:lstStyle/>
+                    <a:p>
+                      <a:r>
+                        <a:rPr lang="en-US" altLang="zh-CN" sz="1200" dirty="0" err="1" smtClean="0"/>
+                        <a:t>mFileType</a:t>
+                      </a:r>
+                      <a:endParaRPr lang="zh-CN" altLang="en-US" sz="1200" dirty="0"/>
+                    </a:p>
+                  </a:txBody>
+                  <a:tcPr anchor="ctr"/>
+                </a:tc>
+                <a:tc>
+                  <a:txBody>
+                    <a:bodyPr/>
+                    <a:lstStyle/>
+                    <a:p>
+                      <a:r>
+                        <a:rPr lang="en-US" altLang="zh-CN" sz="1200" dirty="0" smtClean="0"/>
+                        <a:t>String[]</a:t>
+                      </a:r>
+                      <a:endParaRPr lang="zh-CN" altLang="en-US" sz="1200" dirty="0"/>
+                    </a:p>
+                  </a:txBody>
+                  <a:tcPr anchor="ctr"/>
+                </a:tc>
+                <a:tc>
+                  <a:txBody>
+                    <a:bodyPr/>
+                    <a:lstStyle/>
+                    <a:p>
+                      <a:r>
+                        <a:rPr lang="zh-CN" altLang="en-US" sz="1200" dirty="0" smtClean="0"/>
+                        <a:t>文件格式</a:t>
+                      </a:r>
+                      <a:endParaRPr lang="en-US" altLang="zh-CN" sz="1200" dirty="0" smtClean="0"/>
+                    </a:p>
+                  </a:txBody>
+                  <a:tcPr anchor="ctr"/>
+                </a:tc>
+              </a:tr>
+              <a:tr h="0">
+                <a:tc>
+                  <a:txBody>
+                    <a:bodyPr/>
+                    <a:lstStyle/>
+                    <a:p>
+                      <a:r>
+                        <a:rPr lang="en-US" altLang="zh-CN" sz="1200" dirty="0" err="1" smtClean="0"/>
+                        <a:t>mFileSource</a:t>
+                      </a:r>
+                      <a:endParaRPr lang="zh-CN" altLang="en-US" sz="1200" dirty="0"/>
+                    </a:p>
+                  </a:txBody>
+                  <a:tcPr anchor="ctr"/>
+                </a:tc>
+                <a:tc>
+                  <a:txBody>
+                    <a:bodyPr/>
+                    <a:lstStyle/>
+                    <a:p>
+                      <a:r>
+                        <a:rPr lang="en-US" altLang="zh-CN" sz="1200" dirty="0" smtClean="0"/>
+                        <a:t>Uri[]</a:t>
+                      </a:r>
+                    </a:p>
+                  </a:txBody>
+                  <a:tcPr anchor="ctr"/>
+                </a:tc>
+                <a:tc>
+                  <a:txBody>
+                    <a:bodyPr/>
+                    <a:lstStyle/>
+                    <a:p>
+                      <a:r>
+                        <a:rPr lang="zh-CN" altLang="en-US" sz="1200" dirty="0" smtClean="0"/>
+                        <a:t>文件数据位置，与上边类型一一对应</a:t>
+                      </a:r>
+                      <a:endParaRPr lang="en-US" altLang="zh-CN" sz="1200" dirty="0" smtClean="0"/>
+                    </a:p>
+                  </a:txBody>
+                  <a:tcPr anchor="ctr"/>
+                </a:tc>
+              </a:tr>
+            </a:tbl>
+          </a:graphicData>
+        </a:graphic>
+      </p:graphicFrame>
+      <p:sp>
+        <p:nvSpPr>
+          <p:cNvPr id="7" name="TextBox 6"/>
+          <p:cNvSpPr txBox="1"/>
+          <p:nvPr/>
+        </p:nvSpPr>
+        <p:spPr>
+          <a:xfrm>
+            <a:off x="333829" y="3933370"/>
+            <a:ext cx="655949" cy="307777"/>
+          </a:xfrm>
+          <a:prstGeom prst="rect">
+            <a:avLst/>
+          </a:prstGeom>
+          <a:noFill/>
+        </p:spPr>
+        <p:txBody>
+          <a:bodyPr wrap="none" rtlCol="0">
+            <a:spAutoFit/>
+          </a:bodyPr>
+          <a:lstStyle/>
+          <a:p>
+            <a:r>
+              <a:rPr lang="en-US" altLang="zh-CN" sz="1400" dirty="0">
+                <a:solidFill>
+                  <a:prstClr val="black"/>
+                </a:solidFill>
+                <a:ea typeface="等线" panose="02010600030101010101" pitchFamily="2" charset="-122"/>
+              </a:rPr>
+              <a:t>Soft</a:t>
+            </a:r>
+            <a:r>
+              <a:rPr lang="zh-CN" altLang="en-US" sz="1400" dirty="0" smtClean="0">
+                <a:solidFill>
+                  <a:prstClr val="black"/>
+                </a:solidFill>
+                <a:ea typeface="等线" panose="02010600030101010101" pitchFamily="2" charset="-122"/>
+              </a:rPr>
+              <a:t>类</a:t>
+            </a:r>
+            <a:endParaRPr lang="zh-CN" altLang="en-US" sz="1400" dirty="0"/>
+          </a:p>
+        </p:txBody>
+      </p:sp>
+      <p:graphicFrame>
+        <p:nvGraphicFramePr>
+          <p:cNvPr id="8" name="表格 7"/>
+          <p:cNvGraphicFramePr>
+            <a:graphicFrameLocks noGrp="1"/>
+          </p:cNvGraphicFramePr>
+          <p:nvPr>
+            <p:extLst>
+              <p:ext uri="{D42A27DB-BD31-4B8C-83A1-F6EECF244321}">
+                <p14:modId xmlns:p14="http://schemas.microsoft.com/office/powerpoint/2010/main" val="3591634108"/>
+              </p:ext>
+            </p:extLst>
+          </p:nvPr>
+        </p:nvGraphicFramePr>
+        <p:xfrm>
+          <a:off x="493486" y="4299855"/>
+          <a:ext cx="7489372" cy="2194560"/>
+        </p:xfrm>
+        <a:graphic>
+          <a:graphicData uri="http://schemas.openxmlformats.org/drawingml/2006/table">
+            <a:tbl>
+              <a:tblPr>
+                <a:tableStyleId>{5940675A-B579-460E-94D1-54222C63F5DA}</a:tableStyleId>
+              </a:tblPr>
+              <a:tblGrid>
+                <a:gridCol w="1515706"/>
+                <a:gridCol w="980751"/>
+                <a:gridCol w="4992915"/>
+              </a:tblGrid>
+              <a:tr h="0">
+                <a:tc>
+                  <a:txBody>
+                    <a:bodyPr/>
+                    <a:lstStyle/>
+                    <a:p>
+                      <a:pPr algn="l"/>
+                      <a:r>
+                        <a:rPr lang="zh-CN" altLang="en-US" sz="1200" dirty="0" smtClean="0"/>
+                        <a:t>成员名称</a:t>
+                      </a:r>
+                      <a:endParaRPr lang="zh-CN" altLang="en-US" sz="1200" dirty="0"/>
+                    </a:p>
+                  </a:txBody>
+                  <a:tcPr anchor="ctr">
+                    <a:solidFill>
+                      <a:srgbClr val="92D050"/>
+                    </a:solidFill>
+                  </a:tcPr>
+                </a:tc>
+                <a:tc>
+                  <a:txBody>
+                    <a:bodyPr/>
+                    <a:lstStyle/>
+                    <a:p>
+                      <a:pPr algn="l"/>
+                      <a:r>
+                        <a:rPr lang="zh-CN" altLang="en-US" sz="1200" dirty="0" smtClean="0"/>
+                        <a:t>类型</a:t>
+                      </a:r>
+                      <a:endParaRPr lang="zh-CN" altLang="en-US" sz="1200" dirty="0"/>
+                    </a:p>
+                  </a:txBody>
+                  <a:tcPr anchor="ctr">
+                    <a:solidFill>
+                      <a:srgbClr val="92D050"/>
+                    </a:solidFill>
+                  </a:tcPr>
+                </a:tc>
+                <a:tc>
+                  <a:txBody>
+                    <a:bodyPr/>
+                    <a:lstStyle/>
+                    <a:p>
+                      <a:pPr algn="l"/>
+                      <a:r>
+                        <a:rPr lang="zh-CN" altLang="en-US" sz="1200" dirty="0" smtClean="0"/>
+                        <a:t>说明</a:t>
+                      </a:r>
+                      <a:endParaRPr lang="zh-CN" altLang="en-US" sz="1200" dirty="0"/>
+                    </a:p>
+                  </a:txBody>
+                  <a:tcPr anchor="ctr">
+                    <a:solidFill>
+                      <a:srgbClr val="92D050"/>
+                    </a:solidFill>
+                  </a:tcPr>
+                </a:tc>
+              </a:tr>
+              <a:tr h="0">
+                <a:tc>
+                  <a:txBody>
+                    <a:bodyPr/>
+                    <a:lstStyle/>
+                    <a:p>
+                      <a:pPr algn="l"/>
+                      <a:r>
+                        <a:rPr lang="en-US" altLang="zh-CN" sz="1200" dirty="0" err="1" smtClean="0"/>
+                        <a:t>mId</a:t>
+                      </a:r>
+                      <a:endParaRPr lang="zh-CN" altLang="en-US" sz="1200" dirty="0"/>
+                    </a:p>
+                  </a:txBody>
+                  <a:tcPr anchor="ctr"/>
+                </a:tc>
+                <a:tc>
+                  <a:txBody>
+                    <a:bodyPr/>
+                    <a:lstStyle/>
+                    <a:p>
+                      <a:pPr algn="l"/>
+                      <a:r>
+                        <a:rPr lang="en-US" altLang="zh-CN" sz="1200" dirty="0" err="1" smtClean="0"/>
+                        <a:t>Int</a:t>
+                      </a:r>
+                      <a:endParaRPr lang="zh-CN" altLang="en-US" sz="1200" dirty="0"/>
+                    </a:p>
+                  </a:txBody>
+                  <a:tcPr anchor="ctr"/>
+                </a:tc>
+                <a:tc>
+                  <a:txBody>
+                    <a:bodyPr/>
+                    <a:lstStyle/>
+                    <a:p>
+                      <a:pPr algn="l"/>
+                      <a:r>
+                        <a:rPr lang="en-US" altLang="zh-CN" sz="1200" dirty="0" smtClean="0"/>
+                        <a:t>Id</a:t>
+                      </a:r>
+                      <a:endParaRPr lang="zh-CN" altLang="en-US" sz="1200" dirty="0"/>
+                    </a:p>
+                  </a:txBody>
+                  <a:tcPr anchor="ctr"/>
+                </a:tc>
+              </a:tr>
+              <a:tr h="0">
+                <a:tc>
+                  <a:txBody>
+                    <a:bodyPr/>
+                    <a:lstStyle/>
+                    <a:p>
+                      <a:pPr algn="l"/>
+                      <a:r>
+                        <a:rPr lang="en-US" altLang="zh-CN" sz="1200" dirty="0" err="1" smtClean="0"/>
+                        <a:t>mName</a:t>
+                      </a:r>
+                      <a:endParaRPr lang="zh-CN" altLang="en-US" sz="1200" dirty="0"/>
+                    </a:p>
+                  </a:txBody>
+                  <a:tcPr anchor="ctr"/>
+                </a:tc>
+                <a:tc>
+                  <a:txBody>
+                    <a:bodyPr/>
+                    <a:lstStyle/>
+                    <a:p>
+                      <a:pPr algn="l"/>
+                      <a:r>
+                        <a:rPr lang="en-US" altLang="zh-CN" sz="1200" dirty="0" smtClean="0"/>
+                        <a:t>String</a:t>
+                      </a:r>
+                      <a:endParaRPr lang="zh-CN" altLang="en-US" sz="1200" dirty="0"/>
+                    </a:p>
+                  </a:txBody>
+                  <a:tcPr anchor="ctr"/>
+                </a:tc>
+                <a:tc>
+                  <a:txBody>
+                    <a:bodyPr/>
+                    <a:lstStyle/>
+                    <a:p>
+                      <a:pPr algn="l"/>
+                      <a:r>
+                        <a:rPr lang="zh-CN" altLang="en-US" sz="1200" dirty="0" smtClean="0"/>
+                        <a:t>名称</a:t>
+                      </a:r>
+                      <a:endParaRPr lang="zh-CN" altLang="en-US" sz="1200" dirty="0"/>
+                    </a:p>
+                  </a:txBody>
+                  <a:tcPr anchor="ctr"/>
+                </a:tc>
+              </a:tr>
+              <a:tr h="0">
+                <a:tc>
+                  <a:txBody>
+                    <a:bodyPr/>
+                    <a:lstStyle/>
+                    <a:p>
+                      <a:pPr algn="l"/>
+                      <a:r>
+                        <a:rPr lang="en-US" altLang="zh-CN" sz="1200" dirty="0" err="1" smtClean="0"/>
+                        <a:t>mDate</a:t>
+                      </a:r>
+                      <a:endParaRPr lang="zh-CN" altLang="en-US" sz="1200" dirty="0"/>
+                    </a:p>
+                  </a:txBody>
+                  <a:tcPr anchor="ctr"/>
+                </a:tc>
+                <a:tc>
+                  <a:txBody>
+                    <a:bodyPr/>
+                    <a:lstStyle/>
+                    <a:p>
+                      <a:pPr algn="l"/>
+                      <a:r>
+                        <a:rPr lang="en-US" altLang="zh-CN" sz="1200" dirty="0" smtClean="0"/>
+                        <a:t>String</a:t>
+                      </a:r>
+                      <a:endParaRPr lang="zh-CN" altLang="en-US" sz="1200" dirty="0"/>
+                    </a:p>
+                  </a:txBody>
+                  <a:tcPr anchor="ctr"/>
+                </a:tc>
+                <a:tc>
+                  <a:txBody>
+                    <a:bodyPr/>
+                    <a:lstStyle/>
+                    <a:p>
+                      <a:pPr algn="l"/>
+                      <a:r>
+                        <a:rPr lang="zh-CN" altLang="en-US" sz="1200" dirty="0" smtClean="0"/>
+                        <a:t>日期</a:t>
+                      </a:r>
+                      <a:endParaRPr lang="en-US" altLang="zh-CN" sz="1200" dirty="0" smtClean="0"/>
+                    </a:p>
+                  </a:txBody>
+                  <a:tcPr anchor="ctr"/>
+                </a:tc>
+              </a:tr>
+              <a:tr h="0">
+                <a:tc>
+                  <a:txBody>
+                    <a:bodyPr/>
+                    <a:lstStyle/>
+                    <a:p>
+                      <a:pPr algn="l"/>
+                      <a:r>
+                        <a:rPr lang="en-US" altLang="zh-CN" sz="1200" dirty="0" err="1" smtClean="0"/>
+                        <a:t>mDateFormat</a:t>
+                      </a:r>
+                      <a:endParaRPr lang="zh-CN" altLang="en-US" sz="1200" dirty="0"/>
+                    </a:p>
+                  </a:txBody>
+                  <a:tcPr anchor="ctr"/>
+                </a:tc>
+                <a:tc>
+                  <a:txBody>
+                    <a:bodyPr/>
+                    <a:lstStyle/>
+                    <a:p>
+                      <a:pPr algn="l"/>
+                      <a:r>
+                        <a:rPr lang="en-US" altLang="zh-CN" sz="1200" dirty="0" smtClean="0"/>
+                        <a:t>String</a:t>
+                      </a:r>
+                      <a:endParaRPr lang="zh-CN" altLang="en-US" sz="1200" dirty="0"/>
+                    </a:p>
+                  </a:txBody>
+                  <a:tcPr anchor="ctr"/>
+                </a:tc>
+                <a:tc>
+                  <a:txBody>
+                    <a:bodyPr/>
+                    <a:lstStyle/>
+                    <a:p>
+                      <a:pPr algn="l"/>
+                      <a:r>
+                        <a:rPr lang="zh-CN" altLang="en-US" sz="1200" dirty="0" smtClean="0"/>
+                        <a:t>日期格式</a:t>
+                      </a:r>
+                      <a:endParaRPr lang="en-US" altLang="zh-CN" sz="1200" dirty="0" smtClean="0"/>
+                    </a:p>
+                  </a:txBody>
+                  <a:tcPr anchor="ctr"/>
+                </a:tc>
+              </a:tr>
+              <a:tr h="0">
+                <a:tc>
+                  <a:txBody>
+                    <a:bodyPr/>
+                    <a:lstStyle/>
+                    <a:p>
+                      <a:pPr algn="l"/>
+                      <a:r>
+                        <a:rPr lang="en-US" altLang="zh-CN" sz="1200" dirty="0" err="1" smtClean="0"/>
+                        <a:t>mFileSource</a:t>
+                      </a:r>
+                      <a:endParaRPr lang="zh-CN" altLang="en-US" sz="1200" dirty="0"/>
+                    </a:p>
+                  </a:txBody>
+                  <a:tcPr anchor="ctr"/>
+                </a:tc>
+                <a:tc>
+                  <a:txBody>
+                    <a:bodyPr/>
+                    <a:lstStyle/>
+                    <a:p>
+                      <a:pPr algn="l"/>
+                      <a:r>
+                        <a:rPr lang="en-US" altLang="zh-CN" sz="1200" dirty="0" smtClean="0"/>
+                        <a:t>Uri[]</a:t>
+                      </a:r>
+                    </a:p>
+                  </a:txBody>
+                  <a:tcPr anchor="ctr"/>
+                </a:tc>
+                <a:tc>
+                  <a:txBody>
+                    <a:bodyPr/>
+                    <a:lstStyle/>
+                    <a:p>
+                      <a:pPr algn="l"/>
+                      <a:r>
+                        <a:rPr lang="zh-CN" altLang="en-US" sz="1200" dirty="0" smtClean="0"/>
+                        <a:t>文件数据</a:t>
+                      </a:r>
+                      <a:r>
+                        <a:rPr lang="zh-CN" altLang="en-US" sz="1200" dirty="0" smtClean="0"/>
+                        <a:t>位置</a:t>
+                      </a:r>
+                      <a:endParaRPr lang="en-US" altLang="zh-CN" sz="1200" dirty="0" smtClean="0"/>
+                    </a:p>
+                  </a:txBody>
+                  <a:tcPr anchor="ctr"/>
+                </a:tc>
+              </a:tr>
+              <a:tr h="0">
+                <a:tc>
+                  <a:txBody>
+                    <a:bodyPr/>
+                    <a:lstStyle/>
+                    <a:p>
+                      <a:pPr algn="l"/>
+                      <a:r>
+                        <a:rPr lang="en-US" altLang="zh-CN" sz="1200" dirty="0" err="1" smtClean="0"/>
+                        <a:t>mFileType</a:t>
+                      </a:r>
+                      <a:endParaRPr lang="zh-CN" altLang="en-US" sz="1200" dirty="0"/>
+                    </a:p>
+                  </a:txBody>
+                  <a:tcPr anchor="ctr"/>
+                </a:tc>
+                <a:tc>
+                  <a:txBody>
+                    <a:bodyPr/>
+                    <a:lstStyle/>
+                    <a:p>
+                      <a:pPr algn="l"/>
+                      <a:r>
+                        <a:rPr lang="en-US" altLang="zh-CN" sz="1200" dirty="0" smtClean="0"/>
+                        <a:t>String[]</a:t>
+                      </a:r>
+                      <a:endParaRPr lang="zh-CN" altLang="en-US" sz="1200" dirty="0"/>
+                    </a:p>
+                  </a:txBody>
+                  <a:tcPr anchor="ctr"/>
+                </a:tc>
+                <a:tc>
+                  <a:txBody>
+                    <a:bodyPr/>
+                    <a:lstStyle/>
+                    <a:p>
+                      <a:pPr algn="l"/>
+                      <a:r>
+                        <a:rPr lang="zh-CN" altLang="en-US" sz="1200" dirty="0" smtClean="0"/>
+                        <a:t>文件格式，</a:t>
+                      </a:r>
+                      <a:r>
+                        <a:rPr lang="zh-CN" altLang="en-US" sz="1200" dirty="0" smtClean="0"/>
+                        <a:t>与上边</a:t>
+                      </a:r>
+                      <a:r>
+                        <a:rPr lang="en-US" altLang="zh-CN" sz="1200" dirty="0" err="1" smtClean="0"/>
+                        <a:t>uri</a:t>
+                      </a:r>
+                      <a:r>
+                        <a:rPr lang="zh-CN" altLang="en-US" sz="1200" dirty="0" smtClean="0"/>
+                        <a:t>一一对应</a:t>
+                      </a:r>
+                      <a:endParaRPr lang="en-US" altLang="zh-CN" sz="1200" dirty="0" smtClean="0"/>
+                    </a:p>
+                  </a:txBody>
+                  <a:tcPr anchor="ctr"/>
+                </a:tc>
+              </a:tr>
+              <a:tr h="0">
+                <a:tc>
+                  <a:txBody>
+                    <a:bodyPr/>
+                    <a:lstStyle/>
+                    <a:p>
+                      <a:pPr algn="l"/>
+                      <a:r>
+                        <a:rPr lang="en-US" altLang="zh-CN" sz="1200" dirty="0" err="1" smtClean="0"/>
+                        <a:t>mSupportOS</a:t>
+                      </a:r>
+                      <a:endParaRPr lang="zh-CN" altLang="en-US" sz="1200" dirty="0"/>
+                    </a:p>
+                  </a:txBody>
+                  <a:tcPr anchor="ctr"/>
+                </a:tc>
+                <a:tc>
+                  <a:txBody>
+                    <a:bodyPr/>
+                    <a:lstStyle/>
+                    <a:p>
+                      <a:pPr algn="l"/>
+                      <a:r>
+                        <a:rPr lang="en-US" altLang="zh-CN" sz="1200" dirty="0" smtClean="0"/>
+                        <a:t>String[]</a:t>
+                      </a:r>
+                    </a:p>
+                  </a:txBody>
+                  <a:tcPr anchor="ctr"/>
+                </a:tc>
+                <a:tc>
+                  <a:txBody>
+                    <a:bodyPr/>
+                    <a:lstStyle/>
+                    <a:p>
+                      <a:pPr algn="l"/>
+                      <a:r>
+                        <a:rPr lang="zh-CN" altLang="en-US" sz="1200" dirty="0" smtClean="0"/>
+                        <a:t>支持的</a:t>
+                      </a:r>
+                      <a:r>
+                        <a:rPr lang="en-US" altLang="zh-CN" sz="1200" dirty="0" smtClean="0"/>
+                        <a:t>OS</a:t>
+                      </a:r>
+                      <a:r>
+                        <a:rPr lang="zh-CN" altLang="en-US" sz="1200" dirty="0" smtClean="0"/>
+                        <a:t>版本</a:t>
+                      </a:r>
+                      <a:endParaRPr lang="en-US" altLang="zh-CN" sz="1200" dirty="0" smtClean="0"/>
+                    </a:p>
+                  </a:txBody>
+                  <a:tcPr anchor="ctr"/>
+                </a:tc>
+              </a:tr>
+            </a:tbl>
+          </a:graphicData>
+        </a:graphic>
+      </p:graphicFrame>
+    </p:spTree>
+    <p:extLst>
+      <p:ext uri="{BB962C8B-B14F-4D97-AF65-F5344CB8AC3E}">
+        <p14:creationId xmlns:p14="http://schemas.microsoft.com/office/powerpoint/2010/main" val="130266494"/>
+      </p:ext>
+    </p:extLst>
+  </p:cSld>
+  <p:clrMapOvr>
+    <a:masterClrMapping/>
+  </p:clrMapOvr>
+</p:sld>
+</file>
+
+<file path=ppt/slides/slide12.xml><?xml version="1.0" encoding="utf-8"?>
+<p:sld xmlns:a="http://schemas.openxmlformats.org/drawingml/2006/main" xmlns:r="http://schemas.openxmlformats.org/officeDocument/2006/relationships" xmlns:p="http://schemas.openxmlformats.org/presentationml/2006/main">
+  <p:cSld>
+    <p:spTree>
+      <p:nvGrpSpPr>
+        <p:cNvPr id="1" name=""/>
+        <p:cNvGrpSpPr/>
+        <p:nvPr/>
+      </p:nvGrpSpPr>
+      <p:grpSpPr>
+        <a:xfrm>
+          <a:off x="0" y="0"/>
+          <a:ext cx="0" cy="0"/>
+          <a:chOff x="0" y="0"/>
+          <a:chExt cx="0" cy="0"/>
+        </a:xfrm>
+      </p:grpSpPr>
+      <p:sp>
+        <p:nvSpPr>
+          <p:cNvPr id="2" name="TextBox 1"/>
+          <p:cNvSpPr txBox="1"/>
+          <p:nvPr/>
+        </p:nvSpPr>
+        <p:spPr>
+          <a:xfrm>
+            <a:off x="152401" y="108856"/>
+            <a:ext cx="692818" cy="307777"/>
+          </a:xfrm>
+          <a:prstGeom prst="rect">
+            <a:avLst/>
+          </a:prstGeom>
+          <a:noFill/>
+        </p:spPr>
+        <p:txBody>
+          <a:bodyPr wrap="none" rtlCol="0">
+            <a:spAutoFit/>
+          </a:bodyPr>
+          <a:lstStyle/>
+          <a:p>
+            <a:r>
+              <a:rPr lang="en-US" altLang="zh-CN" sz="1400" dirty="0" smtClean="0">
+                <a:solidFill>
+                  <a:prstClr val="black"/>
+                </a:solidFill>
+                <a:ea typeface="等线" panose="02010600030101010101" pitchFamily="2" charset="-122"/>
+              </a:rPr>
+              <a:t>Firm</a:t>
+            </a:r>
+            <a:r>
+              <a:rPr lang="zh-CN" altLang="en-US" sz="1400" dirty="0" smtClean="0">
+                <a:solidFill>
+                  <a:prstClr val="black"/>
+                </a:solidFill>
+                <a:ea typeface="等线" panose="02010600030101010101" pitchFamily="2" charset="-122"/>
+              </a:rPr>
+              <a:t>类</a:t>
+            </a:r>
+            <a:endParaRPr lang="zh-CN" altLang="en-US" sz="1400" dirty="0"/>
+          </a:p>
+        </p:txBody>
+      </p:sp>
+      <p:graphicFrame>
+        <p:nvGraphicFramePr>
+          <p:cNvPr id="3" name="表格 2"/>
+          <p:cNvGraphicFramePr>
+            <a:graphicFrameLocks noGrp="1"/>
+          </p:cNvGraphicFramePr>
+          <p:nvPr>
+            <p:extLst>
+              <p:ext uri="{D42A27DB-BD31-4B8C-83A1-F6EECF244321}">
+                <p14:modId xmlns:p14="http://schemas.microsoft.com/office/powerpoint/2010/main" val="386015757"/>
+              </p:ext>
+            </p:extLst>
+          </p:nvPr>
+        </p:nvGraphicFramePr>
+        <p:xfrm>
+          <a:off x="312058" y="475341"/>
+          <a:ext cx="7489372" cy="1920240"/>
+        </p:xfrm>
+        <a:graphic>
+          <a:graphicData uri="http://schemas.openxmlformats.org/drawingml/2006/table">
+            <a:tbl>
+              <a:tblPr>
+                <a:tableStyleId>{5940675A-B579-460E-94D1-54222C63F5DA}</a:tableStyleId>
+              </a:tblPr>
+              <a:tblGrid>
+                <a:gridCol w="1515706"/>
+                <a:gridCol w="980751"/>
+                <a:gridCol w="4992915"/>
+              </a:tblGrid>
+              <a:tr h="0">
+                <a:tc>
+                  <a:txBody>
+                    <a:bodyPr/>
+                    <a:lstStyle/>
+                    <a:p>
+                      <a:r>
+                        <a:rPr lang="zh-CN" altLang="en-US" sz="1200" dirty="0" smtClean="0"/>
+                        <a:t>成员名称</a:t>
+                      </a:r>
+                      <a:endParaRPr lang="zh-CN" altLang="en-US" sz="1200" dirty="0"/>
+                    </a:p>
+                  </a:txBody>
+                  <a:tcPr anchor="ctr">
+                    <a:solidFill>
+                      <a:srgbClr val="92D050"/>
+                    </a:solidFill>
+                  </a:tcPr>
+                </a:tc>
+                <a:tc>
+                  <a:txBody>
+                    <a:bodyPr/>
+                    <a:lstStyle/>
+                    <a:p>
+                      <a:r>
+                        <a:rPr lang="zh-CN" altLang="en-US" sz="1200" dirty="0" smtClean="0"/>
+                        <a:t>类型</a:t>
+                      </a:r>
+                      <a:endParaRPr lang="zh-CN" altLang="en-US" sz="1200" dirty="0"/>
+                    </a:p>
+                  </a:txBody>
+                  <a:tcPr anchor="ctr">
+                    <a:solidFill>
+                      <a:srgbClr val="92D050"/>
+                    </a:solidFill>
+                  </a:tcPr>
+                </a:tc>
+                <a:tc>
+                  <a:txBody>
+                    <a:bodyPr/>
+                    <a:lstStyle/>
+                    <a:p>
+                      <a:r>
+                        <a:rPr lang="zh-CN" altLang="en-US" sz="1200" dirty="0" smtClean="0"/>
+                        <a:t>说明</a:t>
+                      </a:r>
+                      <a:endParaRPr lang="zh-CN" altLang="en-US" sz="1200" dirty="0"/>
+                    </a:p>
+                  </a:txBody>
+                  <a:tcPr anchor="ctr">
+                    <a:solidFill>
+                      <a:srgbClr val="92D050"/>
+                    </a:solidFill>
+                  </a:tcPr>
+                </a:tc>
+              </a:tr>
+              <a:tr h="0">
+                <a:tc>
+                  <a:txBody>
+                    <a:bodyPr/>
+                    <a:lstStyle/>
+                    <a:p>
+                      <a:r>
+                        <a:rPr lang="en-US" altLang="zh-CN" sz="1200" dirty="0" err="1" smtClean="0"/>
+                        <a:t>mId</a:t>
+                      </a:r>
+                      <a:endParaRPr lang="zh-CN" altLang="en-US" sz="1200" dirty="0"/>
+                    </a:p>
+                  </a:txBody>
+                  <a:tcPr anchor="ctr"/>
+                </a:tc>
+                <a:tc>
+                  <a:txBody>
+                    <a:bodyPr/>
+                    <a:lstStyle/>
+                    <a:p>
+                      <a:r>
+                        <a:rPr lang="en-US" altLang="zh-CN" sz="1200" dirty="0" err="1" smtClean="0"/>
+                        <a:t>Int</a:t>
+                      </a:r>
+                      <a:endParaRPr lang="zh-CN" altLang="en-US" sz="1200" dirty="0"/>
+                    </a:p>
+                  </a:txBody>
+                  <a:tcPr anchor="ctr"/>
+                </a:tc>
+                <a:tc>
+                  <a:txBody>
+                    <a:bodyPr/>
+                    <a:lstStyle/>
+                    <a:p>
+                      <a:r>
+                        <a:rPr lang="en-US" altLang="zh-CN" sz="1200" dirty="0" smtClean="0"/>
+                        <a:t>Id</a:t>
+                      </a:r>
+                      <a:endParaRPr lang="zh-CN" altLang="en-US" sz="1200" dirty="0"/>
+                    </a:p>
+                  </a:txBody>
+                  <a:tcPr anchor="ctr"/>
+                </a:tc>
+              </a:tr>
+              <a:tr h="0">
+                <a:tc>
+                  <a:txBody>
+                    <a:bodyPr/>
+                    <a:lstStyle/>
+                    <a:p>
+                      <a:r>
+                        <a:rPr lang="en-US" altLang="zh-CN" sz="1200" dirty="0" err="1" smtClean="0"/>
+                        <a:t>mName</a:t>
+                      </a:r>
+                      <a:endParaRPr lang="zh-CN" altLang="en-US" sz="1200" dirty="0"/>
+                    </a:p>
+                  </a:txBody>
+                  <a:tcPr anchor="ctr"/>
+                </a:tc>
+                <a:tc>
+                  <a:txBody>
+                    <a:bodyPr/>
+                    <a:lstStyle/>
+                    <a:p>
+                      <a:r>
+                        <a:rPr lang="en-US" altLang="zh-CN" sz="1200" dirty="0" smtClean="0"/>
+                        <a:t>String</a:t>
+                      </a:r>
+                      <a:endParaRPr lang="zh-CN" altLang="en-US" sz="1200" dirty="0"/>
+                    </a:p>
+                  </a:txBody>
+                  <a:tcPr anchor="ctr"/>
+                </a:tc>
+                <a:tc>
+                  <a:txBody>
+                    <a:bodyPr/>
+                    <a:lstStyle/>
+                    <a:p>
+                      <a:r>
+                        <a:rPr lang="zh-CN" altLang="en-US" sz="1200" dirty="0" smtClean="0"/>
+                        <a:t>名称</a:t>
+                      </a:r>
+                      <a:endParaRPr lang="zh-CN" altLang="en-US" sz="1200" dirty="0"/>
+                    </a:p>
+                  </a:txBody>
+                  <a:tcPr anchor="ctr"/>
+                </a:tc>
+              </a:tr>
+              <a:tr h="0">
+                <a:tc>
+                  <a:txBody>
+                    <a:bodyPr/>
+                    <a:lstStyle/>
+                    <a:p>
+                      <a:r>
+                        <a:rPr lang="en-US" altLang="zh-CN" sz="1200" dirty="0" err="1" smtClean="0"/>
+                        <a:t>mDate</a:t>
+                      </a:r>
+                      <a:endParaRPr lang="zh-CN" altLang="en-US" sz="1200" dirty="0"/>
+                    </a:p>
+                  </a:txBody>
+                  <a:tcPr anchor="ctr"/>
+                </a:tc>
+                <a:tc>
+                  <a:txBody>
+                    <a:bodyPr/>
+                    <a:lstStyle/>
+                    <a:p>
+                      <a:r>
+                        <a:rPr lang="en-US" altLang="zh-CN" sz="1200" dirty="0" smtClean="0"/>
+                        <a:t>String</a:t>
+                      </a:r>
+                      <a:endParaRPr lang="zh-CN" altLang="en-US" sz="1200" dirty="0"/>
+                    </a:p>
+                  </a:txBody>
+                  <a:tcPr anchor="ctr"/>
+                </a:tc>
+                <a:tc>
+                  <a:txBody>
+                    <a:bodyPr/>
+                    <a:lstStyle/>
+                    <a:p>
+                      <a:r>
+                        <a:rPr lang="zh-CN" altLang="en-US" sz="1200" dirty="0" smtClean="0"/>
+                        <a:t>日期</a:t>
+                      </a:r>
+                      <a:endParaRPr lang="en-US" altLang="zh-CN" sz="1200" dirty="0" smtClean="0"/>
+                    </a:p>
+                  </a:txBody>
+                  <a:tcPr anchor="ctr"/>
+                </a:tc>
+              </a:tr>
+              <a:tr h="0">
+                <a:tc>
+                  <a:txBody>
+                    <a:bodyPr/>
+                    <a:lstStyle/>
+                    <a:p>
+                      <a:r>
+                        <a:rPr lang="en-US" altLang="zh-CN" sz="1200" dirty="0" err="1" smtClean="0"/>
+                        <a:t>mDateFormat</a:t>
+                      </a:r>
+                      <a:endParaRPr lang="zh-CN" altLang="en-US" sz="1200" dirty="0"/>
+                    </a:p>
+                  </a:txBody>
+                  <a:tcPr anchor="ctr"/>
+                </a:tc>
+                <a:tc>
+                  <a:txBody>
+                    <a:bodyPr/>
+                    <a:lstStyle/>
+                    <a:p>
+                      <a:r>
+                        <a:rPr lang="en-US" altLang="zh-CN" sz="1200" dirty="0" smtClean="0"/>
+                        <a:t>String</a:t>
+                      </a:r>
+                      <a:endParaRPr lang="zh-CN" altLang="en-US" sz="1200" dirty="0"/>
+                    </a:p>
+                  </a:txBody>
+                  <a:tcPr anchor="ctr"/>
+                </a:tc>
+                <a:tc>
+                  <a:txBody>
+                    <a:bodyPr/>
+                    <a:lstStyle/>
+                    <a:p>
+                      <a:r>
+                        <a:rPr lang="zh-CN" altLang="en-US" sz="1200" dirty="0" smtClean="0"/>
+                        <a:t>日期格式</a:t>
+                      </a:r>
+                      <a:endParaRPr lang="en-US" altLang="zh-CN" sz="1200" dirty="0" smtClean="0"/>
+                    </a:p>
+                  </a:txBody>
+                  <a:tcPr anchor="ctr"/>
+                </a:tc>
+              </a:tr>
+              <a:tr h="0">
+                <a:tc>
+                  <a:txBody>
+                    <a:bodyPr/>
+                    <a:lstStyle/>
+                    <a:p>
+                      <a:r>
+                        <a:rPr lang="en-US" altLang="zh-CN" sz="1200" dirty="0" err="1" smtClean="0"/>
+                        <a:t>mFileType</a:t>
+                      </a:r>
+                      <a:endParaRPr lang="zh-CN" altLang="en-US" sz="1200" dirty="0"/>
+                    </a:p>
+                  </a:txBody>
+                  <a:tcPr anchor="ctr"/>
+                </a:tc>
+                <a:tc>
+                  <a:txBody>
+                    <a:bodyPr/>
+                    <a:lstStyle/>
+                    <a:p>
+                      <a:r>
+                        <a:rPr lang="en-US" altLang="zh-CN" sz="1200" dirty="0" smtClean="0"/>
+                        <a:t>String[]</a:t>
+                      </a:r>
+                      <a:endParaRPr lang="zh-CN" altLang="en-US" sz="1200" dirty="0"/>
+                    </a:p>
+                  </a:txBody>
+                  <a:tcPr anchor="ctr"/>
+                </a:tc>
+                <a:tc>
+                  <a:txBody>
+                    <a:bodyPr/>
+                    <a:lstStyle/>
+                    <a:p>
+                      <a:r>
+                        <a:rPr lang="zh-CN" altLang="en-US" sz="1200" dirty="0" smtClean="0"/>
+                        <a:t>文件格式</a:t>
+                      </a:r>
+                      <a:endParaRPr lang="en-US" altLang="zh-CN" sz="1200" dirty="0" smtClean="0"/>
+                    </a:p>
+                  </a:txBody>
+                  <a:tcPr anchor="ctr"/>
+                </a:tc>
+              </a:tr>
+              <a:tr h="0">
+                <a:tc>
+                  <a:txBody>
+                    <a:bodyPr/>
+                    <a:lstStyle/>
+                    <a:p>
+                      <a:r>
+                        <a:rPr lang="en-US" altLang="zh-CN" sz="1200" dirty="0" err="1" smtClean="0"/>
+                        <a:t>mFileSource</a:t>
+                      </a:r>
+                      <a:endParaRPr lang="zh-CN" altLang="en-US" sz="1200" dirty="0"/>
+                    </a:p>
+                  </a:txBody>
+                  <a:tcPr anchor="ctr"/>
+                </a:tc>
+                <a:tc>
+                  <a:txBody>
+                    <a:bodyPr/>
+                    <a:lstStyle/>
+                    <a:p>
+                      <a:r>
+                        <a:rPr lang="en-US" altLang="zh-CN" sz="1200" dirty="0" smtClean="0"/>
+                        <a:t>Uri[]</a:t>
+                      </a:r>
+                    </a:p>
+                  </a:txBody>
+                  <a:tcPr anchor="ctr"/>
+                </a:tc>
+                <a:tc>
+                  <a:txBody>
+                    <a:bodyPr/>
+                    <a:lstStyle/>
+                    <a:p>
+                      <a:r>
+                        <a:rPr lang="zh-CN" altLang="en-US" sz="1200" dirty="0" smtClean="0"/>
+                        <a:t>文件数据位置，与上边类型一一对应</a:t>
+                      </a:r>
+                      <a:endParaRPr lang="en-US" altLang="zh-CN" sz="1200" dirty="0" smtClean="0"/>
+                    </a:p>
+                  </a:txBody>
+                  <a:tcPr anchor="ctr"/>
+                </a:tc>
+              </a:tr>
+            </a:tbl>
+          </a:graphicData>
+        </a:graphic>
+      </p:graphicFrame>
+      <p:sp>
+        <p:nvSpPr>
+          <p:cNvPr id="5" name="TextBox 4"/>
+          <p:cNvSpPr txBox="1"/>
+          <p:nvPr/>
+        </p:nvSpPr>
+        <p:spPr>
+          <a:xfrm>
+            <a:off x="101601" y="2452913"/>
+            <a:ext cx="1253869" cy="523220"/>
+          </a:xfrm>
+          <a:prstGeom prst="rect">
+            <a:avLst/>
+          </a:prstGeom>
+          <a:noFill/>
+        </p:spPr>
+        <p:txBody>
+          <a:bodyPr wrap="none" rtlCol="0">
+            <a:spAutoFit/>
+          </a:bodyPr>
+          <a:lstStyle/>
+          <a:p>
+            <a:r>
+              <a:rPr lang="en-US" altLang="zh-CN" sz="1400" dirty="0" err="1">
+                <a:solidFill>
+                  <a:prstClr val="black"/>
+                </a:solidFill>
+                <a:ea typeface="等线" panose="02010600030101010101" pitchFamily="2" charset="-122"/>
+              </a:rPr>
+              <a:t>CommonQA</a:t>
+            </a:r>
+            <a:r>
+              <a:rPr lang="zh-CN" altLang="en-US" sz="1400" dirty="0">
+                <a:solidFill>
+                  <a:prstClr val="black"/>
+                </a:solidFill>
+                <a:ea typeface="等线" panose="02010600030101010101" pitchFamily="2" charset="-122"/>
+              </a:rPr>
+              <a:t>类</a:t>
+            </a:r>
+            <a:endParaRPr lang="zh-CN" altLang="en-US" sz="1400" dirty="0"/>
+          </a:p>
+          <a:p>
+            <a:endParaRPr lang="zh-CN" altLang="en-US" sz="1400" dirty="0"/>
+          </a:p>
+        </p:txBody>
+      </p:sp>
+      <p:graphicFrame>
+        <p:nvGraphicFramePr>
+          <p:cNvPr id="6" name="表格 5"/>
+          <p:cNvGraphicFramePr>
+            <a:graphicFrameLocks noGrp="1"/>
+          </p:cNvGraphicFramePr>
+          <p:nvPr>
+            <p:extLst>
+              <p:ext uri="{D42A27DB-BD31-4B8C-83A1-F6EECF244321}">
+                <p14:modId xmlns:p14="http://schemas.microsoft.com/office/powerpoint/2010/main" val="1991648040"/>
+              </p:ext>
+            </p:extLst>
+          </p:nvPr>
+        </p:nvGraphicFramePr>
+        <p:xfrm>
+          <a:off x="261258" y="2819398"/>
+          <a:ext cx="7489372" cy="1097280"/>
+        </p:xfrm>
+        <a:graphic>
+          <a:graphicData uri="http://schemas.openxmlformats.org/drawingml/2006/table">
+            <a:tbl>
+              <a:tblPr>
+                <a:tableStyleId>{5940675A-B579-460E-94D1-54222C63F5DA}</a:tableStyleId>
+              </a:tblPr>
+              <a:tblGrid>
+                <a:gridCol w="1515706"/>
+                <a:gridCol w="980751"/>
+                <a:gridCol w="4992915"/>
+              </a:tblGrid>
+              <a:tr h="0">
+                <a:tc>
+                  <a:txBody>
+                    <a:bodyPr/>
+                    <a:lstStyle/>
+                    <a:p>
+                      <a:r>
+                        <a:rPr lang="zh-CN" altLang="en-US" sz="1200" dirty="0" smtClean="0"/>
+                        <a:t>成员名称</a:t>
+                      </a:r>
+                      <a:endParaRPr lang="zh-CN" altLang="en-US" sz="1200" dirty="0"/>
+                    </a:p>
+                  </a:txBody>
+                  <a:tcPr anchor="ctr">
+                    <a:solidFill>
+                      <a:srgbClr val="92D050"/>
+                    </a:solidFill>
+                  </a:tcPr>
+                </a:tc>
+                <a:tc>
+                  <a:txBody>
+                    <a:bodyPr/>
+                    <a:lstStyle/>
+                    <a:p>
+                      <a:r>
+                        <a:rPr lang="zh-CN" altLang="en-US" sz="1200" dirty="0" smtClean="0"/>
+                        <a:t>类型</a:t>
+                      </a:r>
+                      <a:endParaRPr lang="zh-CN" altLang="en-US" sz="1200" dirty="0"/>
+                    </a:p>
+                  </a:txBody>
+                  <a:tcPr anchor="ctr">
+                    <a:solidFill>
+                      <a:srgbClr val="92D050"/>
+                    </a:solidFill>
+                  </a:tcPr>
+                </a:tc>
+                <a:tc>
+                  <a:txBody>
+                    <a:bodyPr/>
+                    <a:lstStyle/>
+                    <a:p>
+                      <a:r>
+                        <a:rPr lang="zh-CN" altLang="en-US" sz="1200" dirty="0" smtClean="0"/>
+                        <a:t>说明</a:t>
+                      </a:r>
+                      <a:endParaRPr lang="zh-CN" altLang="en-US" sz="1200" dirty="0"/>
+                    </a:p>
+                  </a:txBody>
+                  <a:tcPr anchor="ctr">
+                    <a:solidFill>
+                      <a:srgbClr val="92D050"/>
+                    </a:solidFill>
+                  </a:tcPr>
+                </a:tc>
+              </a:tr>
+              <a:tr h="0">
+                <a:tc>
+                  <a:txBody>
+                    <a:bodyPr/>
+                    <a:lstStyle/>
+                    <a:p>
+                      <a:r>
+                        <a:rPr lang="en-US" altLang="zh-CN" sz="1200" dirty="0" err="1" smtClean="0"/>
+                        <a:t>mId</a:t>
+                      </a:r>
+                      <a:endParaRPr lang="zh-CN" altLang="en-US" sz="1200" dirty="0"/>
+                    </a:p>
+                  </a:txBody>
+                  <a:tcPr anchor="ctr"/>
+                </a:tc>
+                <a:tc>
+                  <a:txBody>
+                    <a:bodyPr/>
+                    <a:lstStyle/>
+                    <a:p>
+                      <a:r>
+                        <a:rPr lang="en-US" altLang="zh-CN" sz="1200" dirty="0" err="1" smtClean="0"/>
+                        <a:t>Int</a:t>
+                      </a:r>
+                      <a:endParaRPr lang="zh-CN" altLang="en-US" sz="1200" dirty="0"/>
+                    </a:p>
+                  </a:txBody>
+                  <a:tcPr anchor="ctr"/>
+                </a:tc>
+                <a:tc>
+                  <a:txBody>
+                    <a:bodyPr/>
+                    <a:lstStyle/>
+                    <a:p>
+                      <a:r>
+                        <a:rPr lang="en-US" altLang="zh-CN" sz="1200" dirty="0" smtClean="0"/>
+                        <a:t>Id</a:t>
+                      </a:r>
+                      <a:endParaRPr lang="zh-CN" altLang="en-US" sz="1200" dirty="0"/>
+                    </a:p>
+                  </a:txBody>
+                  <a:tcPr anchor="ctr"/>
+                </a:tc>
+              </a:tr>
+              <a:tr h="0">
+                <a:tc>
+                  <a:txBody>
+                    <a:bodyPr/>
+                    <a:lstStyle/>
+                    <a:p>
+                      <a:r>
+                        <a:rPr lang="en-US" altLang="zh-CN" sz="1200" dirty="0" err="1" smtClean="0"/>
+                        <a:t>mQuestion</a:t>
+                      </a:r>
+                      <a:endParaRPr lang="zh-CN" altLang="en-US" sz="1200" dirty="0"/>
+                    </a:p>
+                  </a:txBody>
+                  <a:tcPr anchor="ctr"/>
+                </a:tc>
+                <a:tc>
+                  <a:txBody>
+                    <a:bodyPr/>
+                    <a:lstStyle/>
+                    <a:p>
+                      <a:r>
+                        <a:rPr lang="en-US" altLang="zh-CN" sz="1200" dirty="0" smtClean="0"/>
+                        <a:t>String</a:t>
+                      </a:r>
+                      <a:endParaRPr lang="zh-CN" altLang="en-US" sz="1200" dirty="0"/>
+                    </a:p>
+                  </a:txBody>
+                  <a:tcPr anchor="ctr"/>
+                </a:tc>
+                <a:tc>
+                  <a:txBody>
+                    <a:bodyPr/>
+                    <a:lstStyle/>
+                    <a:p>
+                      <a:r>
+                        <a:rPr lang="zh-CN" altLang="en-US" sz="1200" dirty="0" smtClean="0"/>
+                        <a:t>提问内容</a:t>
+                      </a:r>
+                      <a:endParaRPr lang="zh-CN" altLang="en-US" sz="1200" dirty="0"/>
+                    </a:p>
+                  </a:txBody>
+                  <a:tcPr anchor="ctr"/>
+                </a:tc>
+              </a:tr>
+              <a:tr h="0">
+                <a:tc>
+                  <a:txBody>
+                    <a:bodyPr/>
+                    <a:lstStyle/>
+                    <a:p>
+                      <a:r>
+                        <a:rPr lang="en-US" altLang="zh-CN" sz="1200" dirty="0" err="1" smtClean="0"/>
+                        <a:t>mAnswer</a:t>
+                      </a:r>
+                      <a:endParaRPr lang="zh-CN" altLang="en-US" sz="1200" dirty="0"/>
+                    </a:p>
+                  </a:txBody>
+                  <a:tcPr anchor="ctr"/>
+                </a:tc>
+                <a:tc>
+                  <a:txBody>
+                    <a:bodyPr/>
+                    <a:lstStyle/>
+                    <a:p>
+                      <a:r>
+                        <a:rPr lang="en-US" altLang="zh-CN" sz="1200" dirty="0" smtClean="0"/>
+                        <a:t>Html</a:t>
+                      </a:r>
+                      <a:r>
+                        <a:rPr lang="zh-CN" altLang="en-US" sz="1200" dirty="0" smtClean="0"/>
+                        <a:t>数据</a:t>
+                      </a:r>
+                      <a:endParaRPr lang="zh-CN" altLang="en-US" sz="1200" dirty="0"/>
+                    </a:p>
+                  </a:txBody>
+                  <a:tcPr anchor="ctr"/>
+                </a:tc>
+                <a:tc>
+                  <a:txBody>
+                    <a:bodyPr/>
+                    <a:lstStyle/>
+                    <a:p>
+                      <a:r>
+                        <a:rPr lang="zh-CN" altLang="en-US" sz="1200" dirty="0" smtClean="0"/>
+                        <a:t>回答</a:t>
+                      </a:r>
+                      <a:endParaRPr lang="en-US" altLang="zh-CN" sz="1200" dirty="0" smtClean="0"/>
+                    </a:p>
+                  </a:txBody>
+                  <a:tcPr anchor="ctr"/>
+                </a:tc>
+              </a:tr>
+            </a:tbl>
+          </a:graphicData>
+        </a:graphic>
+      </p:graphicFrame>
+    </p:spTree>
+    <p:extLst>
+      <p:ext uri="{BB962C8B-B14F-4D97-AF65-F5344CB8AC3E}">
+        <p14:creationId xmlns:p14="http://schemas.microsoft.com/office/powerpoint/2010/main" val="891417035"/>
       </p:ext>
     </p:extLst>
   </p:cSld>
@@ -3884,35 +6365,35 @@
                 <a:gridCol w="596936">
                   <a:extLst>
                     <a:ext uri="{9D8B030D-6E8A-4147-A177-3AD203B41FA5}">
-                      <a16:colId xmlns="" xmlns:a16="http://schemas.microsoft.com/office/drawing/2014/main" val="718228510"/>
+                      <a16:colId xmlns:a16="http://schemas.microsoft.com/office/drawing/2014/main" xmlns="" val="718228510"/>
                     </a:ext>
                   </a:extLst>
                 </a:gridCol>
                 <a:gridCol w="1205346">
                   <a:extLst>
                     <a:ext uri="{9D8B030D-6E8A-4147-A177-3AD203B41FA5}">
-                      <a16:colId xmlns="" xmlns:a16="http://schemas.microsoft.com/office/drawing/2014/main" val="597043040"/>
+                      <a16:colId xmlns:a16="http://schemas.microsoft.com/office/drawing/2014/main" xmlns="" val="597043040"/>
                     </a:ext>
                   </a:extLst>
                 </a:gridCol>
                 <a:gridCol w="1205346">
                   <a:extLst>
                     <a:ext uri="{9D8B030D-6E8A-4147-A177-3AD203B41FA5}">
-                      <a16:colId xmlns="" xmlns:a16="http://schemas.microsoft.com/office/drawing/2014/main" val="486324992"/>
+                      <a16:colId xmlns:a16="http://schemas.microsoft.com/office/drawing/2014/main" xmlns="" val="486324992"/>
                     </a:ext>
                   </a:extLst>
                 </a:gridCol>
                 <a:gridCol w="868219">
                   <a:extLst>
                     <a:ext uri="{9D8B030D-6E8A-4147-A177-3AD203B41FA5}">
-                      <a16:colId xmlns="" xmlns:a16="http://schemas.microsoft.com/office/drawing/2014/main" val="539558936"/>
+                      <a16:colId xmlns:a16="http://schemas.microsoft.com/office/drawing/2014/main" xmlns="" val="539558936"/>
                     </a:ext>
                   </a:extLst>
                 </a:gridCol>
                 <a:gridCol w="4147898">
                   <a:extLst>
                     <a:ext uri="{9D8B030D-6E8A-4147-A177-3AD203B41FA5}">
-                      <a16:colId xmlns="" xmlns:a16="http://schemas.microsoft.com/office/drawing/2014/main" val="2492762558"/>
+                      <a16:colId xmlns:a16="http://schemas.microsoft.com/office/drawing/2014/main" xmlns="" val="2492762558"/>
                     </a:ext>
                   </a:extLst>
                 </a:gridCol>
@@ -4019,7 +6500,7 @@
                 </a:tc>
                 <a:extLst>
                   <a:ext uri="{0D108BD9-81ED-4DB2-BD59-A6C34878D82A}">
-                    <a16:rowId xmlns="" xmlns:a16="http://schemas.microsoft.com/office/drawing/2014/main" val="1474649425"/>
+                    <a16:rowId xmlns:a16="http://schemas.microsoft.com/office/drawing/2014/main" xmlns="" val="1474649425"/>
                   </a:ext>
                 </a:extLst>
               </a:tr>
@@ -4185,7 +6666,7 @@
                 </a:tc>
                 <a:extLst>
                   <a:ext uri="{0D108BD9-81ED-4DB2-BD59-A6C34878D82A}">
-                    <a16:rowId xmlns="" xmlns:a16="http://schemas.microsoft.com/office/drawing/2014/main" val="2762545760"/>
+                    <a16:rowId xmlns:a16="http://schemas.microsoft.com/office/drawing/2014/main" xmlns="" val="2762545760"/>
                   </a:ext>
                 </a:extLst>
               </a:tr>
@@ -4419,7 +6900,7 @@
                 </a:tc>
                 <a:extLst>
                   <a:ext uri="{0D108BD9-81ED-4DB2-BD59-A6C34878D82A}">
-                    <a16:rowId xmlns="" xmlns:a16="http://schemas.microsoft.com/office/drawing/2014/main" val="1916467250"/>
+                    <a16:rowId xmlns:a16="http://schemas.microsoft.com/office/drawing/2014/main" xmlns="" val="1916467250"/>
                   </a:ext>
                 </a:extLst>
               </a:tr>
@@ -4696,7 +7177,7 @@
                 </a:tc>
                 <a:extLst>
                   <a:ext uri="{0D108BD9-81ED-4DB2-BD59-A6C34878D82A}">
-                    <a16:rowId xmlns="" xmlns:a16="http://schemas.microsoft.com/office/drawing/2014/main" val="4183089179"/>
+                    <a16:rowId xmlns:a16="http://schemas.microsoft.com/office/drawing/2014/main" xmlns="" val="4183089179"/>
                   </a:ext>
                 </a:extLst>
               </a:tr>
@@ -4959,7 +7440,7 @@
                 </a:tc>
                 <a:extLst>
                   <a:ext uri="{0D108BD9-81ED-4DB2-BD59-A6C34878D82A}">
-                    <a16:rowId xmlns="" xmlns:a16="http://schemas.microsoft.com/office/drawing/2014/main" val="841358501"/>
+                    <a16:rowId xmlns:a16="http://schemas.microsoft.com/office/drawing/2014/main" xmlns="" val="841358501"/>
                   </a:ext>
                 </a:extLst>
               </a:tr>
@@ -5213,35 +7694,35 @@
                 <a:gridCol w="596936">
                   <a:extLst>
                     <a:ext uri="{9D8B030D-6E8A-4147-A177-3AD203B41FA5}">
-                      <a16:colId xmlns="" xmlns:a16="http://schemas.microsoft.com/office/drawing/2014/main" val="718228510"/>
+                      <a16:colId xmlns:a16="http://schemas.microsoft.com/office/drawing/2014/main" xmlns="" val="718228510"/>
                     </a:ext>
                   </a:extLst>
                 </a:gridCol>
                 <a:gridCol w="1205346">
                   <a:extLst>
                     <a:ext uri="{9D8B030D-6E8A-4147-A177-3AD203B41FA5}">
-                      <a16:colId xmlns="" xmlns:a16="http://schemas.microsoft.com/office/drawing/2014/main" val="597043040"/>
+                      <a16:colId xmlns:a16="http://schemas.microsoft.com/office/drawing/2014/main" xmlns="" val="597043040"/>
                     </a:ext>
                   </a:extLst>
                 </a:gridCol>
                 <a:gridCol w="1205346">
                   <a:extLst>
                     <a:ext uri="{9D8B030D-6E8A-4147-A177-3AD203B41FA5}">
-                      <a16:colId xmlns="" xmlns:a16="http://schemas.microsoft.com/office/drawing/2014/main" val="486324992"/>
+                      <a16:colId xmlns:a16="http://schemas.microsoft.com/office/drawing/2014/main" xmlns="" val="486324992"/>
                     </a:ext>
                   </a:extLst>
                 </a:gridCol>
                 <a:gridCol w="868219">
                   <a:extLst>
                     <a:ext uri="{9D8B030D-6E8A-4147-A177-3AD203B41FA5}">
-                      <a16:colId xmlns="" xmlns:a16="http://schemas.microsoft.com/office/drawing/2014/main" val="539558936"/>
+                      <a16:colId xmlns:a16="http://schemas.microsoft.com/office/drawing/2014/main" xmlns="" val="539558936"/>
                     </a:ext>
                   </a:extLst>
                 </a:gridCol>
                 <a:gridCol w="4147898">
                   <a:extLst>
                     <a:ext uri="{9D8B030D-6E8A-4147-A177-3AD203B41FA5}">
-                      <a16:colId xmlns="" xmlns:a16="http://schemas.microsoft.com/office/drawing/2014/main" val="2492762558"/>
+                      <a16:colId xmlns:a16="http://schemas.microsoft.com/office/drawing/2014/main" xmlns="" val="2492762558"/>
                     </a:ext>
                   </a:extLst>
                 </a:gridCol>
@@ -5348,7 +7829,7 @@
                 </a:tc>
                 <a:extLst>
                   <a:ext uri="{0D108BD9-81ED-4DB2-BD59-A6C34878D82A}">
-                    <a16:rowId xmlns="" xmlns:a16="http://schemas.microsoft.com/office/drawing/2014/main" val="1474649425"/>
+                    <a16:rowId xmlns:a16="http://schemas.microsoft.com/office/drawing/2014/main" xmlns="" val="1474649425"/>
                   </a:ext>
                 </a:extLst>
               </a:tr>
@@ -5514,7 +7995,7 @@
                 </a:tc>
                 <a:extLst>
                   <a:ext uri="{0D108BD9-81ED-4DB2-BD59-A6C34878D82A}">
-                    <a16:rowId xmlns="" xmlns:a16="http://schemas.microsoft.com/office/drawing/2014/main" val="2762545760"/>
+                    <a16:rowId xmlns:a16="http://schemas.microsoft.com/office/drawing/2014/main" xmlns="" val="2762545760"/>
                   </a:ext>
                 </a:extLst>
               </a:tr>
@@ -5748,7 +8229,7 @@
                 </a:tc>
                 <a:extLst>
                   <a:ext uri="{0D108BD9-81ED-4DB2-BD59-A6C34878D82A}">
-                    <a16:rowId xmlns="" xmlns:a16="http://schemas.microsoft.com/office/drawing/2014/main" val="1916467250"/>
+                    <a16:rowId xmlns:a16="http://schemas.microsoft.com/office/drawing/2014/main" xmlns="" val="1916467250"/>
                   </a:ext>
                 </a:extLst>
               </a:tr>
@@ -6008,7 +8489,7 @@
                 </a:tc>
                 <a:extLst>
                   <a:ext uri="{0D108BD9-81ED-4DB2-BD59-A6C34878D82A}">
-                    <a16:rowId xmlns="" xmlns:a16="http://schemas.microsoft.com/office/drawing/2014/main" val="4183089179"/>
+                    <a16:rowId xmlns:a16="http://schemas.microsoft.com/office/drawing/2014/main" xmlns="" val="4183089179"/>
                   </a:ext>
                 </a:extLst>
               </a:tr>
@@ -6254,7 +8735,7 @@
                 </a:tc>
                 <a:extLst>
                   <a:ext uri="{0D108BD9-81ED-4DB2-BD59-A6C34878D82A}">
-                    <a16:rowId xmlns="" xmlns:a16="http://schemas.microsoft.com/office/drawing/2014/main" val="841358501"/>
+                    <a16:rowId xmlns:a16="http://schemas.microsoft.com/office/drawing/2014/main" xmlns="" val="841358501"/>
                   </a:ext>
                 </a:extLst>
               </a:tr>
@@ -6529,7 +9010,7 @@
                 </a:tc>
                 <a:extLst>
                   <a:ext uri="{0D108BD9-81ED-4DB2-BD59-A6C34878D82A}">
-                    <a16:rowId xmlns="" xmlns:a16="http://schemas.microsoft.com/office/drawing/2014/main" val="536964658"/>
+                    <a16:rowId xmlns:a16="http://schemas.microsoft.com/office/drawing/2014/main" xmlns="" val="536964658"/>
                   </a:ext>
                 </a:extLst>
               </a:tr>
@@ -6790,7 +9271,7 @@
                 </a:tc>
                 <a:extLst>
                   <a:ext uri="{0D108BD9-81ED-4DB2-BD59-A6C34878D82A}">
-                    <a16:rowId xmlns="" xmlns:a16="http://schemas.microsoft.com/office/drawing/2014/main" val="1210747478"/>
+                    <a16:rowId xmlns:a16="http://schemas.microsoft.com/office/drawing/2014/main" xmlns="" val="1210747478"/>
                   </a:ext>
                 </a:extLst>
               </a:tr>
@@ -7143,35 +9624,35 @@
                 <a:gridCol w="596936">
                   <a:extLst>
                     <a:ext uri="{9D8B030D-6E8A-4147-A177-3AD203B41FA5}">
-                      <a16:colId xmlns="" xmlns:a16="http://schemas.microsoft.com/office/drawing/2014/main" val="718228510"/>
+                      <a16:colId xmlns:a16="http://schemas.microsoft.com/office/drawing/2014/main" xmlns="" val="718228510"/>
                     </a:ext>
                   </a:extLst>
                 </a:gridCol>
                 <a:gridCol w="1205346">
                   <a:extLst>
                     <a:ext uri="{9D8B030D-6E8A-4147-A177-3AD203B41FA5}">
-                      <a16:colId xmlns="" xmlns:a16="http://schemas.microsoft.com/office/drawing/2014/main" val="597043040"/>
+                      <a16:colId xmlns:a16="http://schemas.microsoft.com/office/drawing/2014/main" xmlns="" val="597043040"/>
                     </a:ext>
                   </a:extLst>
                 </a:gridCol>
                 <a:gridCol w="1205346">
                   <a:extLst>
                     <a:ext uri="{9D8B030D-6E8A-4147-A177-3AD203B41FA5}">
-                      <a16:colId xmlns="" xmlns:a16="http://schemas.microsoft.com/office/drawing/2014/main" val="486324992"/>
+                      <a16:colId xmlns:a16="http://schemas.microsoft.com/office/drawing/2014/main" xmlns="" val="486324992"/>
                     </a:ext>
                   </a:extLst>
                 </a:gridCol>
                 <a:gridCol w="868219">
                   <a:extLst>
                     <a:ext uri="{9D8B030D-6E8A-4147-A177-3AD203B41FA5}">
-                      <a16:colId xmlns="" xmlns:a16="http://schemas.microsoft.com/office/drawing/2014/main" val="539558936"/>
+                      <a16:colId xmlns:a16="http://schemas.microsoft.com/office/drawing/2014/main" xmlns="" val="539558936"/>
                     </a:ext>
                   </a:extLst>
                 </a:gridCol>
                 <a:gridCol w="4147898">
                   <a:extLst>
                     <a:ext uri="{9D8B030D-6E8A-4147-A177-3AD203B41FA5}">
-                      <a16:colId xmlns="" xmlns:a16="http://schemas.microsoft.com/office/drawing/2014/main" val="2492762558"/>
+                      <a16:colId xmlns:a16="http://schemas.microsoft.com/office/drawing/2014/main" xmlns="" val="2492762558"/>
                     </a:ext>
                   </a:extLst>
                 </a:gridCol>
@@ -7278,7 +9759,7 @@
                 </a:tc>
                 <a:extLst>
                   <a:ext uri="{0D108BD9-81ED-4DB2-BD59-A6C34878D82A}">
-                    <a16:rowId xmlns="" xmlns:a16="http://schemas.microsoft.com/office/drawing/2014/main" val="1474649425"/>
+                    <a16:rowId xmlns:a16="http://schemas.microsoft.com/office/drawing/2014/main" xmlns="" val="1474649425"/>
                   </a:ext>
                 </a:extLst>
               </a:tr>
@@ -7410,7 +9891,7 @@
                 </a:tc>
                 <a:extLst>
                   <a:ext uri="{0D108BD9-81ED-4DB2-BD59-A6C34878D82A}">
-                    <a16:rowId xmlns="" xmlns:a16="http://schemas.microsoft.com/office/drawing/2014/main" val="2762545760"/>
+                    <a16:rowId xmlns:a16="http://schemas.microsoft.com/office/drawing/2014/main" xmlns="" val="2762545760"/>
                   </a:ext>
                 </a:extLst>
               </a:tr>
@@ -7672,7 +10153,7 @@
           <p:nvPr>
             <p:extLst>
               <p:ext uri="{D42A27DB-BD31-4B8C-83A1-F6EECF244321}">
-                <p14:modId xmlns:p14="http://schemas.microsoft.com/office/powerpoint/2010/main" val="2984959998"/>
+                <p14:modId xmlns:p14="http://schemas.microsoft.com/office/powerpoint/2010/main" val="1741030986"/>
               </p:ext>
             </p:extLst>
           </p:nvPr>
@@ -7691,35 +10172,35 @@
                 <a:gridCol w="596936">
                   <a:extLst>
                     <a:ext uri="{9D8B030D-6E8A-4147-A177-3AD203B41FA5}">
-                      <a16:colId xmlns="" xmlns:a16="http://schemas.microsoft.com/office/drawing/2014/main" val="718228510"/>
+                      <a16:colId xmlns:a16="http://schemas.microsoft.com/office/drawing/2014/main" xmlns="" val="718228510"/>
                     </a:ext>
                   </a:extLst>
                 </a:gridCol>
                 <a:gridCol w="1205346">
                   <a:extLst>
                     <a:ext uri="{9D8B030D-6E8A-4147-A177-3AD203B41FA5}">
-                      <a16:colId xmlns="" xmlns:a16="http://schemas.microsoft.com/office/drawing/2014/main" val="597043040"/>
+                      <a16:colId xmlns:a16="http://schemas.microsoft.com/office/drawing/2014/main" xmlns="" val="597043040"/>
                     </a:ext>
                   </a:extLst>
                 </a:gridCol>
                 <a:gridCol w="1205346">
                   <a:extLst>
                     <a:ext uri="{9D8B030D-6E8A-4147-A177-3AD203B41FA5}">
-                      <a16:colId xmlns="" xmlns:a16="http://schemas.microsoft.com/office/drawing/2014/main" val="486324992"/>
+                      <a16:colId xmlns:a16="http://schemas.microsoft.com/office/drawing/2014/main" xmlns="" val="486324992"/>
                     </a:ext>
                   </a:extLst>
                 </a:gridCol>
                 <a:gridCol w="868219">
                   <a:extLst>
                     <a:ext uri="{9D8B030D-6E8A-4147-A177-3AD203B41FA5}">
-                      <a16:colId xmlns="" xmlns:a16="http://schemas.microsoft.com/office/drawing/2014/main" val="539558936"/>
+                      <a16:colId xmlns:a16="http://schemas.microsoft.com/office/drawing/2014/main" xmlns="" val="539558936"/>
                     </a:ext>
                   </a:extLst>
                 </a:gridCol>
                 <a:gridCol w="4147898">
                   <a:extLst>
                     <a:ext uri="{9D8B030D-6E8A-4147-A177-3AD203B41FA5}">
-                      <a16:colId xmlns="" xmlns:a16="http://schemas.microsoft.com/office/drawing/2014/main" val="2492762558"/>
+                      <a16:colId xmlns:a16="http://schemas.microsoft.com/office/drawing/2014/main" xmlns="" val="2492762558"/>
                     </a:ext>
                   </a:extLst>
                 </a:gridCol>
@@ -7826,7 +10307,7 @@
                 </a:tc>
                 <a:extLst>
                   <a:ext uri="{0D108BD9-81ED-4DB2-BD59-A6C34878D82A}">
-                    <a16:rowId xmlns="" xmlns:a16="http://schemas.microsoft.com/office/drawing/2014/main" val="1474649425"/>
+                    <a16:rowId xmlns:a16="http://schemas.microsoft.com/office/drawing/2014/main" xmlns="" val="1474649425"/>
                   </a:ext>
                 </a:extLst>
               </a:tr>
@@ -7954,7 +10435,7 @@
                       </a:r>
                       <a:r>
                         <a:rPr lang="en-US" altLang="zh-CN" sz="1200" dirty="0" err="1" smtClean="0"/>
-                        <a:t>techInfo?prioduct</a:t>
+                        <a:t>techInfo?product</a:t>
                       </a:r>
                       <a:r>
                         <a:rPr lang="en-US" altLang="zh-CN" sz="1200" dirty="0" smtClean="0"/>
@@ -7967,7 +10448,7 @@
                 </a:tc>
                 <a:extLst>
                   <a:ext uri="{0D108BD9-81ED-4DB2-BD59-A6C34878D82A}">
-                    <a16:rowId xmlns="" xmlns:a16="http://schemas.microsoft.com/office/drawing/2014/main" val="2762545760"/>
+                    <a16:rowId xmlns:a16="http://schemas.microsoft.com/office/drawing/2014/main" xmlns="" val="2762545760"/>
                   </a:ext>
                 </a:extLst>
               </a:tr>
@@ -8073,7 +10554,7 @@
           <p:nvPr>
             <p:extLst>
               <p:ext uri="{D42A27DB-BD31-4B8C-83A1-F6EECF244321}">
-                <p14:modId xmlns:p14="http://schemas.microsoft.com/office/powerpoint/2010/main" val="119442190"/>
+                <p14:modId xmlns:p14="http://schemas.microsoft.com/office/powerpoint/2010/main" val="2049553576"/>
               </p:ext>
             </p:extLst>
           </p:nvPr>
@@ -8092,35 +10573,35 @@
                 <a:gridCol w="596936">
                   <a:extLst>
                     <a:ext uri="{9D8B030D-6E8A-4147-A177-3AD203B41FA5}">
-                      <a16:colId xmlns="" xmlns:a16="http://schemas.microsoft.com/office/drawing/2014/main" val="718228510"/>
+                      <a16:colId xmlns:a16="http://schemas.microsoft.com/office/drawing/2014/main" xmlns="" val="718228510"/>
                     </a:ext>
                   </a:extLst>
                 </a:gridCol>
                 <a:gridCol w="1205346">
                   <a:extLst>
                     <a:ext uri="{9D8B030D-6E8A-4147-A177-3AD203B41FA5}">
-                      <a16:colId xmlns="" xmlns:a16="http://schemas.microsoft.com/office/drawing/2014/main" val="597043040"/>
+                      <a16:colId xmlns:a16="http://schemas.microsoft.com/office/drawing/2014/main" xmlns="" val="597043040"/>
                     </a:ext>
                   </a:extLst>
                 </a:gridCol>
                 <a:gridCol w="1205346">
                   <a:extLst>
                     <a:ext uri="{9D8B030D-6E8A-4147-A177-3AD203B41FA5}">
-                      <a16:colId xmlns="" xmlns:a16="http://schemas.microsoft.com/office/drawing/2014/main" val="486324992"/>
+                      <a16:colId xmlns:a16="http://schemas.microsoft.com/office/drawing/2014/main" xmlns="" val="486324992"/>
                     </a:ext>
                   </a:extLst>
                 </a:gridCol>
                 <a:gridCol w="868219">
                   <a:extLst>
                     <a:ext uri="{9D8B030D-6E8A-4147-A177-3AD203B41FA5}">
-                      <a16:colId xmlns="" xmlns:a16="http://schemas.microsoft.com/office/drawing/2014/main" val="539558936"/>
+                      <a16:colId xmlns:a16="http://schemas.microsoft.com/office/drawing/2014/main" xmlns="" val="539558936"/>
                     </a:ext>
                   </a:extLst>
                 </a:gridCol>
                 <a:gridCol w="4147898">
                   <a:extLst>
                     <a:ext uri="{9D8B030D-6E8A-4147-A177-3AD203B41FA5}">
-                      <a16:colId xmlns="" xmlns:a16="http://schemas.microsoft.com/office/drawing/2014/main" val="2492762558"/>
+                      <a16:colId xmlns:a16="http://schemas.microsoft.com/office/drawing/2014/main" xmlns="" val="2492762558"/>
                     </a:ext>
                   </a:extLst>
                 </a:gridCol>
@@ -8227,7 +10708,7 @@
                 </a:tc>
                 <a:extLst>
                   <a:ext uri="{0D108BD9-81ED-4DB2-BD59-A6C34878D82A}">
-                    <a16:rowId xmlns="" xmlns:a16="http://schemas.microsoft.com/office/drawing/2014/main" val="1474649425"/>
+                    <a16:rowId xmlns:a16="http://schemas.microsoft.com/office/drawing/2014/main" xmlns="" val="1474649425"/>
                   </a:ext>
                 </a:extLst>
               </a:tr>
@@ -8299,38 +10780,8 @@
                     <a:p>
                       <a:pPr algn="l"/>
                       <a:r>
-                        <a:rPr kumimoji="0" lang="en-US" altLang="zh-CN" sz="1200" b="0" i="0" u="none" strike="noStrike" kern="1200" cap="none" spc="0" normalizeH="0" baseline="0" noProof="0" dirty="0">
-                          <a:ln>
-                            <a:noFill/>
-                          </a:ln>
-                          <a:solidFill>
-                            <a:prstClr val="black"/>
-                          </a:solidFill>
-                          <a:effectLst/>
-                          <a:uLnTx/>
-                          <a:uFillTx/>
-                          <a:latin typeface="Calibri" panose="020F0502020204030204"/>
-                          <a:ea typeface="等线" panose="02010600030101010101" pitchFamily="2" charset="-122"/>
-                          <a:cs typeface="+mn-cs"/>
-                        </a:rPr>
-                        <a:t>Gif</a:t>
-                      </a:r>
-                      <a:r>
-                        <a:rPr kumimoji="0" lang="zh-CN" altLang="en-US" sz="1200" b="0" i="0" u="none" strike="noStrike" kern="1200" cap="none" spc="0" normalizeH="0" baseline="0" noProof="0" dirty="0">
-                          <a:ln>
-                            <a:noFill/>
-                          </a:ln>
-                          <a:solidFill>
-                            <a:prstClr val="black"/>
-                          </a:solidFill>
-                          <a:effectLst/>
-                          <a:uLnTx/>
-                          <a:uFillTx/>
-                          <a:latin typeface="Calibri" panose="020F0502020204030204"/>
-                          <a:ea typeface="等线" panose="02010600030101010101" pitchFamily="2" charset="-122"/>
-                          <a:cs typeface="+mn-cs"/>
-                        </a:rPr>
-                        <a:t>图片</a:t>
+                        <a:rPr lang="en-US" altLang="zh-CN" sz="1200" dirty="0" err="1" smtClean="0"/>
+                        <a:t>uri</a:t>
                       </a:r>
                       <a:endParaRPr lang="zh-CN" altLang="en-US" sz="1200" dirty="0"/>
                     </a:p>
@@ -8384,7 +10835,7 @@
                 </a:tc>
                 <a:extLst>
                   <a:ext uri="{0D108BD9-81ED-4DB2-BD59-A6C34878D82A}">
-                    <a16:rowId xmlns="" xmlns:a16="http://schemas.microsoft.com/office/drawing/2014/main" val="2762545760"/>
+                    <a16:rowId xmlns:a16="http://schemas.microsoft.com/office/drawing/2014/main" xmlns="" val="2762545760"/>
                   </a:ext>
                 </a:extLst>
               </a:tr>
@@ -8565,7 +11016,7 @@
         </p:nvSpPr>
         <p:spPr>
           <a:xfrm>
-            <a:off x="567112" y="990600"/>
+            <a:off x="523570" y="947058"/>
             <a:ext cx="2938087" cy="289560"/>
           </a:xfrm>
           <a:prstGeom prst="rect">
@@ -8715,7 +11166,7 @@
         </p:nvCxnSpPr>
         <p:spPr>
           <a:xfrm>
-            <a:off x="320040" y="1082040"/>
+            <a:off x="276498" y="1038498"/>
             <a:ext cx="247072" cy="53340"/>
           </a:xfrm>
           <a:prstGeom prst="straightConnector1">
@@ -8788,7 +11239,7 @@
           <p:nvPr>
             <p:extLst>
               <p:ext uri="{D42A27DB-BD31-4B8C-83A1-F6EECF244321}">
-                <p14:modId xmlns:p14="http://schemas.microsoft.com/office/powerpoint/2010/main" val="1976781347"/>
+                <p14:modId xmlns:p14="http://schemas.microsoft.com/office/powerpoint/2010/main" val="97302946"/>
               </p:ext>
             </p:extLst>
           </p:nvPr>
@@ -8807,35 +11258,35 @@
                 <a:gridCol w="596936">
                   <a:extLst>
                     <a:ext uri="{9D8B030D-6E8A-4147-A177-3AD203B41FA5}">
-                      <a16:colId xmlns="" xmlns:a16="http://schemas.microsoft.com/office/drawing/2014/main" val="718228510"/>
+                      <a16:colId xmlns:a16="http://schemas.microsoft.com/office/drawing/2014/main" xmlns="" val="718228510"/>
                     </a:ext>
                   </a:extLst>
                 </a:gridCol>
                 <a:gridCol w="1205346">
                   <a:extLst>
                     <a:ext uri="{9D8B030D-6E8A-4147-A177-3AD203B41FA5}">
-                      <a16:colId xmlns="" xmlns:a16="http://schemas.microsoft.com/office/drawing/2014/main" val="597043040"/>
+                      <a16:colId xmlns:a16="http://schemas.microsoft.com/office/drawing/2014/main" xmlns="" val="597043040"/>
                     </a:ext>
                   </a:extLst>
                 </a:gridCol>
                 <a:gridCol w="1205346">
                   <a:extLst>
                     <a:ext uri="{9D8B030D-6E8A-4147-A177-3AD203B41FA5}">
-                      <a16:colId xmlns="" xmlns:a16="http://schemas.microsoft.com/office/drawing/2014/main" val="486324992"/>
+                      <a16:colId xmlns:a16="http://schemas.microsoft.com/office/drawing/2014/main" xmlns="" val="486324992"/>
                     </a:ext>
                   </a:extLst>
                 </a:gridCol>
                 <a:gridCol w="868219">
                   <a:extLst>
                     <a:ext uri="{9D8B030D-6E8A-4147-A177-3AD203B41FA5}">
-                      <a16:colId xmlns="" xmlns:a16="http://schemas.microsoft.com/office/drawing/2014/main" val="539558936"/>
+                      <a16:colId xmlns:a16="http://schemas.microsoft.com/office/drawing/2014/main" xmlns="" val="539558936"/>
                     </a:ext>
                   </a:extLst>
                 </a:gridCol>
                 <a:gridCol w="4147898">
                   <a:extLst>
                     <a:ext uri="{9D8B030D-6E8A-4147-A177-3AD203B41FA5}">
-                      <a16:colId xmlns="" xmlns:a16="http://schemas.microsoft.com/office/drawing/2014/main" val="2492762558"/>
+                      <a16:colId xmlns:a16="http://schemas.microsoft.com/office/drawing/2014/main" xmlns="" val="2492762558"/>
                     </a:ext>
                   </a:extLst>
                 </a:gridCol>
@@ -8942,7 +11393,7 @@
                 </a:tc>
                 <a:extLst>
                   <a:ext uri="{0D108BD9-81ED-4DB2-BD59-A6C34878D82A}">
-                    <a16:rowId xmlns="" xmlns:a16="http://schemas.microsoft.com/office/drawing/2014/main" val="1474649425"/>
+                    <a16:rowId xmlns:a16="http://schemas.microsoft.com/office/drawing/2014/main" xmlns="" val="1474649425"/>
                   </a:ext>
                 </a:extLst>
               </a:tr>
@@ -8997,6 +11448,23 @@
                     <a:p>
                       <a:pPr algn="l"/>
                       <a:r>
+                        <a:rPr kumimoji="0" lang="en-US" altLang="zh-CN" sz="1200" b="0" i="0" u="none" strike="noStrike" kern="1200" cap="none" spc="0" normalizeH="0" baseline="0" noProof="0" dirty="0" smtClean="0">
+                          <a:ln>
+                            <a:noFill/>
+                          </a:ln>
+                          <a:solidFill>
+                            <a:prstClr val="black"/>
+                          </a:solidFill>
+                          <a:effectLst/>
+                          <a:uLnTx/>
+                          <a:uFillTx/>
+                          <a:latin typeface="Calibri" panose="020F0502020204030204"/>
+                          <a:ea typeface="等线" panose="02010600030101010101" pitchFamily="2" charset="-122"/>
+                          <a:cs typeface="+mn-cs"/>
+                        </a:rPr>
+                        <a:t>List</a:t>
+                      </a:r>
+                      <a:r>
                         <a:rPr kumimoji="0" lang="zh-CN" altLang="en-US" sz="1200" b="0" i="0" u="none" strike="noStrike" kern="1200" cap="none" spc="0" normalizeH="0" baseline="0" noProof="0" dirty="0" smtClean="0">
                           <a:ln>
                             <a:noFill/>
@@ -9065,7 +11533,7 @@
                 </a:tc>
                 <a:extLst>
                   <a:ext uri="{0D108BD9-81ED-4DB2-BD59-A6C34878D82A}">
-                    <a16:rowId xmlns="" xmlns:a16="http://schemas.microsoft.com/office/drawing/2014/main" val="2762545760"/>
+                    <a16:rowId xmlns:a16="http://schemas.microsoft.com/office/drawing/2014/main" xmlns="" val="2762545760"/>
                   </a:ext>
                 </a:extLst>
               </a:tr>
@@ -9106,6 +11574,10 @@
                     <a:lstStyle/>
                     <a:p>
                       <a:pPr algn="l"/>
+                      <a:r>
+                        <a:rPr lang="en-US" altLang="zh-CN" sz="1200" dirty="0" smtClean="0"/>
+                        <a:t>Book</a:t>
+                      </a:r>
                       <a:r>
                         <a:rPr lang="zh-CN" altLang="en-US" sz="1200" dirty="0" smtClean="0"/>
                         <a:t>类</a:t>
@@ -9213,6 +11685,23 @@
                     <a:p>
                       <a:pPr algn="l"/>
                       <a:r>
+                        <a:rPr kumimoji="0" lang="en-US" altLang="zh-CN" sz="1200" b="0" i="0" u="none" strike="noStrike" kern="1200" cap="none" spc="0" normalizeH="0" baseline="0" noProof="0" dirty="0" smtClean="0">
+                          <a:ln>
+                            <a:noFill/>
+                          </a:ln>
+                          <a:solidFill>
+                            <a:prstClr val="black"/>
+                          </a:solidFill>
+                          <a:effectLst/>
+                          <a:uLnTx/>
+                          <a:uFillTx/>
+                          <a:latin typeface="Calibri" panose="020F0502020204030204"/>
+                          <a:ea typeface="等线" panose="02010600030101010101" pitchFamily="2" charset="-122"/>
+                          <a:cs typeface="+mn-cs"/>
+                        </a:rPr>
+                        <a:t>List</a:t>
+                      </a:r>
+                      <a:r>
                         <a:rPr kumimoji="0" lang="zh-CN" altLang="en-US" sz="1200" b="0" i="0" u="none" strike="noStrike" kern="1200" cap="none" spc="0" normalizeH="0" baseline="0" noProof="0" dirty="0" smtClean="0">
                           <a:ln>
                             <a:noFill/>
@@ -9317,6 +11806,10 @@
                     <a:lstStyle/>
                     <a:p>
                       <a:pPr algn="l"/>
+                      <a:r>
+                        <a:rPr lang="en-US" altLang="zh-CN" sz="1200" dirty="0" smtClean="0"/>
+                        <a:t>Soft</a:t>
+                      </a:r>
                       <a:r>
                         <a:rPr lang="zh-CN" altLang="en-US" sz="1200" dirty="0" smtClean="0"/>
                         <a:t>类</a:t>
@@ -9639,6 +12132,1028 @@
     <p:extLst>
       <p:ext uri="{BB962C8B-B14F-4D97-AF65-F5344CB8AC3E}">
         <p14:creationId xmlns:p14="http://schemas.microsoft.com/office/powerpoint/2010/main" val="1576380923"/>
+      </p:ext>
+    </p:extLst>
+  </p:cSld>
+  <p:clrMapOvr>
+    <a:masterClrMapping/>
+  </p:clrMapOvr>
+</p:sld>
+</file>
+
+<file path=ppt/slides/slide9.xml><?xml version="1.0" encoding="utf-8"?>
+<p:sld xmlns:a="http://schemas.openxmlformats.org/drawingml/2006/main" xmlns:r="http://schemas.openxmlformats.org/officeDocument/2006/relationships" xmlns:p="http://schemas.openxmlformats.org/presentationml/2006/main">
+  <p:cSld>
+    <p:spTree>
+      <p:nvGrpSpPr>
+        <p:cNvPr id="1" name=""/>
+        <p:cNvGrpSpPr/>
+        <p:nvPr/>
+      </p:nvGrpSpPr>
+      <p:grpSpPr>
+        <a:xfrm>
+          <a:off x="0" y="0"/>
+          <a:ext cx="0" cy="0"/>
+          <a:chOff x="0" y="0"/>
+          <a:chExt cx="0" cy="0"/>
+        </a:xfrm>
+      </p:grpSpPr>
+      <p:pic>
+        <p:nvPicPr>
+          <p:cNvPr id="2" name="图片 1"/>
+          <p:cNvPicPr>
+            <a:picLocks noChangeAspect="1"/>
+          </p:cNvPicPr>
+          <p:nvPr/>
+        </p:nvPicPr>
+        <p:blipFill>
+          <a:blip r:embed="rId2">
+            <a:extLst>
+              <a:ext uri="{28A0092B-C50C-407E-A947-70E740481C1C}">
+                <a14:useLocalDpi xmlns:a14="http://schemas.microsoft.com/office/drawing/2010/main" val="0"/>
+              </a:ext>
+            </a:extLst>
+          </a:blip>
+          <a:stretch>
+            <a:fillRect/>
+          </a:stretch>
+        </p:blipFill>
+        <p:spPr>
+          <a:xfrm>
+            <a:off x="718682" y="0"/>
+            <a:ext cx="3990975" cy="4200525"/>
+          </a:xfrm>
+          <a:prstGeom prst="rect">
+            <a:avLst/>
+          </a:prstGeom>
+        </p:spPr>
+      </p:pic>
+      <p:sp>
+        <p:nvSpPr>
+          <p:cNvPr id="3" name="文本框 3"/>
+          <p:cNvSpPr txBox="1"/>
+          <p:nvPr/>
+        </p:nvSpPr>
+        <p:spPr>
+          <a:xfrm>
+            <a:off x="4470400" y="109040"/>
+            <a:ext cx="357790" cy="300082"/>
+          </a:xfrm>
+          <a:prstGeom prst="rect">
+            <a:avLst/>
+          </a:prstGeom>
+          <a:noFill/>
+        </p:spPr>
+        <p:txBody>
+          <a:bodyPr wrap="none" rtlCol="0">
+            <a:spAutoFit/>
+          </a:bodyPr>
+          <a:lstStyle/>
+          <a:p>
+            <a:r>
+              <a:rPr lang="ja-JP" altLang="en-US" sz="1350" dirty="0">
+                <a:solidFill>
+                  <a:srgbClr val="FF0000"/>
+                </a:solidFill>
+              </a:rPr>
+              <a:t>①</a:t>
+            </a:r>
+            <a:endParaRPr lang="zh-CN" altLang="en-US" sz="1350" dirty="0">
+              <a:solidFill>
+                <a:srgbClr val="FF0000"/>
+              </a:solidFill>
+            </a:endParaRPr>
+          </a:p>
+        </p:txBody>
+      </p:sp>
+      <p:sp>
+        <p:nvSpPr>
+          <p:cNvPr id="4" name="矩形 3"/>
+          <p:cNvSpPr/>
+          <p:nvPr/>
+        </p:nvSpPr>
+        <p:spPr>
+          <a:xfrm>
+            <a:off x="770642" y="920388"/>
+            <a:ext cx="3699758" cy="392086"/>
+          </a:xfrm>
+          <a:prstGeom prst="rect">
+            <a:avLst/>
+          </a:prstGeom>
+          <a:solidFill>
+            <a:schemeClr val="accent1">
+              <a:alpha val="0"/>
+            </a:schemeClr>
+          </a:solidFill>
+          <a:ln w="0">
+            <a:solidFill>
+              <a:srgbClr val="FF0000"/>
+            </a:solidFill>
+          </a:ln>
+        </p:spPr>
+        <p:style>
+          <a:lnRef idx="2">
+            <a:schemeClr val="accent1">
+              <a:shade val="50000"/>
+            </a:schemeClr>
+          </a:lnRef>
+          <a:fillRef idx="1">
+            <a:schemeClr val="accent1"/>
+          </a:fillRef>
+          <a:effectRef idx="0">
+            <a:schemeClr val="accent1"/>
+          </a:effectRef>
+          <a:fontRef idx="minor">
+            <a:schemeClr val="lt1"/>
+          </a:fontRef>
+        </p:style>
+        <p:txBody>
+          <a:bodyPr rot="0" spcFirstLastPara="0" vertOverflow="overflow" horzOverflow="overflow" vert="horz" wrap="square" lIns="68580" tIns="34290" rIns="68580" bIns="34290" numCol="1" spcCol="0" rtlCol="0" fromWordArt="0" anchor="ctr" anchorCtr="0" forceAA="0" compatLnSpc="1">
+            <a:prstTxWarp prst="textNoShape">
+              <a:avLst/>
+            </a:prstTxWarp>
+            <a:noAutofit/>
+          </a:bodyPr>
+          <a:lstStyle/>
+          <a:p>
+            <a:pPr algn="ctr"/>
+            <a:endParaRPr lang="zh-CN" altLang="en-US" sz="1350"/>
+          </a:p>
+        </p:txBody>
+      </p:sp>
+      <p:sp>
+        <p:nvSpPr>
+          <p:cNvPr id="5" name="文本框 7"/>
+          <p:cNvSpPr txBox="1"/>
+          <p:nvPr/>
+        </p:nvSpPr>
+        <p:spPr>
+          <a:xfrm>
+            <a:off x="165780" y="861787"/>
+            <a:ext cx="357790" cy="300082"/>
+          </a:xfrm>
+          <a:prstGeom prst="rect">
+            <a:avLst/>
+          </a:prstGeom>
+          <a:noFill/>
+        </p:spPr>
+        <p:txBody>
+          <a:bodyPr wrap="none" rtlCol="0">
+            <a:spAutoFit/>
+          </a:bodyPr>
+          <a:lstStyle/>
+          <a:p>
+            <a:r>
+              <a:rPr lang="ja-JP" altLang="en-US" sz="1350" dirty="0">
+                <a:solidFill>
+                  <a:srgbClr val="FF0000"/>
+                </a:solidFill>
+              </a:rPr>
+              <a:t>②</a:t>
+            </a:r>
+            <a:endParaRPr lang="zh-CN" altLang="en-US" sz="1350" dirty="0">
+              <a:solidFill>
+                <a:srgbClr val="FF0000"/>
+              </a:solidFill>
+            </a:endParaRPr>
+          </a:p>
+        </p:txBody>
+      </p:sp>
+      <p:cxnSp>
+        <p:nvCxnSpPr>
+          <p:cNvPr id="6" name="直接箭头连接符 5"/>
+          <p:cNvCxnSpPr>
+            <a:endCxn id="4" idx="1"/>
+          </p:cNvCxnSpPr>
+          <p:nvPr/>
+        </p:nvCxnSpPr>
+        <p:spPr>
+          <a:xfrm>
+            <a:off x="523570" y="1011828"/>
+            <a:ext cx="247072" cy="104603"/>
+          </a:xfrm>
+          <a:prstGeom prst="straightConnector1">
+            <a:avLst/>
+          </a:prstGeom>
+          <a:ln w="0">
+            <a:solidFill>
+              <a:srgbClr val="FF0000"/>
+            </a:solidFill>
+            <a:tailEnd type="triangle"/>
+          </a:ln>
+        </p:spPr>
+        <p:style>
+          <a:lnRef idx="1">
+            <a:schemeClr val="accent1"/>
+          </a:lnRef>
+          <a:fillRef idx="0">
+            <a:schemeClr val="accent1"/>
+          </a:fillRef>
+          <a:effectRef idx="0">
+            <a:schemeClr val="accent1"/>
+          </a:effectRef>
+          <a:fontRef idx="minor">
+            <a:schemeClr val="tx1"/>
+          </a:fontRef>
+        </p:style>
+      </p:cxnSp>
+      <p:cxnSp>
+        <p:nvCxnSpPr>
+          <p:cNvPr id="7" name="直接箭头连接符 6"/>
+          <p:cNvCxnSpPr/>
+          <p:nvPr/>
+        </p:nvCxnSpPr>
+        <p:spPr>
+          <a:xfrm rot="5400000">
+            <a:off x="4205061" y="404861"/>
+            <a:ext cx="408759" cy="335280"/>
+          </a:xfrm>
+          <a:prstGeom prst="straightConnector1">
+            <a:avLst/>
+          </a:prstGeom>
+          <a:ln w="0">
+            <a:solidFill>
+              <a:srgbClr val="FF0000"/>
+            </a:solidFill>
+            <a:tailEnd type="triangle"/>
+          </a:ln>
+        </p:spPr>
+        <p:style>
+          <a:lnRef idx="1">
+            <a:schemeClr val="accent1"/>
+          </a:lnRef>
+          <a:fillRef idx="0">
+            <a:schemeClr val="accent1"/>
+          </a:fillRef>
+          <a:effectRef idx="0">
+            <a:schemeClr val="accent1"/>
+          </a:effectRef>
+          <a:fontRef idx="minor">
+            <a:schemeClr val="tx1"/>
+          </a:fontRef>
+        </p:style>
+      </p:cxnSp>
+      <p:sp>
+        <p:nvSpPr>
+          <p:cNvPr id="9" name="矩形 8"/>
+          <p:cNvSpPr/>
+          <p:nvPr/>
+        </p:nvSpPr>
+        <p:spPr>
+          <a:xfrm>
+            <a:off x="923042" y="306169"/>
+            <a:ext cx="3358672" cy="3612687"/>
+          </a:xfrm>
+          <a:prstGeom prst="rect">
+            <a:avLst/>
+          </a:prstGeom>
+          <a:solidFill>
+            <a:schemeClr val="accent1">
+              <a:alpha val="0"/>
+            </a:schemeClr>
+          </a:solidFill>
+          <a:ln w="0">
+            <a:solidFill>
+              <a:srgbClr val="FF0000"/>
+            </a:solidFill>
+          </a:ln>
+        </p:spPr>
+        <p:style>
+          <a:lnRef idx="2">
+            <a:schemeClr val="accent1">
+              <a:shade val="50000"/>
+            </a:schemeClr>
+          </a:lnRef>
+          <a:fillRef idx="1">
+            <a:schemeClr val="accent1"/>
+          </a:fillRef>
+          <a:effectRef idx="0">
+            <a:schemeClr val="accent1"/>
+          </a:effectRef>
+          <a:fontRef idx="minor">
+            <a:schemeClr val="lt1"/>
+          </a:fontRef>
+        </p:style>
+        <p:txBody>
+          <a:bodyPr rot="0" spcFirstLastPara="0" vertOverflow="overflow" horzOverflow="overflow" vert="horz" wrap="square" lIns="68580" tIns="34290" rIns="68580" bIns="34290" numCol="1" spcCol="0" rtlCol="0" fromWordArt="0" anchor="ctr" anchorCtr="0" forceAA="0" compatLnSpc="1">
+            <a:prstTxWarp prst="textNoShape">
+              <a:avLst/>
+            </a:prstTxWarp>
+            <a:noAutofit/>
+          </a:bodyPr>
+          <a:lstStyle/>
+          <a:p>
+            <a:pPr algn="ctr"/>
+            <a:endParaRPr lang="zh-CN" altLang="en-US" sz="1350"/>
+          </a:p>
+        </p:txBody>
+      </p:sp>
+      <p:graphicFrame>
+        <p:nvGraphicFramePr>
+          <p:cNvPr id="10" name="表格 9"/>
+          <p:cNvGraphicFramePr>
+            <a:graphicFrameLocks noGrp="1"/>
+          </p:cNvGraphicFramePr>
+          <p:nvPr>
+            <p:extLst>
+              <p:ext uri="{D42A27DB-BD31-4B8C-83A1-F6EECF244321}">
+                <p14:modId xmlns:p14="http://schemas.microsoft.com/office/powerpoint/2010/main" val="3365332870"/>
+              </p:ext>
+            </p:extLst>
+          </p:nvPr>
+        </p:nvGraphicFramePr>
+        <p:xfrm>
+          <a:off x="397567" y="4200525"/>
+          <a:ext cx="8023745" cy="1112520"/>
+        </p:xfrm>
+        <a:graphic>
+          <a:graphicData uri="http://schemas.openxmlformats.org/drawingml/2006/table">
+            <a:tbl>
+              <a:tblPr>
+                <a:tableStyleId>{5940675A-B579-460E-94D1-54222C63F5DA}</a:tableStyleId>
+              </a:tblPr>
+              <a:tblGrid>
+                <a:gridCol w="596936">
+                  <a:extLst>
+                    <a:ext uri="{9D8B030D-6E8A-4147-A177-3AD203B41FA5}">
+                      <a16:colId xmlns:a16="http://schemas.microsoft.com/office/drawing/2014/main" xmlns="" val="718228510"/>
+                    </a:ext>
+                  </a:extLst>
+                </a:gridCol>
+                <a:gridCol w="1205346">
+                  <a:extLst>
+                    <a:ext uri="{9D8B030D-6E8A-4147-A177-3AD203B41FA5}">
+                      <a16:colId xmlns:a16="http://schemas.microsoft.com/office/drawing/2014/main" xmlns="" val="597043040"/>
+                    </a:ext>
+                  </a:extLst>
+                </a:gridCol>
+                <a:gridCol w="1205346">
+                  <a:extLst>
+                    <a:ext uri="{9D8B030D-6E8A-4147-A177-3AD203B41FA5}">
+                      <a16:colId xmlns:a16="http://schemas.microsoft.com/office/drawing/2014/main" xmlns="" val="486324992"/>
+                    </a:ext>
+                  </a:extLst>
+                </a:gridCol>
+                <a:gridCol w="868219">
+                  <a:extLst>
+                    <a:ext uri="{9D8B030D-6E8A-4147-A177-3AD203B41FA5}">
+                      <a16:colId xmlns:a16="http://schemas.microsoft.com/office/drawing/2014/main" xmlns="" val="539558936"/>
+                    </a:ext>
+                  </a:extLst>
+                </a:gridCol>
+                <a:gridCol w="4147898">
+                  <a:extLst>
+                    <a:ext uri="{9D8B030D-6E8A-4147-A177-3AD203B41FA5}">
+                      <a16:colId xmlns:a16="http://schemas.microsoft.com/office/drawing/2014/main" xmlns="" val="2492762558"/>
+                    </a:ext>
+                  </a:extLst>
+                </a:gridCol>
+              </a:tblGrid>
+              <a:tr h="278130">
+                <a:tc>
+                  <a:txBody>
+                    <a:bodyPr/>
+                    <a:lstStyle/>
+                    <a:p>
+                      <a:pPr algn="l"/>
+                      <a:r>
+                        <a:rPr lang="zh-CN" altLang="en-US" sz="1200" dirty="0"/>
+                        <a:t>编号</a:t>
+                      </a:r>
+                    </a:p>
+                  </a:txBody>
+                  <a:tcPr marL="68580" marR="68580" marT="34290" marB="34290" anchor="ctr">
+                    <a:solidFill>
+                      <a:srgbClr val="FFC000"/>
+                    </a:solidFill>
+                  </a:tcPr>
+                </a:tc>
+                <a:tc>
+                  <a:txBody>
+                    <a:bodyPr/>
+                    <a:lstStyle/>
+                    <a:p>
+                      <a:pPr algn="l"/>
+                      <a:r>
+                        <a:rPr lang="zh-CN" altLang="en-US" sz="1200" dirty="0"/>
+                        <a:t>内容</a:t>
+                      </a:r>
+                    </a:p>
+                  </a:txBody>
+                  <a:tcPr marL="68580" marR="68580" marT="34290" marB="34290" anchor="ctr">
+                    <a:solidFill>
+                      <a:srgbClr val="FFC000"/>
+                    </a:solidFill>
+                  </a:tcPr>
+                </a:tc>
+                <a:tc>
+                  <a:txBody>
+                    <a:bodyPr/>
+                    <a:lstStyle/>
+                    <a:p>
+                      <a:pPr algn="l"/>
+                      <a:r>
+                        <a:rPr lang="zh-CN" altLang="en-US" sz="1200" dirty="0"/>
+                        <a:t>内容类型</a:t>
+                      </a:r>
+                    </a:p>
+                  </a:txBody>
+                  <a:tcPr marL="68580" marR="68580" marT="34290" marB="34290" anchor="ctr">
+                    <a:solidFill>
+                      <a:srgbClr val="FFC000"/>
+                    </a:solidFill>
+                  </a:tcPr>
+                </a:tc>
+                <a:tc>
+                  <a:txBody>
+                    <a:bodyPr/>
+                    <a:lstStyle/>
+                    <a:p>
+                      <a:pPr algn="l"/>
+                      <a:r>
+                        <a:rPr lang="en-US" altLang="zh-CN" sz="1200" dirty="0" err="1"/>
+                        <a:t>uri</a:t>
+                      </a:r>
+                      <a:r>
+                        <a:rPr lang="zh-CN" altLang="en-US" sz="1200" dirty="0"/>
+                        <a:t>类型</a:t>
+                      </a:r>
+                    </a:p>
+                  </a:txBody>
+                  <a:tcPr marL="68580" marR="68580" marT="34290" marB="34290" anchor="ctr">
+                    <a:solidFill>
+                      <a:srgbClr val="FFC000"/>
+                    </a:solidFill>
+                  </a:tcPr>
+                </a:tc>
+                <a:tc>
+                  <a:txBody>
+                    <a:bodyPr/>
+                    <a:lstStyle/>
+                    <a:p>
+                      <a:pPr algn="l"/>
+                      <a:r>
+                        <a:rPr lang="zh-CN" altLang="en-US" sz="1200" dirty="0"/>
+                        <a:t>请求</a:t>
+                      </a:r>
+                      <a:r>
+                        <a:rPr lang="en-US" altLang="zh-CN" sz="1200" dirty="0" err="1"/>
+                        <a:t>uri</a:t>
+                      </a:r>
+                      <a:endParaRPr lang="zh-CN" altLang="en-US" sz="1200" dirty="0"/>
+                    </a:p>
+                  </a:txBody>
+                  <a:tcPr marL="68580" marR="68580" marT="34290" marB="34290" anchor="ctr">
+                    <a:solidFill>
+                      <a:srgbClr val="FFC000"/>
+                    </a:solidFill>
+                  </a:tcPr>
+                </a:tc>
+                <a:extLst>
+                  <a:ext uri="{0D108BD9-81ED-4DB2-BD59-A6C34878D82A}">
+                    <a16:rowId xmlns:a16="http://schemas.microsoft.com/office/drawing/2014/main" xmlns="" val="1474649425"/>
+                  </a:ext>
+                </a:extLst>
+              </a:tr>
+              <a:tr h="278130">
+                <a:tc>
+                  <a:txBody>
+                    <a:bodyPr/>
+                    <a:lstStyle/>
+                    <a:p>
+                      <a:pPr algn="l"/>
+                      <a:r>
+                        <a:rPr lang="en-US" altLang="zh-CN" sz="1200" dirty="0"/>
+                        <a:t>1</a:t>
+                      </a:r>
+                      <a:endParaRPr lang="zh-CN" altLang="en-US" sz="1200" dirty="0"/>
+                    </a:p>
+                  </a:txBody>
+                  <a:tcPr marL="68580" marR="68580" marT="34290" marB="34290" anchor="ctr"/>
+                </a:tc>
+                <a:tc>
+                  <a:txBody>
+                    <a:bodyPr/>
+                    <a:lstStyle/>
+                    <a:p>
+                      <a:pPr algn="l"/>
+                      <a:r>
+                        <a:rPr kumimoji="0" lang="zh-CN" altLang="en-US" sz="1200" b="0" i="0" u="none" strike="noStrike" kern="1200" cap="none" spc="0" normalizeH="0" baseline="0" noProof="0" dirty="0" smtClean="0">
+                          <a:ln>
+                            <a:noFill/>
+                          </a:ln>
+                          <a:solidFill>
+                            <a:prstClr val="black"/>
+                          </a:solidFill>
+                          <a:effectLst/>
+                          <a:uLnTx/>
+                          <a:uFillTx/>
+                          <a:latin typeface="Calibri" panose="020F0502020204030204"/>
+                          <a:ea typeface="等线" panose="02010600030101010101" pitchFamily="2" charset="-122"/>
+                          <a:cs typeface="+mn-cs"/>
+                        </a:rPr>
+                        <a:t>文档列表</a:t>
+                      </a:r>
+                      <a:endParaRPr lang="zh-CN" altLang="en-US" sz="1200" dirty="0"/>
+                    </a:p>
+                  </a:txBody>
+                  <a:tcPr marL="68580" marR="68580" marT="34290" marB="34290" anchor="ctr"/>
+                </a:tc>
+                <a:tc>
+                  <a:txBody>
+                    <a:bodyPr/>
+                    <a:lstStyle/>
+                    <a:p>
+                      <a:pPr algn="l"/>
+                      <a:r>
+                        <a:rPr kumimoji="0" lang="en-US" altLang="zh-CN" sz="1200" b="0" i="0" u="none" strike="noStrike" kern="1200" cap="none" spc="0" normalizeH="0" baseline="0" noProof="0" dirty="0" smtClean="0">
+                          <a:ln>
+                            <a:noFill/>
+                          </a:ln>
+                          <a:solidFill>
+                            <a:prstClr val="black"/>
+                          </a:solidFill>
+                          <a:effectLst/>
+                          <a:uLnTx/>
+                          <a:uFillTx/>
+                          <a:latin typeface="Calibri" panose="020F0502020204030204"/>
+                          <a:ea typeface="等线" panose="02010600030101010101" pitchFamily="2" charset="-122"/>
+                          <a:cs typeface="+mn-cs"/>
+                        </a:rPr>
+                        <a:t>List</a:t>
+                      </a:r>
+                      <a:r>
+                        <a:rPr kumimoji="0" lang="zh-CN" altLang="en-US" sz="1200" b="0" i="0" u="none" strike="noStrike" kern="1200" cap="none" spc="0" normalizeH="0" baseline="0" noProof="0" dirty="0" smtClean="0">
+                          <a:ln>
+                            <a:noFill/>
+                          </a:ln>
+                          <a:solidFill>
+                            <a:prstClr val="black"/>
+                          </a:solidFill>
+                          <a:effectLst/>
+                          <a:uLnTx/>
+                          <a:uFillTx/>
+                          <a:latin typeface="Calibri" panose="020F0502020204030204"/>
+                          <a:ea typeface="等线" panose="02010600030101010101" pitchFamily="2" charset="-122"/>
+                          <a:cs typeface="+mn-cs"/>
+                        </a:rPr>
+                        <a:t>类</a:t>
+                      </a:r>
+                      <a:endParaRPr lang="zh-CN" altLang="en-US" sz="1200" dirty="0"/>
+                    </a:p>
+                  </a:txBody>
+                  <a:tcPr marL="68580" marR="68580" marT="34290" marB="34290" anchor="ctr"/>
+                </a:tc>
+                <a:tc>
+                  <a:txBody>
+                    <a:bodyPr/>
+                    <a:lstStyle/>
+                    <a:p>
+                      <a:pPr algn="l"/>
+                      <a:r>
+                        <a:rPr lang="zh-CN" altLang="en-US" sz="1200" dirty="0"/>
+                        <a:t>后台</a:t>
+                      </a:r>
+                    </a:p>
+                  </a:txBody>
+                  <a:tcPr marL="68580" marR="68580" marT="34290" marB="34290" anchor="ctr"/>
+                </a:tc>
+                <a:tc>
+                  <a:txBody>
+                    <a:bodyPr/>
+                    <a:lstStyle/>
+                    <a:p>
+                      <a:pPr algn="l"/>
+                      <a:r>
+                        <a:rPr lang="en-US" altLang="zh-CN" sz="1200" dirty="0" smtClean="0"/>
+                        <a:t>[get]……/</a:t>
+                      </a:r>
+                      <a:r>
+                        <a:rPr lang="en-US" altLang="zh-CN" sz="1200" dirty="0" err="1" smtClean="0"/>
+                        <a:t>bg</a:t>
+                      </a:r>
+                      <a:r>
+                        <a:rPr lang="en-US" altLang="zh-CN" sz="1200" dirty="0" smtClean="0"/>
+                        <a:t>/</a:t>
+                      </a:r>
+                      <a:r>
+                        <a:rPr lang="en-US" altLang="zh-CN" sz="1200" dirty="0" err="1" smtClean="0"/>
+                        <a:t>firmList?product</a:t>
+                      </a:r>
+                      <a:r>
+                        <a:rPr lang="en-US" altLang="zh-CN" sz="1200" dirty="0" smtClean="0"/>
+                        <a:t>=600pro</a:t>
+                      </a:r>
+                      <a:endParaRPr lang="zh-CN" altLang="en-US" sz="1200" dirty="0"/>
+                    </a:p>
+                  </a:txBody>
+                  <a:tcPr marL="68580" marR="68580" marT="34290" marB="34290" anchor="ctr"/>
+                </a:tc>
+                <a:extLst>
+                  <a:ext uri="{0D108BD9-81ED-4DB2-BD59-A6C34878D82A}">
+                    <a16:rowId xmlns:a16="http://schemas.microsoft.com/office/drawing/2014/main" xmlns="" val="2762545760"/>
+                  </a:ext>
+                </a:extLst>
+              </a:tr>
+              <a:tr h="278130">
+                <a:tc>
+                  <a:txBody>
+                    <a:bodyPr/>
+                    <a:lstStyle/>
+                    <a:p>
+                      <a:pPr algn="l"/>
+                      <a:r>
+                        <a:rPr lang="en-US" altLang="zh-CN" sz="1200" dirty="0" smtClean="0"/>
+                        <a:t>2</a:t>
+                      </a:r>
+                      <a:endParaRPr lang="zh-CN" altLang="en-US" sz="1200" dirty="0"/>
+                    </a:p>
+                  </a:txBody>
+                  <a:tcPr marL="68580" marR="68580" marT="34290" marB="34290" anchor="ctr"/>
+                </a:tc>
+                <a:tc>
+                  <a:txBody>
+                    <a:bodyPr/>
+                    <a:lstStyle/>
+                    <a:p>
+                      <a:pPr algn="l"/>
+                      <a:r>
+                        <a:rPr lang="zh-CN" altLang="en-US" sz="1200" dirty="0" smtClean="0"/>
+                        <a:t>文档信息</a:t>
+                      </a:r>
+                      <a:endParaRPr lang="zh-CN" altLang="en-US" sz="1200" dirty="0"/>
+                    </a:p>
+                  </a:txBody>
+                  <a:tcPr marL="68580" marR="68580" marT="34290" marB="34290" anchor="ctr"/>
+                </a:tc>
+                <a:tc>
+                  <a:txBody>
+                    <a:bodyPr/>
+                    <a:lstStyle/>
+                    <a:p>
+                      <a:pPr algn="l"/>
+                      <a:r>
+                        <a:rPr lang="en-US" altLang="zh-CN" sz="1200" dirty="0" smtClean="0"/>
+                        <a:t>Firm</a:t>
+                      </a:r>
+                      <a:r>
+                        <a:rPr lang="zh-CN" altLang="en-US" sz="1200" dirty="0" smtClean="0"/>
+                        <a:t>类</a:t>
+                      </a:r>
+                      <a:endParaRPr lang="zh-CN" altLang="en-US" sz="1200" dirty="0"/>
+                    </a:p>
+                  </a:txBody>
+                  <a:tcPr marL="68580" marR="68580" marT="34290" marB="34290" anchor="ctr"/>
+                </a:tc>
+                <a:tc>
+                  <a:txBody>
+                    <a:bodyPr/>
+                    <a:lstStyle/>
+                    <a:p>
+                      <a:pPr algn="l"/>
+                      <a:r>
+                        <a:rPr lang="zh-CN" altLang="en-US" sz="1200" dirty="0" smtClean="0"/>
+                        <a:t>后台</a:t>
+                      </a:r>
+                      <a:endParaRPr lang="zh-CN" altLang="en-US" sz="1200" dirty="0"/>
+                    </a:p>
+                  </a:txBody>
+                  <a:tcPr marL="68580" marR="68580" marT="34290" marB="34290" anchor="ctr"/>
+                </a:tc>
+                <a:tc>
+                  <a:txBody>
+                    <a:bodyPr/>
+                    <a:lstStyle/>
+                    <a:p>
+                      <a:pPr algn="l"/>
+                      <a:r>
+                        <a:rPr lang="en-US" altLang="zh-CN" sz="1200" dirty="0" smtClean="0"/>
+                        <a:t>[get]……/</a:t>
+                      </a:r>
+                      <a:r>
+                        <a:rPr lang="en-US" altLang="zh-CN" sz="1200" dirty="0" err="1" smtClean="0"/>
+                        <a:t>bg</a:t>
+                      </a:r>
+                      <a:r>
+                        <a:rPr lang="en-US" altLang="zh-CN" sz="1200" dirty="0" smtClean="0"/>
+                        <a:t>/</a:t>
+                      </a:r>
+                      <a:r>
+                        <a:rPr lang="en-US" altLang="zh-CN" sz="1200" dirty="0" err="1" smtClean="0"/>
+                        <a:t>firm?product</a:t>
+                      </a:r>
+                      <a:r>
+                        <a:rPr lang="en-US" altLang="zh-CN" sz="1200" dirty="0" smtClean="0"/>
+                        <a:t>=600pro&amp;id=n</a:t>
+                      </a:r>
+                      <a:endParaRPr lang="zh-CN" altLang="en-US" sz="1200" dirty="0"/>
+                    </a:p>
+                  </a:txBody>
+                  <a:tcPr marL="68580" marR="68580" marT="34290" marB="34290" anchor="ctr"/>
+                </a:tc>
+              </a:tr>
+              <a:tr h="278130">
+                <a:tc>
+                  <a:txBody>
+                    <a:bodyPr/>
+                    <a:lstStyle/>
+                    <a:p>
+                      <a:pPr algn="l"/>
+                      <a:r>
+                        <a:rPr lang="en-US" altLang="zh-CN" sz="1200" dirty="0" smtClean="0"/>
+                        <a:t>3</a:t>
+                      </a:r>
+                      <a:endParaRPr lang="zh-CN" altLang="en-US" sz="1200" dirty="0"/>
+                    </a:p>
+                  </a:txBody>
+                  <a:tcPr marL="68580" marR="68580" marT="34290" marB="34290" anchor="ctr"/>
+                </a:tc>
+                <a:tc>
+                  <a:txBody>
+                    <a:bodyPr/>
+                    <a:lstStyle/>
+                    <a:p>
+                      <a:pPr algn="l"/>
+                      <a:r>
+                        <a:rPr kumimoji="0" lang="en-US" altLang="zh-CN" sz="1200" b="0" i="0" u="none" strike="noStrike" kern="1200" cap="none" spc="0" normalizeH="0" baseline="0" noProof="0" dirty="0" smtClean="0">
+                          <a:ln>
+                            <a:noFill/>
+                          </a:ln>
+                          <a:solidFill>
+                            <a:prstClr val="black"/>
+                          </a:solidFill>
+                          <a:effectLst/>
+                          <a:uLnTx/>
+                          <a:uFillTx/>
+                          <a:latin typeface="Calibri" panose="020F0502020204030204"/>
+                          <a:ea typeface="等线" panose="02010600030101010101" pitchFamily="2" charset="-122"/>
+                          <a:cs typeface="+mn-cs"/>
+                        </a:rPr>
+                        <a:t>App</a:t>
+                      </a:r>
+                      <a:r>
+                        <a:rPr kumimoji="0" lang="zh-CN" altLang="en-US" sz="1200" b="0" i="0" u="none" strike="noStrike" kern="1200" cap="none" spc="0" normalizeH="0" baseline="0" noProof="0" dirty="0" smtClean="0">
+                          <a:ln>
+                            <a:noFill/>
+                          </a:ln>
+                          <a:solidFill>
+                            <a:prstClr val="black"/>
+                          </a:solidFill>
+                          <a:effectLst/>
+                          <a:uLnTx/>
+                          <a:uFillTx/>
+                          <a:latin typeface="Calibri" panose="020F0502020204030204"/>
+                          <a:ea typeface="等线" panose="02010600030101010101" pitchFamily="2" charset="-122"/>
+                          <a:cs typeface="+mn-cs"/>
+                        </a:rPr>
+                        <a:t>信息</a:t>
+                      </a:r>
+                      <a:endParaRPr lang="zh-CN" altLang="en-US" sz="1200" dirty="0"/>
+                    </a:p>
+                  </a:txBody>
+                  <a:tcPr marL="68580" marR="68580" marT="34290" marB="34290" anchor="ctr"/>
+                </a:tc>
+                <a:tc>
+                  <a:txBody>
+                    <a:bodyPr/>
+                    <a:lstStyle/>
+                    <a:p>
+                      <a:pPr algn="l"/>
+                      <a:r>
+                        <a:rPr kumimoji="0" lang="zh-CN" altLang="en-US" sz="1200" b="0" i="0" u="none" strike="noStrike" kern="1200" cap="none" spc="0" normalizeH="0" baseline="0" noProof="0" dirty="0" smtClean="0">
+                          <a:ln>
+                            <a:noFill/>
+                          </a:ln>
+                          <a:solidFill>
+                            <a:prstClr val="black"/>
+                          </a:solidFill>
+                          <a:effectLst/>
+                          <a:uLnTx/>
+                          <a:uFillTx/>
+                          <a:latin typeface="Calibri" panose="020F0502020204030204"/>
+                          <a:ea typeface="等线" panose="02010600030101010101" pitchFamily="2" charset="-122"/>
+                          <a:cs typeface="+mn-cs"/>
+                        </a:rPr>
+                        <a:t>字符内容</a:t>
+                      </a:r>
+                      <a:endParaRPr lang="zh-CN" altLang="en-US" sz="1200" dirty="0"/>
+                    </a:p>
+                  </a:txBody>
+                  <a:tcPr marL="68580" marR="68580" marT="34290" marB="34290" anchor="ctr"/>
+                </a:tc>
+                <a:tc>
+                  <a:txBody>
+                    <a:bodyPr/>
+                    <a:lstStyle/>
+                    <a:p>
+                      <a:pPr algn="l"/>
+                      <a:r>
+                        <a:rPr lang="zh-CN" altLang="en-US" sz="1200" dirty="0"/>
+                        <a:t>后台</a:t>
+                      </a:r>
+                    </a:p>
+                  </a:txBody>
+                  <a:tcPr marL="68580" marR="68580" marT="34290" marB="34290" anchor="ctr"/>
+                </a:tc>
+                <a:tc>
+                  <a:txBody>
+                    <a:bodyPr/>
+                    <a:lstStyle/>
+                    <a:p>
+                      <a:pPr algn="l"/>
+                      <a:r>
+                        <a:rPr lang="en-US" altLang="zh-CN" sz="1200" dirty="0" smtClean="0"/>
+                        <a:t>[get]……/</a:t>
+                      </a:r>
+                      <a:r>
+                        <a:rPr lang="en-US" altLang="zh-CN" sz="1200" dirty="0" err="1" smtClean="0"/>
+                        <a:t>bg</a:t>
+                      </a:r>
+                      <a:r>
+                        <a:rPr lang="en-US" altLang="zh-CN" sz="1200" dirty="0" smtClean="0"/>
+                        <a:t>/</a:t>
+                      </a:r>
+                      <a:r>
+                        <a:rPr lang="en-US" altLang="zh-CN" sz="1200" dirty="0" err="1" smtClean="0"/>
+                        <a:t>appInfo?product</a:t>
+                      </a:r>
+                      <a:r>
+                        <a:rPr lang="en-US" altLang="zh-CN" sz="1200" dirty="0" smtClean="0"/>
+                        <a:t>=600pro</a:t>
+                      </a:r>
+                      <a:endParaRPr lang="zh-CN" altLang="en-US" sz="1200" dirty="0"/>
+                    </a:p>
+                  </a:txBody>
+                  <a:tcPr marL="68580" marR="68580" marT="34290" marB="34290" anchor="ctr"/>
+                </a:tc>
+              </a:tr>
+            </a:tbl>
+          </a:graphicData>
+        </a:graphic>
+      </p:graphicFrame>
+      <p:pic>
+        <p:nvPicPr>
+          <p:cNvPr id="11" name="图片 10"/>
+          <p:cNvPicPr>
+            <a:picLocks noChangeAspect="1"/>
+          </p:cNvPicPr>
+          <p:nvPr/>
+        </p:nvPicPr>
+        <p:blipFill>
+          <a:blip r:embed="rId3">
+            <a:extLst>
+              <a:ext uri="{28A0092B-C50C-407E-A947-70E740481C1C}">
+                <a14:useLocalDpi xmlns:a14="http://schemas.microsoft.com/office/drawing/2010/main" val="0"/>
+              </a:ext>
+            </a:extLst>
+          </a:blip>
+          <a:stretch>
+            <a:fillRect/>
+          </a:stretch>
+        </p:blipFill>
+        <p:spPr>
+          <a:xfrm>
+            <a:off x="4649295" y="1428751"/>
+            <a:ext cx="4384365" cy="1699762"/>
+          </a:xfrm>
+          <a:prstGeom prst="rect">
+            <a:avLst/>
+          </a:prstGeom>
+        </p:spPr>
+      </p:pic>
+      <p:sp>
+        <p:nvSpPr>
+          <p:cNvPr id="12" name="矩形 11"/>
+          <p:cNvSpPr/>
+          <p:nvPr/>
+        </p:nvSpPr>
+        <p:spPr>
+          <a:xfrm>
+            <a:off x="4762070" y="1677770"/>
+            <a:ext cx="4178730" cy="1399260"/>
+          </a:xfrm>
+          <a:prstGeom prst="rect">
+            <a:avLst/>
+          </a:prstGeom>
+          <a:solidFill>
+            <a:schemeClr val="accent1">
+              <a:alpha val="0"/>
+            </a:schemeClr>
+          </a:solidFill>
+          <a:ln w="0">
+            <a:solidFill>
+              <a:srgbClr val="FF0000"/>
+            </a:solidFill>
+          </a:ln>
+        </p:spPr>
+        <p:style>
+          <a:lnRef idx="2">
+            <a:schemeClr val="accent1">
+              <a:shade val="50000"/>
+            </a:schemeClr>
+          </a:lnRef>
+          <a:fillRef idx="1">
+            <a:schemeClr val="accent1"/>
+          </a:fillRef>
+          <a:effectRef idx="0">
+            <a:schemeClr val="accent1"/>
+          </a:effectRef>
+          <a:fontRef idx="minor">
+            <a:schemeClr val="lt1"/>
+          </a:fontRef>
+        </p:style>
+        <p:txBody>
+          <a:bodyPr rot="0" spcFirstLastPara="0" vertOverflow="overflow" horzOverflow="overflow" vert="horz" wrap="square" lIns="68580" tIns="34290" rIns="68580" bIns="34290" numCol="1" spcCol="0" rtlCol="0" fromWordArt="0" anchor="ctr" anchorCtr="0" forceAA="0" compatLnSpc="1">
+            <a:prstTxWarp prst="textNoShape">
+              <a:avLst/>
+            </a:prstTxWarp>
+            <a:noAutofit/>
+          </a:bodyPr>
+          <a:lstStyle/>
+          <a:p>
+            <a:pPr algn="ctr"/>
+            <a:endParaRPr lang="zh-CN" altLang="en-US" sz="1350"/>
+          </a:p>
+        </p:txBody>
+      </p:sp>
+      <p:cxnSp>
+        <p:nvCxnSpPr>
+          <p:cNvPr id="13" name="直接箭头连接符 12"/>
+          <p:cNvCxnSpPr/>
+          <p:nvPr/>
+        </p:nvCxnSpPr>
+        <p:spPr>
+          <a:xfrm rot="5400000">
+            <a:off x="6621692" y="1253947"/>
+            <a:ext cx="408759" cy="335280"/>
+          </a:xfrm>
+          <a:prstGeom prst="straightConnector1">
+            <a:avLst/>
+          </a:prstGeom>
+          <a:ln w="0">
+            <a:solidFill>
+              <a:srgbClr val="FF0000"/>
+            </a:solidFill>
+            <a:tailEnd type="triangle"/>
+          </a:ln>
+        </p:spPr>
+        <p:style>
+          <a:lnRef idx="1">
+            <a:schemeClr val="accent1"/>
+          </a:lnRef>
+          <a:fillRef idx="0">
+            <a:schemeClr val="accent1"/>
+          </a:fillRef>
+          <a:effectRef idx="0">
+            <a:schemeClr val="accent1"/>
+          </a:effectRef>
+          <a:fontRef idx="minor">
+            <a:schemeClr val="tx1"/>
+          </a:fontRef>
+        </p:style>
+      </p:cxnSp>
+      <p:sp>
+        <p:nvSpPr>
+          <p:cNvPr id="14" name="文本框 8"/>
+          <p:cNvSpPr txBox="1"/>
+          <p:nvPr/>
+        </p:nvSpPr>
+        <p:spPr>
+          <a:xfrm>
+            <a:off x="6915007" y="980373"/>
+            <a:ext cx="357790" cy="300082"/>
+          </a:xfrm>
+          <a:prstGeom prst="rect">
+            <a:avLst/>
+          </a:prstGeom>
+          <a:noFill/>
+        </p:spPr>
+        <p:txBody>
+          <a:bodyPr wrap="none" rtlCol="0">
+            <a:spAutoFit/>
+          </a:bodyPr>
+          <a:lstStyle/>
+          <a:p>
+            <a:r>
+              <a:rPr lang="ja-JP" altLang="en-US" sz="1350" dirty="0">
+                <a:solidFill>
+                  <a:srgbClr val="FF0000"/>
+                </a:solidFill>
+              </a:rPr>
+              <a:t>③</a:t>
+            </a:r>
+            <a:endParaRPr lang="zh-CN" altLang="en-US" sz="1350" dirty="0">
+              <a:solidFill>
+                <a:srgbClr val="FF0000"/>
+              </a:solidFill>
+            </a:endParaRPr>
+          </a:p>
+        </p:txBody>
+      </p:sp>
+    </p:spTree>
+    <p:extLst>
+      <p:ext uri="{BB962C8B-B14F-4D97-AF65-F5344CB8AC3E}">
+        <p14:creationId xmlns:p14="http://schemas.microsoft.com/office/powerpoint/2010/main" val="719502993"/>
       </p:ext>
     </p:extLst>
   </p:cSld>
@@ -9984,7 +13499,7 @@
   <a:extraClrSchemeLst/>
   <a:extLst>
     <a:ext uri="{05A4C25C-085E-4340-85A3-A5531E510DB2}">
-      <thm15:themeFamily xmlns="" xmlns:thm15="http://schemas.microsoft.com/office/thememl/2012/main" name="Office Theme" id="{62F939B6-93AF-4DB8-9C6B-D6C7DFDC589F}" vid="{4A3C46E8-61CC-4603-A589-7422A47A8E4A}"/>
+      <thm15:themeFamily xmlns:thm15="http://schemas.microsoft.com/office/thememl/2012/main" xmlns="" name="Office Theme" id="{62F939B6-93AF-4DB8-9C6B-D6C7DFDC589F}" vid="{4A3C46E8-61CC-4603-A589-7422A47A8E4A}"/>
     </a:ext>
   </a:extLst>
 </a:theme>
